--- a/Kicad 6.pptx
+++ b/Kicad 6.pptx
@@ -5,17 +5,23 @@
     <p:sldMasterId id="2147483684" r:id="rId4"/>
   </p:sldMasterIdLst>
   <p:notesMasterIdLst>
-    <p:notesMasterId r:id="rId10"/>
+    <p:notesMasterId r:id="rId16"/>
   </p:notesMasterIdLst>
   <p:handoutMasterIdLst>
-    <p:handoutMasterId r:id="rId11"/>
+    <p:handoutMasterId r:id="rId17"/>
   </p:handoutMasterIdLst>
   <p:sldIdLst>
     <p:sldId id="257" r:id="rId5"/>
     <p:sldId id="389" r:id="rId6"/>
     <p:sldId id="384" r:id="rId7"/>
     <p:sldId id="317" r:id="rId8"/>
-    <p:sldId id="391" r:id="rId9"/>
+    <p:sldId id="394" r:id="rId9"/>
+    <p:sldId id="392" r:id="rId10"/>
+    <p:sldId id="393" r:id="rId11"/>
+    <p:sldId id="395" r:id="rId12"/>
+    <p:sldId id="396" r:id="rId13"/>
+    <p:sldId id="397" r:id="rId14"/>
+    <p:sldId id="391" r:id="rId15"/>
   </p:sldIdLst>
   <p:sldSz cx="12192000" cy="6858000"/>
   <p:notesSz cx="6858000" cy="9144000"/>
@@ -232,7 +238,7 @@
             <a:pPr rtl="0"/>
             <a:fld id="{EE1040D4-4151-4C65-9AC3-C3163B9A624A}" type="datetime1">
               <a:rPr lang="da-DK" smtClean="0"/>
-              <a:t>08-03-2022</a:t>
+              <a:t>28-03-2022</a:t>
             </a:fld>
             <a:endParaRPr lang="en-US"/>
           </a:p>
@@ -414,7 +420,7 @@
             <a:pPr rtl="0"/>
             <a:fld id="{E3F84BF6-C0C3-4933-AF58-292ABAF910E0}" type="datetime1">
               <a:rPr lang="da-DK" smtClean="0"/>
-              <a:t>08-03-2022</a:t>
+              <a:t>28-03-2022</a:t>
             </a:fld>
             <a:endParaRPr lang="en-US"/>
           </a:p>
@@ -782,7 +788,7 @@
             <a:pPr rtl="0"/>
             <a:fld id="{055E89FF-DBE7-4694-AA93-D4A1999970F8}" type="datetime1">
               <a:rPr lang="da-DK" smtClean="0"/>
-              <a:t>08-03-2022</a:t>
+              <a:t>28-03-2022</a:t>
             </a:fld>
             <a:endParaRPr lang="en-US"/>
           </a:p>
@@ -898,7 +904,7 @@
             <a:pPr rtl="0"/>
             <a:fld id="{38EEB378-2AE3-45E8-AD65-B8210FA10C2C}" type="datetime1">
               <a:rPr lang="da-DK" smtClean="0"/>
-              <a:t>08-03-2022</a:t>
+              <a:t>28-03-2022</a:t>
             </a:fld>
             <a:endParaRPr lang="en-US"/>
           </a:p>
@@ -1014,7 +1020,7 @@
             <a:pPr rtl="0"/>
             <a:fld id="{84C43F27-3A36-48E9-AFA8-3790D40A53C4}" type="datetime1">
               <a:rPr lang="da-DK" smtClean="0"/>
-              <a:t>08-03-2022</a:t>
+              <a:t>28-03-2022</a:t>
             </a:fld>
             <a:endParaRPr lang="en-US"/>
           </a:p>
@@ -1024,6 +1030,702 @@
     <p:extLst>
       <p:ext uri="{BB962C8B-B14F-4D97-AF65-F5344CB8AC3E}">
         <p14:creationId xmlns:p14="http://schemas.microsoft.com/office/powerpoint/2010/main" val="1586550175"/>
+      </p:ext>
+    </p:extLst>
+  </p:cSld>
+  <p:clrMapOvr>
+    <a:masterClrMapping/>
+  </p:clrMapOvr>
+</p:notes>
+</file>
+
+<file path=ppt/notesSlides/notesSlide4.xml><?xml version="1.0" encoding="utf-8"?>
+<p:notes xmlns:a="http://schemas.openxmlformats.org/drawingml/2006/main" xmlns:r="http://schemas.openxmlformats.org/officeDocument/2006/relationships" xmlns:p="http://schemas.openxmlformats.org/presentationml/2006/main">
+  <p:cSld>
+    <p:spTree>
+      <p:nvGrpSpPr>
+        <p:cNvPr id="1" name=""/>
+        <p:cNvGrpSpPr/>
+        <p:nvPr/>
+      </p:nvGrpSpPr>
+      <p:grpSpPr>
+        <a:xfrm>
+          <a:off x="0" y="0"/>
+          <a:ext cx="0" cy="0"/>
+          <a:chOff x="0" y="0"/>
+          <a:chExt cx="0" cy="0"/>
+        </a:xfrm>
+      </p:grpSpPr>
+      <p:sp>
+        <p:nvSpPr>
+          <p:cNvPr id="2" name="Pladsholder til slidebillede 1"/>
+          <p:cNvSpPr>
+            <a:spLocks noGrp="1" noRot="1" noChangeAspect="1"/>
+          </p:cNvSpPr>
+          <p:nvPr>
+            <p:ph type="sldImg"/>
+          </p:nvPr>
+        </p:nvSpPr>
+        <p:spPr/>
+      </p:sp>
+      <p:sp>
+        <p:nvSpPr>
+          <p:cNvPr id="3" name="Pladsholder til noter 2"/>
+          <p:cNvSpPr>
+            <a:spLocks noGrp="1"/>
+          </p:cNvSpPr>
+          <p:nvPr>
+            <p:ph type="body" idx="1"/>
+          </p:nvPr>
+        </p:nvSpPr>
+        <p:spPr/>
+        <p:txBody>
+          <a:bodyPr rtlCol="0"/>
+          <a:lstStyle/>
+          <a:p>
+            <a:pPr rtl="0"/>
+            <a:endParaRPr lang="en-US" dirty="0"/>
+          </a:p>
+        </p:txBody>
+      </p:sp>
+      <p:sp>
+        <p:nvSpPr>
+          <p:cNvPr id="4" name="Pladsholder til slidenummer 3"/>
+          <p:cNvSpPr>
+            <a:spLocks noGrp="1"/>
+          </p:cNvSpPr>
+          <p:nvPr>
+            <p:ph type="sldNum" sz="quarter" idx="5"/>
+          </p:nvPr>
+        </p:nvSpPr>
+        <p:spPr/>
+        <p:txBody>
+          <a:bodyPr rtlCol="0"/>
+          <a:lstStyle/>
+          <a:p>
+            <a:pPr rtl="0"/>
+            <a:fld id="{1983A999-5E0E-42CA-8400-604AE921FF7C}" type="slidenum">
+              <a:rPr lang="en-US" smtClean="0"/>
+              <a:t>5</a:t>
+            </a:fld>
+            <a:endParaRPr lang="en-US"/>
+          </a:p>
+        </p:txBody>
+      </p:sp>
+      <p:sp>
+        <p:nvSpPr>
+          <p:cNvPr id="5" name="Pladsholder til dato 4">
+            <a:extLst>
+              <a:ext uri="{FF2B5EF4-FFF2-40B4-BE49-F238E27FC236}">
+                <a16:creationId xmlns:a16="http://schemas.microsoft.com/office/drawing/2014/main" id="{04032FBD-48F7-4D37-8FD8-9785B542B6CC}"/>
+              </a:ext>
+            </a:extLst>
+          </p:cNvPr>
+          <p:cNvSpPr>
+            <a:spLocks noGrp="1"/>
+          </p:cNvSpPr>
+          <p:nvPr>
+            <p:ph type="dt" idx="1"/>
+          </p:nvPr>
+        </p:nvSpPr>
+        <p:spPr/>
+        <p:txBody>
+          <a:bodyPr/>
+          <a:lstStyle/>
+          <a:p>
+            <a:pPr rtl="0"/>
+            <a:fld id="{84C43F27-3A36-48E9-AFA8-3790D40A53C4}" type="datetime1">
+              <a:rPr lang="da-DK" smtClean="0"/>
+              <a:t>28-03-2022</a:t>
+            </a:fld>
+            <a:endParaRPr lang="en-US"/>
+          </a:p>
+        </p:txBody>
+      </p:sp>
+    </p:spTree>
+    <p:extLst>
+      <p:ext uri="{BB962C8B-B14F-4D97-AF65-F5344CB8AC3E}">
+        <p14:creationId xmlns:p14="http://schemas.microsoft.com/office/powerpoint/2010/main" val="1402542000"/>
+      </p:ext>
+    </p:extLst>
+  </p:cSld>
+  <p:clrMapOvr>
+    <a:masterClrMapping/>
+  </p:clrMapOvr>
+</p:notes>
+</file>
+
+<file path=ppt/notesSlides/notesSlide5.xml><?xml version="1.0" encoding="utf-8"?>
+<p:notes xmlns:a="http://schemas.openxmlformats.org/drawingml/2006/main" xmlns:r="http://schemas.openxmlformats.org/officeDocument/2006/relationships" xmlns:p="http://schemas.openxmlformats.org/presentationml/2006/main">
+  <p:cSld>
+    <p:spTree>
+      <p:nvGrpSpPr>
+        <p:cNvPr id="1" name=""/>
+        <p:cNvGrpSpPr/>
+        <p:nvPr/>
+      </p:nvGrpSpPr>
+      <p:grpSpPr>
+        <a:xfrm>
+          <a:off x="0" y="0"/>
+          <a:ext cx="0" cy="0"/>
+          <a:chOff x="0" y="0"/>
+          <a:chExt cx="0" cy="0"/>
+        </a:xfrm>
+      </p:grpSpPr>
+      <p:sp>
+        <p:nvSpPr>
+          <p:cNvPr id="2" name="Pladsholder til slidebillede 1"/>
+          <p:cNvSpPr>
+            <a:spLocks noGrp="1" noRot="1" noChangeAspect="1"/>
+          </p:cNvSpPr>
+          <p:nvPr>
+            <p:ph type="sldImg"/>
+          </p:nvPr>
+        </p:nvSpPr>
+        <p:spPr/>
+      </p:sp>
+      <p:sp>
+        <p:nvSpPr>
+          <p:cNvPr id="3" name="Pladsholder til noter 2"/>
+          <p:cNvSpPr>
+            <a:spLocks noGrp="1"/>
+          </p:cNvSpPr>
+          <p:nvPr>
+            <p:ph type="body" idx="1"/>
+          </p:nvPr>
+        </p:nvSpPr>
+        <p:spPr/>
+        <p:txBody>
+          <a:bodyPr rtlCol="0"/>
+          <a:lstStyle/>
+          <a:p>
+            <a:pPr rtl="0"/>
+            <a:endParaRPr lang="en-US" dirty="0"/>
+          </a:p>
+        </p:txBody>
+      </p:sp>
+      <p:sp>
+        <p:nvSpPr>
+          <p:cNvPr id="4" name="Pladsholder til slidenummer 3"/>
+          <p:cNvSpPr>
+            <a:spLocks noGrp="1"/>
+          </p:cNvSpPr>
+          <p:nvPr>
+            <p:ph type="sldNum" sz="quarter" idx="5"/>
+          </p:nvPr>
+        </p:nvSpPr>
+        <p:spPr/>
+        <p:txBody>
+          <a:bodyPr rtlCol="0"/>
+          <a:lstStyle/>
+          <a:p>
+            <a:pPr rtl="0"/>
+            <a:fld id="{1983A999-5E0E-42CA-8400-604AE921FF7C}" type="slidenum">
+              <a:rPr lang="en-US" smtClean="0"/>
+              <a:t>6</a:t>
+            </a:fld>
+            <a:endParaRPr lang="en-US"/>
+          </a:p>
+        </p:txBody>
+      </p:sp>
+      <p:sp>
+        <p:nvSpPr>
+          <p:cNvPr id="5" name="Pladsholder til dato 4">
+            <a:extLst>
+              <a:ext uri="{FF2B5EF4-FFF2-40B4-BE49-F238E27FC236}">
+                <a16:creationId xmlns:a16="http://schemas.microsoft.com/office/drawing/2014/main" id="{04032FBD-48F7-4D37-8FD8-9785B542B6CC}"/>
+              </a:ext>
+            </a:extLst>
+          </p:cNvPr>
+          <p:cNvSpPr>
+            <a:spLocks noGrp="1"/>
+          </p:cNvSpPr>
+          <p:nvPr>
+            <p:ph type="dt" idx="1"/>
+          </p:nvPr>
+        </p:nvSpPr>
+        <p:spPr/>
+        <p:txBody>
+          <a:bodyPr/>
+          <a:lstStyle/>
+          <a:p>
+            <a:pPr rtl="0"/>
+            <a:fld id="{84C43F27-3A36-48E9-AFA8-3790D40A53C4}" type="datetime1">
+              <a:rPr lang="da-DK" smtClean="0"/>
+              <a:t>28-03-2022</a:t>
+            </a:fld>
+            <a:endParaRPr lang="en-US"/>
+          </a:p>
+        </p:txBody>
+      </p:sp>
+    </p:spTree>
+    <p:extLst>
+      <p:ext uri="{BB962C8B-B14F-4D97-AF65-F5344CB8AC3E}">
+        <p14:creationId xmlns:p14="http://schemas.microsoft.com/office/powerpoint/2010/main" val="647861916"/>
+      </p:ext>
+    </p:extLst>
+  </p:cSld>
+  <p:clrMapOvr>
+    <a:masterClrMapping/>
+  </p:clrMapOvr>
+</p:notes>
+</file>
+
+<file path=ppt/notesSlides/notesSlide6.xml><?xml version="1.0" encoding="utf-8"?>
+<p:notes xmlns:a="http://schemas.openxmlformats.org/drawingml/2006/main" xmlns:r="http://schemas.openxmlformats.org/officeDocument/2006/relationships" xmlns:p="http://schemas.openxmlformats.org/presentationml/2006/main">
+  <p:cSld>
+    <p:spTree>
+      <p:nvGrpSpPr>
+        <p:cNvPr id="1" name=""/>
+        <p:cNvGrpSpPr/>
+        <p:nvPr/>
+      </p:nvGrpSpPr>
+      <p:grpSpPr>
+        <a:xfrm>
+          <a:off x="0" y="0"/>
+          <a:ext cx="0" cy="0"/>
+          <a:chOff x="0" y="0"/>
+          <a:chExt cx="0" cy="0"/>
+        </a:xfrm>
+      </p:grpSpPr>
+      <p:sp>
+        <p:nvSpPr>
+          <p:cNvPr id="2" name="Pladsholder til slidebillede 1"/>
+          <p:cNvSpPr>
+            <a:spLocks noGrp="1" noRot="1" noChangeAspect="1"/>
+          </p:cNvSpPr>
+          <p:nvPr>
+            <p:ph type="sldImg"/>
+          </p:nvPr>
+        </p:nvSpPr>
+        <p:spPr/>
+      </p:sp>
+      <p:sp>
+        <p:nvSpPr>
+          <p:cNvPr id="3" name="Pladsholder til noter 2"/>
+          <p:cNvSpPr>
+            <a:spLocks noGrp="1"/>
+          </p:cNvSpPr>
+          <p:nvPr>
+            <p:ph type="body" idx="1"/>
+          </p:nvPr>
+        </p:nvSpPr>
+        <p:spPr/>
+        <p:txBody>
+          <a:bodyPr rtlCol="0"/>
+          <a:lstStyle/>
+          <a:p>
+            <a:pPr rtl="0"/>
+            <a:endParaRPr lang="en-US" dirty="0"/>
+          </a:p>
+        </p:txBody>
+      </p:sp>
+      <p:sp>
+        <p:nvSpPr>
+          <p:cNvPr id="4" name="Pladsholder til slidenummer 3"/>
+          <p:cNvSpPr>
+            <a:spLocks noGrp="1"/>
+          </p:cNvSpPr>
+          <p:nvPr>
+            <p:ph type="sldNum" sz="quarter" idx="5"/>
+          </p:nvPr>
+        </p:nvSpPr>
+        <p:spPr/>
+        <p:txBody>
+          <a:bodyPr rtlCol="0"/>
+          <a:lstStyle/>
+          <a:p>
+            <a:pPr rtl="0"/>
+            <a:fld id="{1983A999-5E0E-42CA-8400-604AE921FF7C}" type="slidenum">
+              <a:rPr lang="en-US" smtClean="0"/>
+              <a:t>7</a:t>
+            </a:fld>
+            <a:endParaRPr lang="en-US"/>
+          </a:p>
+        </p:txBody>
+      </p:sp>
+      <p:sp>
+        <p:nvSpPr>
+          <p:cNvPr id="5" name="Pladsholder til dato 4">
+            <a:extLst>
+              <a:ext uri="{FF2B5EF4-FFF2-40B4-BE49-F238E27FC236}">
+                <a16:creationId xmlns:a16="http://schemas.microsoft.com/office/drawing/2014/main" id="{04032FBD-48F7-4D37-8FD8-9785B542B6CC}"/>
+              </a:ext>
+            </a:extLst>
+          </p:cNvPr>
+          <p:cNvSpPr>
+            <a:spLocks noGrp="1"/>
+          </p:cNvSpPr>
+          <p:nvPr>
+            <p:ph type="dt" idx="1"/>
+          </p:nvPr>
+        </p:nvSpPr>
+        <p:spPr/>
+        <p:txBody>
+          <a:bodyPr/>
+          <a:lstStyle/>
+          <a:p>
+            <a:pPr rtl="0"/>
+            <a:fld id="{84C43F27-3A36-48E9-AFA8-3790D40A53C4}" type="datetime1">
+              <a:rPr lang="da-DK" smtClean="0"/>
+              <a:t>28-03-2022</a:t>
+            </a:fld>
+            <a:endParaRPr lang="en-US"/>
+          </a:p>
+        </p:txBody>
+      </p:sp>
+    </p:spTree>
+    <p:extLst>
+      <p:ext uri="{BB962C8B-B14F-4D97-AF65-F5344CB8AC3E}">
+        <p14:creationId xmlns:p14="http://schemas.microsoft.com/office/powerpoint/2010/main" val="34855125"/>
+      </p:ext>
+    </p:extLst>
+  </p:cSld>
+  <p:clrMapOvr>
+    <a:masterClrMapping/>
+  </p:clrMapOvr>
+</p:notes>
+</file>
+
+<file path=ppt/notesSlides/notesSlide7.xml><?xml version="1.0" encoding="utf-8"?>
+<p:notes xmlns:a="http://schemas.openxmlformats.org/drawingml/2006/main" xmlns:r="http://schemas.openxmlformats.org/officeDocument/2006/relationships" xmlns:p="http://schemas.openxmlformats.org/presentationml/2006/main">
+  <p:cSld>
+    <p:spTree>
+      <p:nvGrpSpPr>
+        <p:cNvPr id="1" name=""/>
+        <p:cNvGrpSpPr/>
+        <p:nvPr/>
+      </p:nvGrpSpPr>
+      <p:grpSpPr>
+        <a:xfrm>
+          <a:off x="0" y="0"/>
+          <a:ext cx="0" cy="0"/>
+          <a:chOff x="0" y="0"/>
+          <a:chExt cx="0" cy="0"/>
+        </a:xfrm>
+      </p:grpSpPr>
+      <p:sp>
+        <p:nvSpPr>
+          <p:cNvPr id="2" name="Pladsholder til slidebillede 1"/>
+          <p:cNvSpPr>
+            <a:spLocks noGrp="1" noRot="1" noChangeAspect="1"/>
+          </p:cNvSpPr>
+          <p:nvPr>
+            <p:ph type="sldImg"/>
+          </p:nvPr>
+        </p:nvSpPr>
+        <p:spPr/>
+      </p:sp>
+      <p:sp>
+        <p:nvSpPr>
+          <p:cNvPr id="3" name="Pladsholder til noter 2"/>
+          <p:cNvSpPr>
+            <a:spLocks noGrp="1"/>
+          </p:cNvSpPr>
+          <p:nvPr>
+            <p:ph type="body" idx="1"/>
+          </p:nvPr>
+        </p:nvSpPr>
+        <p:spPr/>
+        <p:txBody>
+          <a:bodyPr rtlCol="0"/>
+          <a:lstStyle/>
+          <a:p>
+            <a:pPr rtl="0"/>
+            <a:endParaRPr lang="en-US" dirty="0"/>
+          </a:p>
+        </p:txBody>
+      </p:sp>
+      <p:sp>
+        <p:nvSpPr>
+          <p:cNvPr id="4" name="Pladsholder til slidenummer 3"/>
+          <p:cNvSpPr>
+            <a:spLocks noGrp="1"/>
+          </p:cNvSpPr>
+          <p:nvPr>
+            <p:ph type="sldNum" sz="quarter" idx="5"/>
+          </p:nvPr>
+        </p:nvSpPr>
+        <p:spPr/>
+        <p:txBody>
+          <a:bodyPr rtlCol="0"/>
+          <a:lstStyle/>
+          <a:p>
+            <a:pPr rtl="0"/>
+            <a:fld id="{1983A999-5E0E-42CA-8400-604AE921FF7C}" type="slidenum">
+              <a:rPr lang="en-US" smtClean="0"/>
+              <a:t>8</a:t>
+            </a:fld>
+            <a:endParaRPr lang="en-US"/>
+          </a:p>
+        </p:txBody>
+      </p:sp>
+      <p:sp>
+        <p:nvSpPr>
+          <p:cNvPr id="5" name="Pladsholder til dato 4">
+            <a:extLst>
+              <a:ext uri="{FF2B5EF4-FFF2-40B4-BE49-F238E27FC236}">
+                <a16:creationId xmlns:a16="http://schemas.microsoft.com/office/drawing/2014/main" id="{04032FBD-48F7-4D37-8FD8-9785B542B6CC}"/>
+              </a:ext>
+            </a:extLst>
+          </p:cNvPr>
+          <p:cNvSpPr>
+            <a:spLocks noGrp="1"/>
+          </p:cNvSpPr>
+          <p:nvPr>
+            <p:ph type="dt" idx="1"/>
+          </p:nvPr>
+        </p:nvSpPr>
+        <p:spPr/>
+        <p:txBody>
+          <a:bodyPr/>
+          <a:lstStyle/>
+          <a:p>
+            <a:pPr rtl="0"/>
+            <a:fld id="{84C43F27-3A36-48E9-AFA8-3790D40A53C4}" type="datetime1">
+              <a:rPr lang="da-DK" smtClean="0"/>
+              <a:t>28-03-2022</a:t>
+            </a:fld>
+            <a:endParaRPr lang="en-US"/>
+          </a:p>
+        </p:txBody>
+      </p:sp>
+    </p:spTree>
+    <p:extLst>
+      <p:ext uri="{BB962C8B-B14F-4D97-AF65-F5344CB8AC3E}">
+        <p14:creationId xmlns:p14="http://schemas.microsoft.com/office/powerpoint/2010/main" val="480050975"/>
+      </p:ext>
+    </p:extLst>
+  </p:cSld>
+  <p:clrMapOvr>
+    <a:masterClrMapping/>
+  </p:clrMapOvr>
+</p:notes>
+</file>
+
+<file path=ppt/notesSlides/notesSlide8.xml><?xml version="1.0" encoding="utf-8"?>
+<p:notes xmlns:a="http://schemas.openxmlformats.org/drawingml/2006/main" xmlns:r="http://schemas.openxmlformats.org/officeDocument/2006/relationships" xmlns:p="http://schemas.openxmlformats.org/presentationml/2006/main">
+  <p:cSld>
+    <p:spTree>
+      <p:nvGrpSpPr>
+        <p:cNvPr id="1" name=""/>
+        <p:cNvGrpSpPr/>
+        <p:nvPr/>
+      </p:nvGrpSpPr>
+      <p:grpSpPr>
+        <a:xfrm>
+          <a:off x="0" y="0"/>
+          <a:ext cx="0" cy="0"/>
+          <a:chOff x="0" y="0"/>
+          <a:chExt cx="0" cy="0"/>
+        </a:xfrm>
+      </p:grpSpPr>
+      <p:sp>
+        <p:nvSpPr>
+          <p:cNvPr id="2" name="Pladsholder til slidebillede 1"/>
+          <p:cNvSpPr>
+            <a:spLocks noGrp="1" noRot="1" noChangeAspect="1"/>
+          </p:cNvSpPr>
+          <p:nvPr>
+            <p:ph type="sldImg"/>
+          </p:nvPr>
+        </p:nvSpPr>
+        <p:spPr/>
+      </p:sp>
+      <p:sp>
+        <p:nvSpPr>
+          <p:cNvPr id="3" name="Pladsholder til noter 2"/>
+          <p:cNvSpPr>
+            <a:spLocks noGrp="1"/>
+          </p:cNvSpPr>
+          <p:nvPr>
+            <p:ph type="body" idx="1"/>
+          </p:nvPr>
+        </p:nvSpPr>
+        <p:spPr/>
+        <p:txBody>
+          <a:bodyPr rtlCol="0"/>
+          <a:lstStyle/>
+          <a:p>
+            <a:pPr rtl="0"/>
+            <a:endParaRPr lang="en-US" dirty="0"/>
+          </a:p>
+        </p:txBody>
+      </p:sp>
+      <p:sp>
+        <p:nvSpPr>
+          <p:cNvPr id="4" name="Pladsholder til slidenummer 3"/>
+          <p:cNvSpPr>
+            <a:spLocks noGrp="1"/>
+          </p:cNvSpPr>
+          <p:nvPr>
+            <p:ph type="sldNum" sz="quarter" idx="5"/>
+          </p:nvPr>
+        </p:nvSpPr>
+        <p:spPr/>
+        <p:txBody>
+          <a:bodyPr rtlCol="0"/>
+          <a:lstStyle/>
+          <a:p>
+            <a:pPr rtl="0"/>
+            <a:fld id="{1983A999-5E0E-42CA-8400-604AE921FF7C}" type="slidenum">
+              <a:rPr lang="en-US" smtClean="0"/>
+              <a:t>9</a:t>
+            </a:fld>
+            <a:endParaRPr lang="en-US"/>
+          </a:p>
+        </p:txBody>
+      </p:sp>
+      <p:sp>
+        <p:nvSpPr>
+          <p:cNvPr id="5" name="Pladsholder til dato 4">
+            <a:extLst>
+              <a:ext uri="{FF2B5EF4-FFF2-40B4-BE49-F238E27FC236}">
+                <a16:creationId xmlns:a16="http://schemas.microsoft.com/office/drawing/2014/main" id="{04032FBD-48F7-4D37-8FD8-9785B542B6CC}"/>
+              </a:ext>
+            </a:extLst>
+          </p:cNvPr>
+          <p:cNvSpPr>
+            <a:spLocks noGrp="1"/>
+          </p:cNvSpPr>
+          <p:nvPr>
+            <p:ph type="dt" idx="1"/>
+          </p:nvPr>
+        </p:nvSpPr>
+        <p:spPr/>
+        <p:txBody>
+          <a:bodyPr/>
+          <a:lstStyle/>
+          <a:p>
+            <a:pPr rtl="0"/>
+            <a:fld id="{84C43F27-3A36-48E9-AFA8-3790D40A53C4}" type="datetime1">
+              <a:rPr lang="da-DK" smtClean="0"/>
+              <a:t>28-03-2022</a:t>
+            </a:fld>
+            <a:endParaRPr lang="en-US"/>
+          </a:p>
+        </p:txBody>
+      </p:sp>
+    </p:spTree>
+    <p:extLst>
+      <p:ext uri="{BB962C8B-B14F-4D97-AF65-F5344CB8AC3E}">
+        <p14:creationId xmlns:p14="http://schemas.microsoft.com/office/powerpoint/2010/main" val="2078245021"/>
+      </p:ext>
+    </p:extLst>
+  </p:cSld>
+  <p:clrMapOvr>
+    <a:masterClrMapping/>
+  </p:clrMapOvr>
+</p:notes>
+</file>
+
+<file path=ppt/notesSlides/notesSlide9.xml><?xml version="1.0" encoding="utf-8"?>
+<p:notes xmlns:a="http://schemas.openxmlformats.org/drawingml/2006/main" xmlns:r="http://schemas.openxmlformats.org/officeDocument/2006/relationships" xmlns:p="http://schemas.openxmlformats.org/presentationml/2006/main">
+  <p:cSld>
+    <p:spTree>
+      <p:nvGrpSpPr>
+        <p:cNvPr id="1" name=""/>
+        <p:cNvGrpSpPr/>
+        <p:nvPr/>
+      </p:nvGrpSpPr>
+      <p:grpSpPr>
+        <a:xfrm>
+          <a:off x="0" y="0"/>
+          <a:ext cx="0" cy="0"/>
+          <a:chOff x="0" y="0"/>
+          <a:chExt cx="0" cy="0"/>
+        </a:xfrm>
+      </p:grpSpPr>
+      <p:sp>
+        <p:nvSpPr>
+          <p:cNvPr id="2" name="Pladsholder til slidebillede 1"/>
+          <p:cNvSpPr>
+            <a:spLocks noGrp="1" noRot="1" noChangeAspect="1"/>
+          </p:cNvSpPr>
+          <p:nvPr>
+            <p:ph type="sldImg"/>
+          </p:nvPr>
+        </p:nvSpPr>
+        <p:spPr/>
+      </p:sp>
+      <p:sp>
+        <p:nvSpPr>
+          <p:cNvPr id="3" name="Pladsholder til noter 2"/>
+          <p:cNvSpPr>
+            <a:spLocks noGrp="1"/>
+          </p:cNvSpPr>
+          <p:nvPr>
+            <p:ph type="body" idx="1"/>
+          </p:nvPr>
+        </p:nvSpPr>
+        <p:spPr/>
+        <p:txBody>
+          <a:bodyPr rtlCol="0"/>
+          <a:lstStyle/>
+          <a:p>
+            <a:pPr rtl="0"/>
+            <a:endParaRPr lang="en-US" dirty="0"/>
+          </a:p>
+        </p:txBody>
+      </p:sp>
+      <p:sp>
+        <p:nvSpPr>
+          <p:cNvPr id="4" name="Pladsholder til slidenummer 3"/>
+          <p:cNvSpPr>
+            <a:spLocks noGrp="1"/>
+          </p:cNvSpPr>
+          <p:nvPr>
+            <p:ph type="sldNum" sz="quarter" idx="5"/>
+          </p:nvPr>
+        </p:nvSpPr>
+        <p:spPr/>
+        <p:txBody>
+          <a:bodyPr rtlCol="0"/>
+          <a:lstStyle/>
+          <a:p>
+            <a:pPr rtl="0"/>
+            <a:fld id="{1983A999-5E0E-42CA-8400-604AE921FF7C}" type="slidenum">
+              <a:rPr lang="en-US" smtClean="0"/>
+              <a:t>10</a:t>
+            </a:fld>
+            <a:endParaRPr lang="en-US"/>
+          </a:p>
+        </p:txBody>
+      </p:sp>
+      <p:sp>
+        <p:nvSpPr>
+          <p:cNvPr id="5" name="Pladsholder til dato 4">
+            <a:extLst>
+              <a:ext uri="{FF2B5EF4-FFF2-40B4-BE49-F238E27FC236}">
+                <a16:creationId xmlns:a16="http://schemas.microsoft.com/office/drawing/2014/main" id="{04032FBD-48F7-4D37-8FD8-9785B542B6CC}"/>
+              </a:ext>
+            </a:extLst>
+          </p:cNvPr>
+          <p:cNvSpPr>
+            <a:spLocks noGrp="1"/>
+          </p:cNvSpPr>
+          <p:nvPr>
+            <p:ph type="dt" idx="1"/>
+          </p:nvPr>
+        </p:nvSpPr>
+        <p:spPr/>
+        <p:txBody>
+          <a:bodyPr/>
+          <a:lstStyle/>
+          <a:p>
+            <a:pPr rtl="0"/>
+            <a:fld id="{84C43F27-3A36-48E9-AFA8-3790D40A53C4}" type="datetime1">
+              <a:rPr lang="da-DK" smtClean="0"/>
+              <a:t>28-03-2022</a:t>
+            </a:fld>
+            <a:endParaRPr lang="en-US"/>
+          </a:p>
+        </p:txBody>
+      </p:sp>
+    </p:spTree>
+    <p:extLst>
+      <p:ext uri="{BB962C8B-B14F-4D97-AF65-F5344CB8AC3E}">
+        <p14:creationId xmlns:p14="http://schemas.microsoft.com/office/powerpoint/2010/main" val="4200445825"/>
       </p:ext>
     </p:extLst>
   </p:cSld>
@@ -13223,6 +13925,531 @@
 </p:sld>
 </file>
 
+<file path=ppt/slides/slide10.xml><?xml version="1.0" encoding="utf-8"?>
+<p:sld xmlns:a="http://schemas.openxmlformats.org/drawingml/2006/main" xmlns:r="http://schemas.openxmlformats.org/officeDocument/2006/relationships" xmlns:p="http://schemas.openxmlformats.org/presentationml/2006/main">
+  <p:cSld>
+    <p:spTree>
+      <p:nvGrpSpPr>
+        <p:cNvPr id="1" name=""/>
+        <p:cNvGrpSpPr/>
+        <p:nvPr/>
+      </p:nvGrpSpPr>
+      <p:grpSpPr>
+        <a:xfrm>
+          <a:off x="0" y="0"/>
+          <a:ext cx="0" cy="0"/>
+          <a:chOff x="0" y="0"/>
+          <a:chExt cx="0" cy="0"/>
+        </a:xfrm>
+      </p:grpSpPr>
+      <p:pic>
+        <p:nvPicPr>
+          <p:cNvPr id="8" name="Pladsholder til billede 7" descr="Digital baggrund i datapunkter">
+            <a:extLst>
+              <a:ext uri="{FF2B5EF4-FFF2-40B4-BE49-F238E27FC236}">
+                <a16:creationId xmlns:a16="http://schemas.microsoft.com/office/drawing/2014/main" id="{5FED7C55-F545-49A1-90FD-D853A25AB453}"/>
+              </a:ext>
+            </a:extLst>
+          </p:cNvPr>
+          <p:cNvPicPr>
+            <a:picLocks noGrp="1" noChangeAspect="1"/>
+          </p:cNvPicPr>
+          <p:nvPr>
+            <p:ph type="pic" sz="quarter" idx="13"/>
+          </p:nvPr>
+        </p:nvPicPr>
+        <p:blipFill>
+          <a:blip r:embed="rId3">
+            <a:extLst>
+              <a:ext uri="{28A0092B-C50C-407E-A947-70E740481C1C}">
+                <a14:useLocalDpi xmlns:a14="http://schemas.microsoft.com/office/drawing/2010/main" val="0"/>
+              </a:ext>
+            </a:extLst>
+          </a:blip>
+          <a:srcRect/>
+          <a:stretch>
+            <a:fillRect/>
+          </a:stretch>
+        </p:blipFill>
+        <p:spPr/>
+      </p:pic>
+      <p:sp>
+        <p:nvSpPr>
+          <p:cNvPr id="15" name="Titel 14">
+            <a:extLst>
+              <a:ext uri="{FF2B5EF4-FFF2-40B4-BE49-F238E27FC236}">
+                <a16:creationId xmlns:a16="http://schemas.microsoft.com/office/drawing/2014/main" id="{40F1DF5B-353A-4270-8C10-6A1509441174}"/>
+              </a:ext>
+            </a:extLst>
+          </p:cNvPr>
+          <p:cNvSpPr>
+            <a:spLocks noGrp="1"/>
+          </p:cNvSpPr>
+          <p:nvPr>
+            <p:ph type="ctrTitle"/>
+          </p:nvPr>
+        </p:nvSpPr>
+        <p:spPr>
+          <a:xfrm>
+            <a:off x="550863" y="549275"/>
+            <a:ext cx="5437187" cy="2986234"/>
+          </a:xfrm>
+        </p:spPr>
+        <p:txBody>
+          <a:bodyPr vert="horz" wrap="square" lIns="0" tIns="0" rIns="0" bIns="0" rtlCol="0" anchor="b" anchorCtr="0">
+            <a:normAutofit/>
+          </a:bodyPr>
+          <a:lstStyle/>
+          <a:p>
+            <a:pPr rtl="0">
+              <a:lnSpc>
+                <a:spcPct val="100000"/>
+              </a:lnSpc>
+            </a:pPr>
+            <a:r>
+              <a:rPr lang="da-DK" sz="6400" kern="1200" dirty="0">
+                <a:solidFill>
+                  <a:schemeClr val="tx1"/>
+                </a:solidFill>
+                <a:latin typeface="+mj-lt"/>
+                <a:ea typeface="+mj-ea"/>
+                <a:cs typeface="+mj-cs"/>
+              </a:rPr>
+              <a:t>Panel</a:t>
+            </a:r>
+          </a:p>
+        </p:txBody>
+      </p:sp>
+      <p:sp>
+        <p:nvSpPr>
+          <p:cNvPr id="16" name="Undertitel 15">
+            <a:extLst>
+              <a:ext uri="{FF2B5EF4-FFF2-40B4-BE49-F238E27FC236}">
+                <a16:creationId xmlns:a16="http://schemas.microsoft.com/office/drawing/2014/main" id="{4BDCF583-1D5D-4235-97C2-39272B80A0B1}"/>
+              </a:ext>
+            </a:extLst>
+          </p:cNvPr>
+          <p:cNvSpPr>
+            <a:spLocks noGrp="1"/>
+          </p:cNvSpPr>
+          <p:nvPr>
+            <p:ph type="subTitle" idx="1"/>
+          </p:nvPr>
+        </p:nvSpPr>
+        <p:spPr>
+          <a:xfrm>
+            <a:off x="550863" y="3827610"/>
+            <a:ext cx="5437187" cy="2265216"/>
+          </a:xfrm>
+        </p:spPr>
+        <p:txBody>
+          <a:bodyPr vert="horz" wrap="square" lIns="0" tIns="0" rIns="0" bIns="0" rtlCol="0">
+            <a:normAutofit/>
+          </a:bodyPr>
+          <a:lstStyle/>
+          <a:p>
+            <a:pPr marL="0" indent="0" rtl="0">
+              <a:lnSpc>
+                <a:spcPct val="100000"/>
+              </a:lnSpc>
+              <a:buNone/>
+            </a:pPr>
+            <a:r>
+              <a:rPr lang="da-DK" dirty="0"/>
+              <a:t>https://github.com/yaqwsx/KiKit</a:t>
+            </a:r>
+            <a:endParaRPr lang="da-DK" kern="1200" dirty="0">
+              <a:latin typeface="+mn-lt"/>
+              <a:ea typeface="+mn-ea"/>
+              <a:cs typeface="+mn-cs"/>
+            </a:endParaRPr>
+          </a:p>
+        </p:txBody>
+      </p:sp>
+      <p:sp>
+        <p:nvSpPr>
+          <p:cNvPr id="2" name="Pladsholder til dato 1">
+            <a:extLst>
+              <a:ext uri="{FF2B5EF4-FFF2-40B4-BE49-F238E27FC236}">
+                <a16:creationId xmlns:a16="http://schemas.microsoft.com/office/drawing/2014/main" id="{2910D835-B454-4270-BB35-86A187307E6F}"/>
+              </a:ext>
+            </a:extLst>
+          </p:cNvPr>
+          <p:cNvSpPr>
+            <a:spLocks noGrp="1"/>
+          </p:cNvSpPr>
+          <p:nvPr>
+            <p:ph type="dt" sz="half" idx="10"/>
+          </p:nvPr>
+        </p:nvSpPr>
+        <p:spPr/>
+        <p:txBody>
+          <a:bodyPr rtlCol="0"/>
+          <a:lstStyle/>
+          <a:p>
+            <a:pPr rtl="0"/>
+            <a:r>
+              <a:rPr lang="da-DK" dirty="0"/>
+              <a:t>Tirsdag d. 2. februar 20XX</a:t>
+            </a:r>
+          </a:p>
+        </p:txBody>
+      </p:sp>
+      <p:sp>
+        <p:nvSpPr>
+          <p:cNvPr id="3" name="Pladsholder til sidefod 2">
+            <a:extLst>
+              <a:ext uri="{FF2B5EF4-FFF2-40B4-BE49-F238E27FC236}">
+                <a16:creationId xmlns:a16="http://schemas.microsoft.com/office/drawing/2014/main" id="{7F7F653B-90B5-4F47-A33F-93DCB2EF68C2}"/>
+              </a:ext>
+            </a:extLst>
+          </p:cNvPr>
+          <p:cNvSpPr>
+            <a:spLocks noGrp="1"/>
+          </p:cNvSpPr>
+          <p:nvPr>
+            <p:ph type="ftr" sz="quarter" idx="11"/>
+          </p:nvPr>
+        </p:nvSpPr>
+        <p:spPr/>
+        <p:txBody>
+          <a:bodyPr rtlCol="0"/>
+          <a:lstStyle/>
+          <a:p>
+            <a:pPr rtl="0"/>
+            <a:r>
+              <a:rPr lang="da-DK" dirty="0" err="1"/>
+              <a:t>KiCad</a:t>
+            </a:r>
+            <a:endParaRPr lang="da-DK" dirty="0"/>
+          </a:p>
+        </p:txBody>
+      </p:sp>
+      <p:sp>
+        <p:nvSpPr>
+          <p:cNvPr id="4" name="Pladsholder til slidenummer 3">
+            <a:extLst>
+              <a:ext uri="{FF2B5EF4-FFF2-40B4-BE49-F238E27FC236}">
+                <a16:creationId xmlns:a16="http://schemas.microsoft.com/office/drawing/2014/main" id="{E1E7D98D-6710-41D2-B258-E1A1059D29F8}"/>
+              </a:ext>
+            </a:extLst>
+          </p:cNvPr>
+          <p:cNvSpPr>
+            <a:spLocks noGrp="1"/>
+          </p:cNvSpPr>
+          <p:nvPr>
+            <p:ph type="sldNum" sz="quarter" idx="12"/>
+          </p:nvPr>
+        </p:nvSpPr>
+        <p:spPr/>
+        <p:txBody>
+          <a:bodyPr rtlCol="0"/>
+          <a:lstStyle/>
+          <a:p>
+            <a:pPr rtl="0"/>
+            <a:fld id="{DBA1B0FB-D917-4C8C-928F-313BD683BF39}" type="slidenum">
+              <a:rPr lang="da-DK" smtClean="0"/>
+              <a:t>10</a:t>
+            </a:fld>
+            <a:endParaRPr lang="da-DK" dirty="0"/>
+          </a:p>
+        </p:txBody>
+      </p:sp>
+    </p:spTree>
+    <p:extLst>
+      <p:ext uri="{BB962C8B-B14F-4D97-AF65-F5344CB8AC3E}">
+        <p14:creationId xmlns:p14="http://schemas.microsoft.com/office/powerpoint/2010/main" val="2542965395"/>
+      </p:ext>
+    </p:extLst>
+  </p:cSld>
+  <p:clrMapOvr>
+    <a:masterClrMapping/>
+  </p:clrMapOvr>
+</p:sld>
+</file>
+
+<file path=ppt/slides/slide11.xml><?xml version="1.0" encoding="utf-8"?>
+<p:sld xmlns:a="http://schemas.openxmlformats.org/drawingml/2006/main" xmlns:r="http://schemas.openxmlformats.org/officeDocument/2006/relationships" xmlns:p="http://schemas.openxmlformats.org/presentationml/2006/main">
+  <p:cSld>
+    <p:spTree>
+      <p:nvGrpSpPr>
+        <p:cNvPr id="1" name=""/>
+        <p:cNvGrpSpPr/>
+        <p:nvPr/>
+      </p:nvGrpSpPr>
+      <p:grpSpPr>
+        <a:xfrm>
+          <a:off x="0" y="0"/>
+          <a:ext cx="0" cy="0"/>
+          <a:chOff x="0" y="0"/>
+          <a:chExt cx="0" cy="0"/>
+        </a:xfrm>
+      </p:grpSpPr>
+      <p:sp>
+        <p:nvSpPr>
+          <p:cNvPr id="22" name="Titel 21">
+            <a:extLst>
+              <a:ext uri="{FF2B5EF4-FFF2-40B4-BE49-F238E27FC236}">
+                <a16:creationId xmlns:a16="http://schemas.microsoft.com/office/drawing/2014/main" id="{F8FAEED9-1ECD-45F9-87A0-9394BAEABB79}"/>
+              </a:ext>
+            </a:extLst>
+          </p:cNvPr>
+          <p:cNvSpPr>
+            <a:spLocks noGrp="1"/>
+          </p:cNvSpPr>
+          <p:nvPr>
+            <p:ph type="ctrTitle"/>
+          </p:nvPr>
+        </p:nvSpPr>
+        <p:spPr>
+          <a:xfrm>
+            <a:off x="550863" y="549275"/>
+            <a:ext cx="5437187" cy="2986234"/>
+          </a:xfrm>
+        </p:spPr>
+        <p:txBody>
+          <a:bodyPr rtlCol="0"/>
+          <a:lstStyle/>
+          <a:p>
+            <a:pPr rtl="0"/>
+            <a:r>
+              <a:rPr lang="da-DK" dirty="0"/>
+              <a:t>Tak</a:t>
+            </a:r>
+          </a:p>
+        </p:txBody>
+      </p:sp>
+      <p:sp>
+        <p:nvSpPr>
+          <p:cNvPr id="23" name="Undertitel 22">
+            <a:extLst>
+              <a:ext uri="{FF2B5EF4-FFF2-40B4-BE49-F238E27FC236}">
+                <a16:creationId xmlns:a16="http://schemas.microsoft.com/office/drawing/2014/main" id="{8E5E4638-9BCB-4C2E-914F-CC868E2020D5}"/>
+              </a:ext>
+            </a:extLst>
+          </p:cNvPr>
+          <p:cNvSpPr>
+            <a:spLocks noGrp="1"/>
+          </p:cNvSpPr>
+          <p:nvPr>
+            <p:ph type="subTitle" idx="1"/>
+          </p:nvPr>
+        </p:nvSpPr>
+        <p:spPr>
+          <a:xfrm>
+            <a:off x="550863" y="3827610"/>
+            <a:ext cx="5437187" cy="2265216"/>
+          </a:xfrm>
+        </p:spPr>
+        <p:txBody>
+          <a:bodyPr rtlCol="0"/>
+          <a:lstStyle/>
+          <a:p>
+            <a:pPr rtl="0"/>
+            <a:r>
+              <a:rPr lang="da-DK" dirty="0"/>
+              <a:t>Gert Lauritsen</a:t>
+            </a:r>
+          </a:p>
+          <a:p>
+            <a:pPr rtl="0"/>
+            <a:r>
+              <a:rPr lang="da-DK" dirty="0"/>
+              <a:t>Gert@askob.dk</a:t>
+            </a:r>
+          </a:p>
+          <a:p>
+            <a:pPr rtl="0"/>
+            <a:endParaRPr lang="da-DK" dirty="0"/>
+          </a:p>
+        </p:txBody>
+      </p:sp>
+      <p:pic>
+        <p:nvPicPr>
+          <p:cNvPr id="27" name="Pladsholder til billede 26" descr="Digital baggrund i datapunkter">
+            <a:extLst>
+              <a:ext uri="{FF2B5EF4-FFF2-40B4-BE49-F238E27FC236}">
+                <a16:creationId xmlns:a16="http://schemas.microsoft.com/office/drawing/2014/main" id="{9E660784-34E2-4CDA-926A-DDD6AAF35046}"/>
+              </a:ext>
+            </a:extLst>
+          </p:cNvPr>
+          <p:cNvPicPr>
+            <a:picLocks noGrp="1" noChangeAspect="1"/>
+          </p:cNvPicPr>
+          <p:nvPr>
+            <p:ph type="pic" sz="quarter" idx="15"/>
+          </p:nvPr>
+        </p:nvPicPr>
+        <p:blipFill rotWithShape="1">
+          <a:blip r:embed="rId2" cstate="screen">
+            <a:extLst>
+              <a:ext uri="{28A0092B-C50C-407E-A947-70E740481C1C}">
+                <a14:useLocalDpi xmlns:a14="http://schemas.microsoft.com/office/drawing/2010/main" val="0"/>
+              </a:ext>
+            </a:extLst>
+          </a:blip>
+          <a:srcRect/>
+          <a:stretch/>
+        </p:blipFill>
+        <p:spPr>
+          <a:xfrm>
+            <a:off x="6556248" y="548640"/>
+            <a:ext cx="5084064" cy="2880360"/>
+          </a:xfrm>
+        </p:spPr>
+      </p:pic>
+      <p:pic>
+        <p:nvPicPr>
+          <p:cNvPr id="33" name="Pladsholder til billede 32" descr="Digital baggrund i datapunkter">
+            <a:extLst>
+              <a:ext uri="{FF2B5EF4-FFF2-40B4-BE49-F238E27FC236}">
+                <a16:creationId xmlns:a16="http://schemas.microsoft.com/office/drawing/2014/main" id="{48106962-23C6-4DFE-BB3A-E5FFF03F38CE}"/>
+              </a:ext>
+            </a:extLst>
+          </p:cNvPr>
+          <p:cNvPicPr>
+            <a:picLocks noGrp="1" noChangeAspect="1"/>
+          </p:cNvPicPr>
+          <p:nvPr>
+            <p:ph type="pic" sz="quarter" idx="16"/>
+          </p:nvPr>
+        </p:nvPicPr>
+        <p:blipFill rotWithShape="1">
+          <a:blip r:embed="rId3" cstate="screen">
+            <a:extLst>
+              <a:ext uri="{28A0092B-C50C-407E-A947-70E740481C1C}">
+                <a14:useLocalDpi xmlns:a14="http://schemas.microsoft.com/office/drawing/2010/main" val="0"/>
+              </a:ext>
+            </a:extLst>
+          </a:blip>
+          <a:srcRect/>
+          <a:stretch/>
+        </p:blipFill>
+        <p:spPr>
+          <a:xfrm>
+            <a:off x="6556248" y="3429000"/>
+            <a:ext cx="5084064" cy="2880360"/>
+          </a:xfrm>
+        </p:spPr>
+      </p:pic>
+      <p:sp>
+        <p:nvSpPr>
+          <p:cNvPr id="4" name="Pladsholder til dato 3">
+            <a:extLst>
+              <a:ext uri="{FF2B5EF4-FFF2-40B4-BE49-F238E27FC236}">
+                <a16:creationId xmlns:a16="http://schemas.microsoft.com/office/drawing/2014/main" id="{7823E305-6365-4345-8BD1-4A31C61D96CB}"/>
+              </a:ext>
+            </a:extLst>
+          </p:cNvPr>
+          <p:cNvSpPr>
+            <a:spLocks noGrp="1"/>
+          </p:cNvSpPr>
+          <p:nvPr>
+            <p:ph type="dt" sz="half" idx="10"/>
+          </p:nvPr>
+        </p:nvSpPr>
+        <p:spPr>
+          <a:xfrm>
+            <a:off x="550863" y="6507212"/>
+            <a:ext cx="2628900" cy="153888"/>
+          </a:xfrm>
+        </p:spPr>
+        <p:txBody>
+          <a:bodyPr rtlCol="0"/>
+          <a:lstStyle/>
+          <a:p>
+            <a:pPr rtl="0"/>
+            <a:r>
+              <a:rPr lang="da-DK"/>
+              <a:t>Tirsdag d. 2. februar 20XX</a:t>
+            </a:r>
+          </a:p>
+        </p:txBody>
+      </p:sp>
+      <p:sp>
+        <p:nvSpPr>
+          <p:cNvPr id="5" name="Pladsholder til sidefod 4">
+            <a:extLst>
+              <a:ext uri="{FF2B5EF4-FFF2-40B4-BE49-F238E27FC236}">
+                <a16:creationId xmlns:a16="http://schemas.microsoft.com/office/drawing/2014/main" id="{0B37A3FF-ED32-4C4A-A21F-848A3BF6F896}"/>
+              </a:ext>
+            </a:extLst>
+          </p:cNvPr>
+          <p:cNvSpPr>
+            <a:spLocks noGrp="1"/>
+          </p:cNvSpPr>
+          <p:nvPr>
+            <p:ph type="ftr" sz="quarter" idx="11"/>
+          </p:nvPr>
+        </p:nvSpPr>
+        <p:spPr>
+          <a:xfrm>
+            <a:off x="3359150" y="6507212"/>
+            <a:ext cx="6379210" cy="153888"/>
+          </a:xfrm>
+        </p:spPr>
+        <p:txBody>
+          <a:bodyPr rtlCol="0"/>
+          <a:lstStyle/>
+          <a:p>
+            <a:pPr rtl="0"/>
+            <a:r>
+              <a:rPr lang="da-DK" dirty="0" err="1"/>
+              <a:t>KiCad</a:t>
+            </a:r>
+            <a:endParaRPr lang="da-DK" dirty="0"/>
+          </a:p>
+        </p:txBody>
+      </p:sp>
+      <p:sp>
+        <p:nvSpPr>
+          <p:cNvPr id="6" name="Pladsholder til slidenummer 5">
+            <a:extLst>
+              <a:ext uri="{FF2B5EF4-FFF2-40B4-BE49-F238E27FC236}">
+                <a16:creationId xmlns:a16="http://schemas.microsoft.com/office/drawing/2014/main" id="{36E60F23-FB58-4EF8-82FD-E86CED25FDD4}"/>
+              </a:ext>
+            </a:extLst>
+          </p:cNvPr>
+          <p:cNvSpPr>
+            <a:spLocks noGrp="1"/>
+          </p:cNvSpPr>
+          <p:nvPr>
+            <p:ph type="sldNum" sz="quarter" idx="12"/>
+          </p:nvPr>
+        </p:nvSpPr>
+        <p:spPr>
+          <a:xfrm>
+            <a:off x="9948863" y="6507212"/>
+            <a:ext cx="1692274" cy="153888"/>
+          </a:xfrm>
+        </p:spPr>
+        <p:txBody>
+          <a:bodyPr rtlCol="0"/>
+          <a:lstStyle/>
+          <a:p>
+            <a:pPr rtl="0"/>
+            <a:fld id="{DBA1B0FB-D917-4C8C-928F-313BD683BF39}" type="slidenum">
+              <a:rPr lang="da-DK" smtClean="0"/>
+              <a:pPr rtl="0"/>
+              <a:t>11</a:t>
+            </a:fld>
+            <a:endParaRPr lang="da-DK"/>
+          </a:p>
+        </p:txBody>
+      </p:sp>
+    </p:spTree>
+    <p:extLst>
+      <p:ext uri="{BB962C8B-B14F-4D97-AF65-F5344CB8AC3E}">
+        <p14:creationId xmlns:p14="http://schemas.microsoft.com/office/powerpoint/2010/main" val="3247798845"/>
+      </p:ext>
+    </p:extLst>
+  </p:cSld>
+  <p:clrMapOvr>
+    <a:masterClrMapping/>
+  </p:clrMapOvr>
+</p:sld>
+</file>
+
 <file path=ppt/slides/slide2.xml><?xml version="1.0" encoding="utf-8"?>
 <p:sld xmlns:a="http://schemas.openxmlformats.org/drawingml/2006/main" xmlns:r="http://schemas.openxmlformats.org/officeDocument/2006/relationships" xmlns:p="http://schemas.openxmlformats.org/presentationml/2006/main">
   <p:cSld>
@@ -13793,9 +15020,10 @@
           <a:p>
             <a:pPr rtl="0"/>
             <a:r>
-              <a:rPr lang="da-DK"/>
-              <a:t>Eksempel på fodnotetekst</a:t>
-            </a:r>
+              <a:rPr lang="da-DK" dirty="0" err="1"/>
+              <a:t>KiCad</a:t>
+            </a:r>
+            <a:endParaRPr lang="da-DK" dirty="0"/>
           </a:p>
         </p:txBody>
       </p:sp>
@@ -13900,8 +15128,8 @@
           <a:p>
             <a:pPr rtl="0"/>
             <a:r>
-              <a:rPr lang="da-DK"/>
-              <a:t>Med PowerPoint kan du oprette præsentationer og dele dit arbejde med andre, uanset hvor de er. Skriv teksten du ønsker her for at komme i gang. Du kan også tilføje billeder, kunst og videoer på denne skabelon. Gem dine præsentationer i OneDrive, og få adgang til dem fra din computer, tablet eller telefon. </a:t>
+              <a:rPr lang="da-DK" dirty="0"/>
+              <a:t>. </a:t>
             </a:r>
           </a:p>
         </p:txBody>
@@ -15206,9 +16434,10 @@
           <a:p>
             <a:pPr rtl="0"/>
             <a:r>
-              <a:rPr lang="da-DK" dirty="0"/>
-              <a:t>Eksempel på fodnotetekst</a:t>
-            </a:r>
+              <a:rPr lang="da-DK" dirty="0" err="1"/>
+              <a:t>KiCad</a:t>
+            </a:r>
+            <a:endParaRPr lang="da-DK" dirty="0"/>
           </a:p>
         </p:txBody>
       </p:sp>
@@ -15272,12 +16501,43 @@
           <a:chExt cx="0" cy="0"/>
         </a:xfrm>
       </p:grpSpPr>
-      <p:sp>
-        <p:nvSpPr>
-          <p:cNvPr id="22" name="Titel 21">
-            <a:extLst>
-              <a:ext uri="{FF2B5EF4-FFF2-40B4-BE49-F238E27FC236}">
-                <a16:creationId xmlns:a16="http://schemas.microsoft.com/office/drawing/2014/main" id="{F8FAEED9-1ECD-45F9-87A0-9394BAEABB79}"/>
+      <p:pic>
+        <p:nvPicPr>
+          <p:cNvPr id="8" name="Pladsholder til billede 7" descr="Digital baggrund i datapunkter">
+            <a:extLst>
+              <a:ext uri="{FF2B5EF4-FFF2-40B4-BE49-F238E27FC236}">
+                <a16:creationId xmlns:a16="http://schemas.microsoft.com/office/drawing/2014/main" id="{5FED7C55-F545-49A1-90FD-D853A25AB453}"/>
+              </a:ext>
+            </a:extLst>
+          </p:cNvPr>
+          <p:cNvPicPr>
+            <a:picLocks noGrp="1" noChangeAspect="1"/>
+          </p:cNvPicPr>
+          <p:nvPr>
+            <p:ph type="pic" sz="quarter" idx="13"/>
+          </p:nvPr>
+        </p:nvPicPr>
+        <p:blipFill>
+          <a:blip r:embed="rId3">
+            <a:extLst>
+              <a:ext uri="{28A0092B-C50C-407E-A947-70E740481C1C}">
+                <a14:useLocalDpi xmlns:a14="http://schemas.microsoft.com/office/drawing/2010/main" val="0"/>
+              </a:ext>
+            </a:extLst>
+          </a:blip>
+          <a:srcRect/>
+          <a:stretch>
+            <a:fillRect/>
+          </a:stretch>
+        </p:blipFill>
+        <p:spPr/>
+      </p:pic>
+      <p:sp>
+        <p:nvSpPr>
+          <p:cNvPr id="15" name="Titel 14">
+            <a:extLst>
+              <a:ext uri="{FF2B5EF4-FFF2-40B4-BE49-F238E27FC236}">
+                <a16:creationId xmlns:a16="http://schemas.microsoft.com/office/drawing/2014/main" id="{40F1DF5B-353A-4270-8C10-6A1509441174}"/>
               </a:ext>
             </a:extLst>
           </p:cNvPr>
@@ -15295,23 +16555,267 @@
           </a:xfrm>
         </p:spPr>
         <p:txBody>
+          <a:bodyPr vert="horz" wrap="square" lIns="0" tIns="0" rIns="0" bIns="0" rtlCol="0" anchor="b" anchorCtr="0">
+            <a:normAutofit/>
+          </a:bodyPr>
+          <a:lstStyle/>
+          <a:p>
+            <a:pPr rtl="0">
+              <a:lnSpc>
+                <a:spcPct val="100000"/>
+              </a:lnSpc>
+            </a:pPr>
+            <a:r>
+              <a:rPr lang="da-DK" sz="6400" kern="1200" dirty="0">
+                <a:solidFill>
+                  <a:schemeClr val="tx1"/>
+                </a:solidFill>
+                <a:latin typeface="+mj-lt"/>
+                <a:ea typeface="+mj-ea"/>
+                <a:cs typeface="+mj-cs"/>
+              </a:rPr>
+              <a:t>Opgave 1 </a:t>
+            </a:r>
+          </a:p>
+        </p:txBody>
+      </p:sp>
+      <p:sp>
+        <p:nvSpPr>
+          <p:cNvPr id="2" name="Pladsholder til dato 1">
+            <a:extLst>
+              <a:ext uri="{FF2B5EF4-FFF2-40B4-BE49-F238E27FC236}">
+                <a16:creationId xmlns:a16="http://schemas.microsoft.com/office/drawing/2014/main" id="{2910D835-B454-4270-BB35-86A187307E6F}"/>
+              </a:ext>
+            </a:extLst>
+          </p:cNvPr>
+          <p:cNvSpPr>
+            <a:spLocks noGrp="1"/>
+          </p:cNvSpPr>
+          <p:nvPr>
+            <p:ph type="dt" sz="half" idx="10"/>
+          </p:nvPr>
+        </p:nvSpPr>
+        <p:spPr/>
+        <p:txBody>
           <a:bodyPr rtlCol="0"/>
           <a:lstStyle/>
           <a:p>
             <a:pPr rtl="0"/>
             <a:r>
               <a:rPr lang="da-DK" dirty="0"/>
-              <a:t>Tak</a:t>
-            </a:r>
-          </a:p>
-        </p:txBody>
-      </p:sp>
-      <p:sp>
-        <p:nvSpPr>
-          <p:cNvPr id="23" name="Undertitel 22">
-            <a:extLst>
-              <a:ext uri="{FF2B5EF4-FFF2-40B4-BE49-F238E27FC236}">
-                <a16:creationId xmlns:a16="http://schemas.microsoft.com/office/drawing/2014/main" id="{8E5E4638-9BCB-4C2E-914F-CC868E2020D5}"/>
+              <a:t>Tirsdag d. 2. februar 20XX</a:t>
+            </a:r>
+          </a:p>
+        </p:txBody>
+      </p:sp>
+      <p:sp>
+        <p:nvSpPr>
+          <p:cNvPr id="3" name="Pladsholder til sidefod 2">
+            <a:extLst>
+              <a:ext uri="{FF2B5EF4-FFF2-40B4-BE49-F238E27FC236}">
+                <a16:creationId xmlns:a16="http://schemas.microsoft.com/office/drawing/2014/main" id="{7F7F653B-90B5-4F47-A33F-93DCB2EF68C2}"/>
+              </a:ext>
+            </a:extLst>
+          </p:cNvPr>
+          <p:cNvSpPr>
+            <a:spLocks noGrp="1"/>
+          </p:cNvSpPr>
+          <p:nvPr>
+            <p:ph type="ftr" sz="quarter" idx="11"/>
+          </p:nvPr>
+        </p:nvSpPr>
+        <p:spPr/>
+        <p:txBody>
+          <a:bodyPr rtlCol="0"/>
+          <a:lstStyle/>
+          <a:p>
+            <a:pPr rtl="0"/>
+            <a:r>
+              <a:rPr lang="da-DK" dirty="0" err="1"/>
+              <a:t>KiCad</a:t>
+            </a:r>
+            <a:endParaRPr lang="da-DK" dirty="0"/>
+          </a:p>
+        </p:txBody>
+      </p:sp>
+      <p:sp>
+        <p:nvSpPr>
+          <p:cNvPr id="4" name="Pladsholder til slidenummer 3">
+            <a:extLst>
+              <a:ext uri="{FF2B5EF4-FFF2-40B4-BE49-F238E27FC236}">
+                <a16:creationId xmlns:a16="http://schemas.microsoft.com/office/drawing/2014/main" id="{E1E7D98D-6710-41D2-B258-E1A1059D29F8}"/>
+              </a:ext>
+            </a:extLst>
+          </p:cNvPr>
+          <p:cNvSpPr>
+            <a:spLocks noGrp="1"/>
+          </p:cNvSpPr>
+          <p:nvPr>
+            <p:ph type="sldNum" sz="quarter" idx="12"/>
+          </p:nvPr>
+        </p:nvSpPr>
+        <p:spPr/>
+        <p:txBody>
+          <a:bodyPr rtlCol="0"/>
+          <a:lstStyle/>
+          <a:p>
+            <a:pPr rtl="0"/>
+            <a:fld id="{DBA1B0FB-D917-4C8C-928F-313BD683BF39}" type="slidenum">
+              <a:rPr lang="da-DK" smtClean="0"/>
+              <a:t>5</a:t>
+            </a:fld>
+            <a:endParaRPr lang="da-DK" dirty="0"/>
+          </a:p>
+        </p:txBody>
+      </p:sp>
+      <p:pic>
+        <p:nvPicPr>
+          <p:cNvPr id="6" name="Billede 5">
+            <a:extLst>
+              <a:ext uri="{FF2B5EF4-FFF2-40B4-BE49-F238E27FC236}">
+                <a16:creationId xmlns:a16="http://schemas.microsoft.com/office/drawing/2014/main" id="{AE4A99E3-CC03-4995-B155-FCC5F36E58FA}"/>
+              </a:ext>
+            </a:extLst>
+          </p:cNvPr>
+          <p:cNvPicPr>
+            <a:picLocks noChangeAspect="1"/>
+          </p:cNvPicPr>
+          <p:nvPr/>
+        </p:nvPicPr>
+        <p:blipFill>
+          <a:blip r:embed="rId4"/>
+          <a:stretch>
+            <a:fillRect/>
+          </a:stretch>
+        </p:blipFill>
+        <p:spPr>
+          <a:xfrm>
+            <a:off x="3568354" y="-72736"/>
+            <a:ext cx="8623646" cy="6100731"/>
+          </a:xfrm>
+          <a:prstGeom prst="rect">
+            <a:avLst/>
+          </a:prstGeom>
+        </p:spPr>
+      </p:pic>
+    </p:spTree>
+    <p:extLst>
+      <p:ext uri="{BB962C8B-B14F-4D97-AF65-F5344CB8AC3E}">
+        <p14:creationId xmlns:p14="http://schemas.microsoft.com/office/powerpoint/2010/main" val="1292900269"/>
+      </p:ext>
+    </p:extLst>
+  </p:cSld>
+  <p:clrMapOvr>
+    <a:masterClrMapping/>
+  </p:clrMapOvr>
+</p:sld>
+</file>
+
+<file path=ppt/slides/slide6.xml><?xml version="1.0" encoding="utf-8"?>
+<p:sld xmlns:a="http://schemas.openxmlformats.org/drawingml/2006/main" xmlns:r="http://schemas.openxmlformats.org/officeDocument/2006/relationships" xmlns:p="http://schemas.openxmlformats.org/presentationml/2006/main">
+  <p:cSld>
+    <p:spTree>
+      <p:nvGrpSpPr>
+        <p:cNvPr id="1" name=""/>
+        <p:cNvGrpSpPr/>
+        <p:nvPr/>
+      </p:nvGrpSpPr>
+      <p:grpSpPr>
+        <a:xfrm>
+          <a:off x="0" y="0"/>
+          <a:ext cx="0" cy="0"/>
+          <a:chOff x="0" y="0"/>
+          <a:chExt cx="0" cy="0"/>
+        </a:xfrm>
+      </p:grpSpPr>
+      <p:pic>
+        <p:nvPicPr>
+          <p:cNvPr id="8" name="Pladsholder til billede 7" descr="Digital baggrund i datapunkter">
+            <a:extLst>
+              <a:ext uri="{FF2B5EF4-FFF2-40B4-BE49-F238E27FC236}">
+                <a16:creationId xmlns:a16="http://schemas.microsoft.com/office/drawing/2014/main" id="{5FED7C55-F545-49A1-90FD-D853A25AB453}"/>
+              </a:ext>
+            </a:extLst>
+          </p:cNvPr>
+          <p:cNvPicPr>
+            <a:picLocks noGrp="1" noChangeAspect="1"/>
+          </p:cNvPicPr>
+          <p:nvPr>
+            <p:ph type="pic" sz="quarter" idx="13"/>
+          </p:nvPr>
+        </p:nvPicPr>
+        <p:blipFill>
+          <a:blip r:embed="rId3">
+            <a:extLst>
+              <a:ext uri="{28A0092B-C50C-407E-A947-70E740481C1C}">
+                <a14:useLocalDpi xmlns:a14="http://schemas.microsoft.com/office/drawing/2010/main" val="0"/>
+              </a:ext>
+            </a:extLst>
+          </a:blip>
+          <a:srcRect/>
+          <a:stretch>
+            <a:fillRect/>
+          </a:stretch>
+        </p:blipFill>
+        <p:spPr/>
+      </p:pic>
+      <p:sp>
+        <p:nvSpPr>
+          <p:cNvPr id="15" name="Titel 14">
+            <a:extLst>
+              <a:ext uri="{FF2B5EF4-FFF2-40B4-BE49-F238E27FC236}">
+                <a16:creationId xmlns:a16="http://schemas.microsoft.com/office/drawing/2014/main" id="{40F1DF5B-353A-4270-8C10-6A1509441174}"/>
+              </a:ext>
+            </a:extLst>
+          </p:cNvPr>
+          <p:cNvSpPr>
+            <a:spLocks noGrp="1"/>
+          </p:cNvSpPr>
+          <p:nvPr>
+            <p:ph type="ctrTitle"/>
+          </p:nvPr>
+        </p:nvSpPr>
+        <p:spPr>
+          <a:xfrm>
+            <a:off x="550863" y="549275"/>
+            <a:ext cx="5437187" cy="2986234"/>
+          </a:xfrm>
+        </p:spPr>
+        <p:txBody>
+          <a:bodyPr vert="horz" wrap="square" lIns="0" tIns="0" rIns="0" bIns="0" rtlCol="0" anchor="b" anchorCtr="0">
+            <a:normAutofit/>
+          </a:bodyPr>
+          <a:lstStyle/>
+          <a:p>
+            <a:pPr rtl="0">
+              <a:lnSpc>
+                <a:spcPct val="100000"/>
+              </a:lnSpc>
+            </a:pPr>
+            <a:r>
+              <a:rPr lang="da-DK" dirty="0" err="1"/>
+              <a:t>SnapEda</a:t>
+            </a:r>
+            <a:r>
+              <a:rPr lang="da-DK" sz="6400" kern="1200" dirty="0">
+                <a:solidFill>
+                  <a:schemeClr val="tx1"/>
+                </a:solidFill>
+                <a:latin typeface="+mj-lt"/>
+                <a:ea typeface="+mj-ea"/>
+                <a:cs typeface="+mj-cs"/>
+              </a:rPr>
+              <a:t> </a:t>
+            </a:r>
+          </a:p>
+        </p:txBody>
+      </p:sp>
+      <p:sp>
+        <p:nvSpPr>
+          <p:cNvPr id="16" name="Undertitel 15">
+            <a:extLst>
+              <a:ext uri="{FF2B5EF4-FFF2-40B4-BE49-F238E27FC236}">
+                <a16:creationId xmlns:a16="http://schemas.microsoft.com/office/drawing/2014/main" id="{4BDCF583-1D5D-4235-97C2-39272B80A0B1}"/>
               </a:ext>
             </a:extLst>
           </p:cNvPr>
@@ -15329,34 +16833,190 @@
           </a:xfrm>
         </p:spPr>
         <p:txBody>
+          <a:bodyPr vert="horz" wrap="square" lIns="0" tIns="0" rIns="0" bIns="0" rtlCol="0">
+            <a:normAutofit/>
+          </a:bodyPr>
+          <a:lstStyle/>
+          <a:p>
+            <a:pPr marL="0" indent="0" rtl="0">
+              <a:lnSpc>
+                <a:spcPct val="100000"/>
+              </a:lnSpc>
+              <a:buNone/>
+            </a:pPr>
+            <a:r>
+              <a:rPr lang="da-DK" dirty="0"/>
+              <a:t>The </a:t>
+            </a:r>
+            <a:r>
+              <a:rPr lang="da-DK" dirty="0" err="1"/>
+              <a:t>road</a:t>
+            </a:r>
+            <a:r>
+              <a:rPr lang="da-DK" dirty="0"/>
+              <a:t> </a:t>
+            </a:r>
+            <a:r>
+              <a:rPr lang="da-DK" dirty="0" err="1"/>
+              <a:t>that</a:t>
+            </a:r>
+            <a:r>
+              <a:rPr lang="da-DK" dirty="0"/>
+              <a:t> </a:t>
+            </a:r>
+            <a:r>
+              <a:rPr lang="da-DK" dirty="0" err="1"/>
+              <a:t>we</a:t>
+            </a:r>
+            <a:r>
+              <a:rPr lang="da-DK" dirty="0"/>
+              <a:t> </a:t>
+            </a:r>
+            <a:r>
+              <a:rPr lang="da-DK" dirty="0" err="1"/>
+              <a:t>take</a:t>
+            </a:r>
+            <a:r>
+              <a:rPr lang="da-DK" dirty="0"/>
+              <a:t> is lost in the </a:t>
+            </a:r>
+            <a:r>
+              <a:rPr lang="da-DK" dirty="0" err="1"/>
+              <a:t>flood</a:t>
+            </a:r>
+            <a:endParaRPr lang="da-DK" kern="1200" dirty="0">
+              <a:latin typeface="+mn-lt"/>
+              <a:ea typeface="+mn-ea"/>
+              <a:cs typeface="+mn-cs"/>
+            </a:endParaRPr>
+          </a:p>
+        </p:txBody>
+      </p:sp>
+      <p:sp>
+        <p:nvSpPr>
+          <p:cNvPr id="2" name="Pladsholder til dato 1">
+            <a:extLst>
+              <a:ext uri="{FF2B5EF4-FFF2-40B4-BE49-F238E27FC236}">
+                <a16:creationId xmlns:a16="http://schemas.microsoft.com/office/drawing/2014/main" id="{2910D835-B454-4270-BB35-86A187307E6F}"/>
+              </a:ext>
+            </a:extLst>
+          </p:cNvPr>
+          <p:cNvSpPr>
+            <a:spLocks noGrp="1"/>
+          </p:cNvSpPr>
+          <p:nvPr>
+            <p:ph type="dt" sz="half" idx="10"/>
+          </p:nvPr>
+        </p:nvSpPr>
+        <p:spPr/>
+        <p:txBody>
           <a:bodyPr rtlCol="0"/>
           <a:lstStyle/>
           <a:p>
             <a:pPr rtl="0"/>
             <a:r>
               <a:rPr lang="da-DK" dirty="0"/>
-              <a:t>Gert Lauritsen</a:t>
-            </a:r>
-          </a:p>
+              <a:t>Tirsdag d. 2. februar 20XX</a:t>
+            </a:r>
+          </a:p>
+        </p:txBody>
+      </p:sp>
+      <p:sp>
+        <p:nvSpPr>
+          <p:cNvPr id="3" name="Pladsholder til sidefod 2">
+            <a:extLst>
+              <a:ext uri="{FF2B5EF4-FFF2-40B4-BE49-F238E27FC236}">
+                <a16:creationId xmlns:a16="http://schemas.microsoft.com/office/drawing/2014/main" id="{7F7F653B-90B5-4F47-A33F-93DCB2EF68C2}"/>
+              </a:ext>
+            </a:extLst>
+          </p:cNvPr>
+          <p:cNvSpPr>
+            <a:spLocks noGrp="1"/>
+          </p:cNvSpPr>
+          <p:nvPr>
+            <p:ph type="ftr" sz="quarter" idx="11"/>
+          </p:nvPr>
+        </p:nvSpPr>
+        <p:spPr/>
+        <p:txBody>
+          <a:bodyPr rtlCol="0"/>
+          <a:lstStyle/>
           <a:p>
             <a:pPr rtl="0"/>
             <a:r>
-              <a:rPr lang="da-DK" dirty="0"/>
-              <a:t>Gert@askob.dk</a:t>
-            </a:r>
-          </a:p>
+              <a:rPr lang="da-DK" dirty="0" err="1"/>
+              <a:t>KiCad</a:t>
+            </a:r>
+            <a:endParaRPr lang="da-DK" dirty="0"/>
+          </a:p>
+        </p:txBody>
+      </p:sp>
+      <p:sp>
+        <p:nvSpPr>
+          <p:cNvPr id="4" name="Pladsholder til slidenummer 3">
+            <a:extLst>
+              <a:ext uri="{FF2B5EF4-FFF2-40B4-BE49-F238E27FC236}">
+                <a16:creationId xmlns:a16="http://schemas.microsoft.com/office/drawing/2014/main" id="{E1E7D98D-6710-41D2-B258-E1A1059D29F8}"/>
+              </a:ext>
+            </a:extLst>
+          </p:cNvPr>
+          <p:cNvSpPr>
+            <a:spLocks noGrp="1"/>
+          </p:cNvSpPr>
+          <p:nvPr>
+            <p:ph type="sldNum" sz="quarter" idx="12"/>
+          </p:nvPr>
+        </p:nvSpPr>
+        <p:spPr/>
+        <p:txBody>
+          <a:bodyPr rtlCol="0"/>
+          <a:lstStyle/>
           <a:p>
             <a:pPr rtl="0"/>
+            <a:fld id="{DBA1B0FB-D917-4C8C-928F-313BD683BF39}" type="slidenum">
+              <a:rPr lang="da-DK" smtClean="0"/>
+              <a:t>6</a:t>
+            </a:fld>
             <a:endParaRPr lang="da-DK" dirty="0"/>
           </a:p>
         </p:txBody>
       </p:sp>
+    </p:spTree>
+    <p:extLst>
+      <p:ext uri="{BB962C8B-B14F-4D97-AF65-F5344CB8AC3E}">
+        <p14:creationId xmlns:p14="http://schemas.microsoft.com/office/powerpoint/2010/main" val="3670499674"/>
+      </p:ext>
+    </p:extLst>
+  </p:cSld>
+  <p:clrMapOvr>
+    <a:masterClrMapping/>
+  </p:clrMapOvr>
+</p:sld>
+</file>
+
+<file path=ppt/slides/slide7.xml><?xml version="1.0" encoding="utf-8"?>
+<p:sld xmlns:a="http://schemas.openxmlformats.org/drawingml/2006/main" xmlns:r="http://schemas.openxmlformats.org/officeDocument/2006/relationships" xmlns:p="http://schemas.openxmlformats.org/presentationml/2006/main">
+  <p:cSld>
+    <p:spTree>
+      <p:nvGrpSpPr>
+        <p:cNvPr id="1" name=""/>
+        <p:cNvGrpSpPr/>
+        <p:nvPr/>
+      </p:nvGrpSpPr>
+      <p:grpSpPr>
+        <a:xfrm>
+          <a:off x="0" y="0"/>
+          <a:ext cx="0" cy="0"/>
+          <a:chOff x="0" y="0"/>
+          <a:chExt cx="0" cy="0"/>
+        </a:xfrm>
+      </p:grpSpPr>
       <p:pic>
         <p:nvPicPr>
-          <p:cNvPr id="27" name="Pladsholder til billede 26" descr="Digital baggrund i datapunkter">
-            <a:extLst>
-              <a:ext uri="{FF2B5EF4-FFF2-40B4-BE49-F238E27FC236}">
-                <a16:creationId xmlns:a16="http://schemas.microsoft.com/office/drawing/2014/main" id="{9E660784-34E2-4CDA-926A-DDD6AAF35046}"/>
+          <p:cNvPr id="8" name="Pladsholder til billede 7" descr="Digital baggrund i datapunkter">
+            <a:extLst>
+              <a:ext uri="{FF2B5EF4-FFF2-40B4-BE49-F238E27FC236}">
+                <a16:creationId xmlns:a16="http://schemas.microsoft.com/office/drawing/2014/main" id="{5FED7C55-F545-49A1-90FD-D853A25AB453}"/>
               </a:ext>
             </a:extLst>
           </p:cNvPr>
@@ -15364,11 +17024,11 @@
             <a:picLocks noGrp="1" noChangeAspect="1"/>
           </p:cNvPicPr>
           <p:nvPr>
-            <p:ph type="pic" sz="quarter" idx="15"/>
+            <p:ph type="pic" sz="quarter" idx="13"/>
           </p:nvPr>
         </p:nvPicPr>
-        <p:blipFill rotWithShape="1">
-          <a:blip r:embed="rId2" cstate="screen">
+        <p:blipFill>
+          <a:blip r:embed="rId3">
             <a:extLst>
               <a:ext uri="{28A0092B-C50C-407E-A947-70E740481C1C}">
                 <a14:useLocalDpi xmlns:a14="http://schemas.microsoft.com/office/drawing/2010/main" val="0"/>
@@ -15376,21 +17036,469 @@
             </a:extLst>
           </a:blip>
           <a:srcRect/>
-          <a:stretch/>
+          <a:stretch>
+            <a:fillRect/>
+          </a:stretch>
+        </p:blipFill>
+        <p:spPr/>
+      </p:pic>
+      <p:sp>
+        <p:nvSpPr>
+          <p:cNvPr id="15" name="Titel 14">
+            <a:extLst>
+              <a:ext uri="{FF2B5EF4-FFF2-40B4-BE49-F238E27FC236}">
+                <a16:creationId xmlns:a16="http://schemas.microsoft.com/office/drawing/2014/main" id="{40F1DF5B-353A-4270-8C10-6A1509441174}"/>
+              </a:ext>
+            </a:extLst>
+          </p:cNvPr>
+          <p:cNvSpPr>
+            <a:spLocks noGrp="1"/>
+          </p:cNvSpPr>
+          <p:nvPr>
+            <p:ph type="ctrTitle"/>
+          </p:nvPr>
+        </p:nvSpPr>
+        <p:spPr>
+          <a:xfrm>
+            <a:off x="550863" y="549275"/>
+            <a:ext cx="5437187" cy="2986234"/>
+          </a:xfrm>
+        </p:spPr>
+        <p:txBody>
+          <a:bodyPr vert="horz" wrap="square" lIns="0" tIns="0" rIns="0" bIns="0" rtlCol="0" anchor="b" anchorCtr="0">
+            <a:normAutofit/>
+          </a:bodyPr>
+          <a:lstStyle/>
+          <a:p>
+            <a:pPr rtl="0">
+              <a:lnSpc>
+                <a:spcPct val="100000"/>
+              </a:lnSpc>
+            </a:pPr>
+            <a:r>
+              <a:rPr lang="da-DK" dirty="0"/>
+              <a:t>Library Loader</a:t>
+            </a:r>
+            <a:endParaRPr lang="da-DK" sz="6400" kern="1200" dirty="0">
+              <a:solidFill>
+                <a:schemeClr val="tx1"/>
+              </a:solidFill>
+              <a:latin typeface="+mj-lt"/>
+              <a:ea typeface="+mj-ea"/>
+              <a:cs typeface="+mj-cs"/>
+            </a:endParaRPr>
+          </a:p>
+        </p:txBody>
+      </p:sp>
+      <p:sp>
+        <p:nvSpPr>
+          <p:cNvPr id="16" name="Undertitel 15">
+            <a:extLst>
+              <a:ext uri="{FF2B5EF4-FFF2-40B4-BE49-F238E27FC236}">
+                <a16:creationId xmlns:a16="http://schemas.microsoft.com/office/drawing/2014/main" id="{4BDCF583-1D5D-4235-97C2-39272B80A0B1}"/>
+              </a:ext>
+            </a:extLst>
+          </p:cNvPr>
+          <p:cNvSpPr>
+            <a:spLocks noGrp="1"/>
+          </p:cNvSpPr>
+          <p:nvPr>
+            <p:ph type="subTitle" idx="1"/>
+          </p:nvPr>
+        </p:nvSpPr>
+        <p:spPr>
+          <a:xfrm>
+            <a:off x="550863" y="3827610"/>
+            <a:ext cx="9187497" cy="2265216"/>
+          </a:xfrm>
+        </p:spPr>
+        <p:txBody>
+          <a:bodyPr vert="horz" wrap="square" lIns="0" tIns="0" rIns="0" bIns="0" rtlCol="0">
+            <a:normAutofit/>
+          </a:bodyPr>
+          <a:lstStyle/>
+          <a:p>
+            <a:pPr marL="0" indent="0" rtl="0">
+              <a:lnSpc>
+                <a:spcPct val="100000"/>
+              </a:lnSpc>
+              <a:buNone/>
+            </a:pPr>
+            <a:r>
+              <a:rPr lang="da-DK" dirty="0">
+                <a:hlinkClick r:id="rId4"/>
+              </a:rPr>
+              <a:t>https://ms.componentsearchengine.com/pcb-libraries.php</a:t>
+            </a:r>
+            <a:endParaRPr lang="da-DK" dirty="0"/>
+          </a:p>
+          <a:p>
+            <a:pPr marL="0" indent="0" rtl="0">
+              <a:lnSpc>
+                <a:spcPct val="100000"/>
+              </a:lnSpc>
+              <a:buNone/>
+            </a:pPr>
+            <a:endParaRPr lang="da-DK" kern="1200" dirty="0">
+              <a:latin typeface="+mn-lt"/>
+              <a:ea typeface="+mn-ea"/>
+              <a:cs typeface="+mn-cs"/>
+            </a:endParaRPr>
+          </a:p>
+        </p:txBody>
+      </p:sp>
+      <p:sp>
+        <p:nvSpPr>
+          <p:cNvPr id="2" name="Pladsholder til dato 1">
+            <a:extLst>
+              <a:ext uri="{FF2B5EF4-FFF2-40B4-BE49-F238E27FC236}">
+                <a16:creationId xmlns:a16="http://schemas.microsoft.com/office/drawing/2014/main" id="{2910D835-B454-4270-BB35-86A187307E6F}"/>
+              </a:ext>
+            </a:extLst>
+          </p:cNvPr>
+          <p:cNvSpPr>
+            <a:spLocks noGrp="1"/>
+          </p:cNvSpPr>
+          <p:nvPr>
+            <p:ph type="dt" sz="half" idx="10"/>
+          </p:nvPr>
+        </p:nvSpPr>
+        <p:spPr/>
+        <p:txBody>
+          <a:bodyPr rtlCol="0"/>
+          <a:lstStyle/>
+          <a:p>
+            <a:pPr rtl="0"/>
+            <a:r>
+              <a:rPr lang="da-DK" dirty="0"/>
+              <a:t>Tirsdag d. 2. februar 20XX</a:t>
+            </a:r>
+          </a:p>
+        </p:txBody>
+      </p:sp>
+      <p:sp>
+        <p:nvSpPr>
+          <p:cNvPr id="3" name="Pladsholder til sidefod 2">
+            <a:extLst>
+              <a:ext uri="{FF2B5EF4-FFF2-40B4-BE49-F238E27FC236}">
+                <a16:creationId xmlns:a16="http://schemas.microsoft.com/office/drawing/2014/main" id="{7F7F653B-90B5-4F47-A33F-93DCB2EF68C2}"/>
+              </a:ext>
+            </a:extLst>
+          </p:cNvPr>
+          <p:cNvSpPr>
+            <a:spLocks noGrp="1"/>
+          </p:cNvSpPr>
+          <p:nvPr>
+            <p:ph type="ftr" sz="quarter" idx="11"/>
+          </p:nvPr>
+        </p:nvSpPr>
+        <p:spPr/>
+        <p:txBody>
+          <a:bodyPr rtlCol="0"/>
+          <a:lstStyle/>
+          <a:p>
+            <a:pPr rtl="0"/>
+            <a:r>
+              <a:rPr lang="da-DK" dirty="0" err="1"/>
+              <a:t>KiCad</a:t>
+            </a:r>
+            <a:endParaRPr lang="da-DK" dirty="0"/>
+          </a:p>
+        </p:txBody>
+      </p:sp>
+      <p:sp>
+        <p:nvSpPr>
+          <p:cNvPr id="4" name="Pladsholder til slidenummer 3">
+            <a:extLst>
+              <a:ext uri="{FF2B5EF4-FFF2-40B4-BE49-F238E27FC236}">
+                <a16:creationId xmlns:a16="http://schemas.microsoft.com/office/drawing/2014/main" id="{E1E7D98D-6710-41D2-B258-E1A1059D29F8}"/>
+              </a:ext>
+            </a:extLst>
+          </p:cNvPr>
+          <p:cNvSpPr>
+            <a:spLocks noGrp="1"/>
+          </p:cNvSpPr>
+          <p:nvPr>
+            <p:ph type="sldNum" sz="quarter" idx="12"/>
+          </p:nvPr>
+        </p:nvSpPr>
+        <p:spPr/>
+        <p:txBody>
+          <a:bodyPr rtlCol="0"/>
+          <a:lstStyle/>
+          <a:p>
+            <a:pPr rtl="0"/>
+            <a:fld id="{DBA1B0FB-D917-4C8C-928F-313BD683BF39}" type="slidenum">
+              <a:rPr lang="da-DK" smtClean="0"/>
+              <a:t>7</a:t>
+            </a:fld>
+            <a:endParaRPr lang="da-DK" dirty="0"/>
+          </a:p>
+        </p:txBody>
+      </p:sp>
+    </p:spTree>
+    <p:extLst>
+      <p:ext uri="{BB962C8B-B14F-4D97-AF65-F5344CB8AC3E}">
+        <p14:creationId xmlns:p14="http://schemas.microsoft.com/office/powerpoint/2010/main" val="1827238912"/>
+      </p:ext>
+    </p:extLst>
+  </p:cSld>
+  <p:clrMapOvr>
+    <a:masterClrMapping/>
+  </p:clrMapOvr>
+</p:sld>
+</file>
+
+<file path=ppt/slides/slide8.xml><?xml version="1.0" encoding="utf-8"?>
+<p:sld xmlns:a="http://schemas.openxmlformats.org/drawingml/2006/main" xmlns:r="http://schemas.openxmlformats.org/officeDocument/2006/relationships" xmlns:p="http://schemas.openxmlformats.org/presentationml/2006/main">
+  <p:cSld>
+    <p:spTree>
+      <p:nvGrpSpPr>
+        <p:cNvPr id="1" name=""/>
+        <p:cNvGrpSpPr/>
+        <p:nvPr/>
+      </p:nvGrpSpPr>
+      <p:grpSpPr>
+        <a:xfrm>
+          <a:off x="0" y="0"/>
+          <a:ext cx="0" cy="0"/>
+          <a:chOff x="0" y="0"/>
+          <a:chExt cx="0" cy="0"/>
+        </a:xfrm>
+      </p:grpSpPr>
+      <p:pic>
+        <p:nvPicPr>
+          <p:cNvPr id="8" name="Pladsholder til billede 7" descr="Digital baggrund i datapunkter">
+            <a:extLst>
+              <a:ext uri="{FF2B5EF4-FFF2-40B4-BE49-F238E27FC236}">
+                <a16:creationId xmlns:a16="http://schemas.microsoft.com/office/drawing/2014/main" id="{5FED7C55-F545-49A1-90FD-D853A25AB453}"/>
+              </a:ext>
+            </a:extLst>
+          </p:cNvPr>
+          <p:cNvPicPr>
+            <a:picLocks noGrp="1" noChangeAspect="1"/>
+          </p:cNvPicPr>
+          <p:nvPr>
+            <p:ph type="pic" sz="quarter" idx="13"/>
+          </p:nvPr>
+        </p:nvPicPr>
+        <p:blipFill>
+          <a:blip r:embed="rId3">
+            <a:extLst>
+              <a:ext uri="{28A0092B-C50C-407E-A947-70E740481C1C}">
+                <a14:useLocalDpi xmlns:a14="http://schemas.microsoft.com/office/drawing/2010/main" val="0"/>
+              </a:ext>
+            </a:extLst>
+          </a:blip>
+          <a:srcRect/>
+          <a:stretch>
+            <a:fillRect/>
+          </a:stretch>
+        </p:blipFill>
+        <p:spPr/>
+      </p:pic>
+      <p:sp>
+        <p:nvSpPr>
+          <p:cNvPr id="15" name="Titel 14">
+            <a:extLst>
+              <a:ext uri="{FF2B5EF4-FFF2-40B4-BE49-F238E27FC236}">
+                <a16:creationId xmlns:a16="http://schemas.microsoft.com/office/drawing/2014/main" id="{40F1DF5B-353A-4270-8C10-6A1509441174}"/>
+              </a:ext>
+            </a:extLst>
+          </p:cNvPr>
+          <p:cNvSpPr>
+            <a:spLocks noGrp="1"/>
+          </p:cNvSpPr>
+          <p:nvPr>
+            <p:ph type="ctrTitle"/>
+          </p:nvPr>
+        </p:nvSpPr>
+        <p:spPr>
+          <a:xfrm>
+            <a:off x="550863" y="549275"/>
+            <a:ext cx="5437187" cy="2986234"/>
+          </a:xfrm>
+        </p:spPr>
+        <p:txBody>
+          <a:bodyPr vert="horz" wrap="square" lIns="0" tIns="0" rIns="0" bIns="0" rtlCol="0" anchor="b" anchorCtr="0">
+            <a:normAutofit/>
+          </a:bodyPr>
+          <a:lstStyle/>
+          <a:p>
+            <a:pPr rtl="0">
+              <a:lnSpc>
+                <a:spcPct val="100000"/>
+              </a:lnSpc>
+            </a:pPr>
+            <a:r>
+              <a:rPr lang="da-DK" sz="6400" kern="1200" dirty="0">
+                <a:solidFill>
+                  <a:schemeClr val="tx1"/>
+                </a:solidFill>
+                <a:latin typeface="+mj-lt"/>
+                <a:ea typeface="+mj-ea"/>
+                <a:cs typeface="+mj-cs"/>
+              </a:rPr>
+              <a:t>Opgave2 </a:t>
+            </a:r>
+          </a:p>
+        </p:txBody>
+      </p:sp>
+      <p:sp>
+        <p:nvSpPr>
+          <p:cNvPr id="2" name="Pladsholder til dato 1">
+            <a:extLst>
+              <a:ext uri="{FF2B5EF4-FFF2-40B4-BE49-F238E27FC236}">
+                <a16:creationId xmlns:a16="http://schemas.microsoft.com/office/drawing/2014/main" id="{2910D835-B454-4270-BB35-86A187307E6F}"/>
+              </a:ext>
+            </a:extLst>
+          </p:cNvPr>
+          <p:cNvSpPr>
+            <a:spLocks noGrp="1"/>
+          </p:cNvSpPr>
+          <p:nvPr>
+            <p:ph type="dt" sz="half" idx="10"/>
+          </p:nvPr>
+        </p:nvSpPr>
+        <p:spPr/>
+        <p:txBody>
+          <a:bodyPr rtlCol="0"/>
+          <a:lstStyle/>
+          <a:p>
+            <a:pPr rtl="0"/>
+            <a:r>
+              <a:rPr lang="da-DK" dirty="0"/>
+              <a:t>Tirsdag d. 2. februar 20XX</a:t>
+            </a:r>
+          </a:p>
+        </p:txBody>
+      </p:sp>
+      <p:sp>
+        <p:nvSpPr>
+          <p:cNvPr id="3" name="Pladsholder til sidefod 2">
+            <a:extLst>
+              <a:ext uri="{FF2B5EF4-FFF2-40B4-BE49-F238E27FC236}">
+                <a16:creationId xmlns:a16="http://schemas.microsoft.com/office/drawing/2014/main" id="{7F7F653B-90B5-4F47-A33F-93DCB2EF68C2}"/>
+              </a:ext>
+            </a:extLst>
+          </p:cNvPr>
+          <p:cNvSpPr>
+            <a:spLocks noGrp="1"/>
+          </p:cNvSpPr>
+          <p:nvPr>
+            <p:ph type="ftr" sz="quarter" idx="11"/>
+          </p:nvPr>
+        </p:nvSpPr>
+        <p:spPr/>
+        <p:txBody>
+          <a:bodyPr rtlCol="0"/>
+          <a:lstStyle/>
+          <a:p>
+            <a:pPr rtl="0"/>
+            <a:r>
+              <a:rPr lang="da-DK" dirty="0" err="1"/>
+              <a:t>KiCad</a:t>
+            </a:r>
+            <a:endParaRPr lang="da-DK" dirty="0"/>
+          </a:p>
+        </p:txBody>
+      </p:sp>
+      <p:sp>
+        <p:nvSpPr>
+          <p:cNvPr id="4" name="Pladsholder til slidenummer 3">
+            <a:extLst>
+              <a:ext uri="{FF2B5EF4-FFF2-40B4-BE49-F238E27FC236}">
+                <a16:creationId xmlns:a16="http://schemas.microsoft.com/office/drawing/2014/main" id="{E1E7D98D-6710-41D2-B258-E1A1059D29F8}"/>
+              </a:ext>
+            </a:extLst>
+          </p:cNvPr>
+          <p:cNvSpPr>
+            <a:spLocks noGrp="1"/>
+          </p:cNvSpPr>
+          <p:nvPr>
+            <p:ph type="sldNum" sz="quarter" idx="12"/>
+          </p:nvPr>
+        </p:nvSpPr>
+        <p:spPr/>
+        <p:txBody>
+          <a:bodyPr rtlCol="0"/>
+          <a:lstStyle/>
+          <a:p>
+            <a:pPr rtl="0"/>
+            <a:fld id="{DBA1B0FB-D917-4C8C-928F-313BD683BF39}" type="slidenum">
+              <a:rPr lang="da-DK" smtClean="0"/>
+              <a:t>8</a:t>
+            </a:fld>
+            <a:endParaRPr lang="da-DK" dirty="0"/>
+          </a:p>
+        </p:txBody>
+      </p:sp>
+      <p:pic>
+        <p:nvPicPr>
+          <p:cNvPr id="6" name="Billede 5">
+            <a:extLst>
+              <a:ext uri="{FF2B5EF4-FFF2-40B4-BE49-F238E27FC236}">
+                <a16:creationId xmlns:a16="http://schemas.microsoft.com/office/drawing/2014/main" id="{A2D10E14-7477-480C-8C72-C7D04E5CD6BD}"/>
+              </a:ext>
+            </a:extLst>
+          </p:cNvPr>
+          <p:cNvPicPr>
+            <a:picLocks noChangeAspect="1"/>
+          </p:cNvPicPr>
+          <p:nvPr/>
+        </p:nvPicPr>
+        <p:blipFill>
+          <a:blip r:embed="rId4"/>
+          <a:stretch>
+            <a:fillRect/>
+          </a:stretch>
         </p:blipFill>
         <p:spPr>
           <a:xfrm>
-            <a:off x="6556248" y="548640"/>
-            <a:ext cx="5084064" cy="2880360"/>
+            <a:off x="3782291" y="0"/>
+            <a:ext cx="8409709" cy="5949383"/>
           </a:xfrm>
+          <a:prstGeom prst="rect">
+            <a:avLst/>
+          </a:prstGeom>
         </p:spPr>
       </p:pic>
+    </p:spTree>
+    <p:extLst>
+      <p:ext uri="{BB962C8B-B14F-4D97-AF65-F5344CB8AC3E}">
+        <p14:creationId xmlns:p14="http://schemas.microsoft.com/office/powerpoint/2010/main" val="3181882624"/>
+      </p:ext>
+    </p:extLst>
+  </p:cSld>
+  <p:clrMapOvr>
+    <a:masterClrMapping/>
+  </p:clrMapOvr>
+</p:sld>
+</file>
+
+<file path=ppt/slides/slide9.xml><?xml version="1.0" encoding="utf-8"?>
+<p:sld xmlns:a="http://schemas.openxmlformats.org/drawingml/2006/main" xmlns:r="http://schemas.openxmlformats.org/officeDocument/2006/relationships" xmlns:p="http://schemas.openxmlformats.org/presentationml/2006/main">
+  <p:cSld>
+    <p:spTree>
+      <p:nvGrpSpPr>
+        <p:cNvPr id="1" name=""/>
+        <p:cNvGrpSpPr/>
+        <p:nvPr/>
+      </p:nvGrpSpPr>
+      <p:grpSpPr>
+        <a:xfrm>
+          <a:off x="0" y="0"/>
+          <a:ext cx="0" cy="0"/>
+          <a:chOff x="0" y="0"/>
+          <a:chExt cx="0" cy="0"/>
+        </a:xfrm>
+      </p:grpSpPr>
       <p:pic>
         <p:nvPicPr>
-          <p:cNvPr id="33" name="Pladsholder til billede 32" descr="Digital baggrund i datapunkter">
-            <a:extLst>
-              <a:ext uri="{FF2B5EF4-FFF2-40B4-BE49-F238E27FC236}">
-                <a16:creationId xmlns:a16="http://schemas.microsoft.com/office/drawing/2014/main" id="{48106962-23C6-4DFE-BB3A-E5FFF03F38CE}"/>
+          <p:cNvPr id="8" name="Pladsholder til billede 7" descr="Digital baggrund i datapunkter">
+            <a:extLst>
+              <a:ext uri="{FF2B5EF4-FFF2-40B4-BE49-F238E27FC236}">
+                <a16:creationId xmlns:a16="http://schemas.microsoft.com/office/drawing/2014/main" id="{5FED7C55-F545-49A1-90FD-D853A25AB453}"/>
               </a:ext>
             </a:extLst>
           </p:cNvPr>
@@ -15398,11 +17506,11 @@
             <a:picLocks noGrp="1" noChangeAspect="1"/>
           </p:cNvPicPr>
           <p:nvPr>
-            <p:ph type="pic" sz="quarter" idx="16"/>
+            <p:ph type="pic" sz="quarter" idx="13"/>
           </p:nvPr>
         </p:nvPicPr>
-        <p:blipFill rotWithShape="1">
-          <a:blip r:embed="rId3" cstate="screen">
+        <p:blipFill>
+          <a:blip r:embed="rId3">
             <a:extLst>
               <a:ext uri="{28A0092B-C50C-407E-A947-70E740481C1C}">
                 <a14:useLocalDpi xmlns:a14="http://schemas.microsoft.com/office/drawing/2010/main" val="0"/>
@@ -15410,44 +17518,128 @@
             </a:extLst>
           </a:blip>
           <a:srcRect/>
-          <a:stretch/>
+          <a:stretch>
+            <a:fillRect/>
+          </a:stretch>
         </p:blipFill>
+        <p:spPr/>
+      </p:pic>
+      <p:sp>
+        <p:nvSpPr>
+          <p:cNvPr id="15" name="Titel 14">
+            <a:extLst>
+              <a:ext uri="{FF2B5EF4-FFF2-40B4-BE49-F238E27FC236}">
+                <a16:creationId xmlns:a16="http://schemas.microsoft.com/office/drawing/2014/main" id="{40F1DF5B-353A-4270-8C10-6A1509441174}"/>
+              </a:ext>
+            </a:extLst>
+          </p:cNvPr>
+          <p:cNvSpPr>
+            <a:spLocks noGrp="1"/>
+          </p:cNvSpPr>
+          <p:nvPr>
+            <p:ph type="ctrTitle"/>
+          </p:nvPr>
+        </p:nvSpPr>
         <p:spPr>
           <a:xfrm>
-            <a:off x="6556248" y="3429000"/>
-            <a:ext cx="5084064" cy="2880360"/>
+            <a:off x="550863" y="549275"/>
+            <a:ext cx="5437187" cy="2986234"/>
           </a:xfrm>
         </p:spPr>
-      </p:pic>
-      <p:sp>
-        <p:nvSpPr>
-          <p:cNvPr id="4" name="Pladsholder til dato 3">
-            <a:extLst>
-              <a:ext uri="{FF2B5EF4-FFF2-40B4-BE49-F238E27FC236}">
-                <a16:creationId xmlns:a16="http://schemas.microsoft.com/office/drawing/2014/main" id="{7823E305-6365-4345-8BD1-4A31C61D96CB}"/>
-              </a:ext>
-            </a:extLst>
-          </p:cNvPr>
-          <p:cNvSpPr>
-            <a:spLocks noGrp="1"/>
-          </p:cNvSpPr>
-          <p:nvPr>
-            <p:ph type="dt" sz="half" idx="10"/>
+        <p:txBody>
+          <a:bodyPr vert="horz" wrap="square" lIns="0" tIns="0" rIns="0" bIns="0" rtlCol="0" anchor="b" anchorCtr="0">
+            <a:normAutofit/>
+          </a:bodyPr>
+          <a:lstStyle/>
+          <a:p>
+            <a:pPr rtl="0">
+              <a:lnSpc>
+                <a:spcPct val="100000"/>
+              </a:lnSpc>
+            </a:pPr>
+            <a:r>
+              <a:rPr lang="da-DK" sz="6400" kern="1200" dirty="0">
+                <a:solidFill>
+                  <a:schemeClr val="tx1"/>
+                </a:solidFill>
+                <a:latin typeface="+mj-lt"/>
+                <a:ea typeface="+mj-ea"/>
+                <a:cs typeface="+mj-cs"/>
+              </a:rPr>
+              <a:t>BOM </a:t>
+            </a:r>
+          </a:p>
+        </p:txBody>
+      </p:sp>
+      <p:sp>
+        <p:nvSpPr>
+          <p:cNvPr id="16" name="Undertitel 15">
+            <a:extLst>
+              <a:ext uri="{FF2B5EF4-FFF2-40B4-BE49-F238E27FC236}">
+                <a16:creationId xmlns:a16="http://schemas.microsoft.com/office/drawing/2014/main" id="{4BDCF583-1D5D-4235-97C2-39272B80A0B1}"/>
+              </a:ext>
+            </a:extLst>
+          </p:cNvPr>
+          <p:cNvSpPr>
+            <a:spLocks noGrp="1"/>
+          </p:cNvSpPr>
+          <p:nvPr>
+            <p:ph type="subTitle" idx="1"/>
           </p:nvPr>
         </p:nvSpPr>
         <p:spPr>
           <a:xfrm>
-            <a:off x="550863" y="6507212"/>
-            <a:ext cx="2628900" cy="153888"/>
+            <a:off x="550863" y="3827610"/>
+            <a:ext cx="8073592" cy="2265216"/>
           </a:xfrm>
         </p:spPr>
         <p:txBody>
+          <a:bodyPr vert="horz" wrap="square" lIns="0" tIns="0" rIns="0" bIns="0" rtlCol="0">
+            <a:normAutofit/>
+          </a:bodyPr>
+          <a:lstStyle/>
+          <a:p>
+            <a:pPr marL="0" indent="0" rtl="0">
+              <a:lnSpc>
+                <a:spcPct val="100000"/>
+              </a:lnSpc>
+              <a:buNone/>
+            </a:pPr>
+            <a:r>
+              <a:rPr lang="da-DK" kern="1200" dirty="0">
+                <a:latin typeface="+mn-lt"/>
+                <a:ea typeface="+mn-ea"/>
+                <a:cs typeface="+mn-cs"/>
+              </a:rPr>
+              <a:t>https://github.com/openscopeproject/InteractiveHtmlBom</a:t>
+            </a:r>
+          </a:p>
+        </p:txBody>
+      </p:sp>
+      <p:sp>
+        <p:nvSpPr>
+          <p:cNvPr id="2" name="Pladsholder til dato 1">
+            <a:extLst>
+              <a:ext uri="{FF2B5EF4-FFF2-40B4-BE49-F238E27FC236}">
+                <a16:creationId xmlns:a16="http://schemas.microsoft.com/office/drawing/2014/main" id="{2910D835-B454-4270-BB35-86A187307E6F}"/>
+              </a:ext>
+            </a:extLst>
+          </p:cNvPr>
+          <p:cNvSpPr>
+            <a:spLocks noGrp="1"/>
+          </p:cNvSpPr>
+          <p:nvPr>
+            <p:ph type="dt" sz="half" idx="10"/>
+          </p:nvPr>
+        </p:nvSpPr>
+        <p:spPr/>
+        <p:txBody>
           <a:bodyPr rtlCol="0"/>
           <a:lstStyle/>
           <a:p>
             <a:pPr rtl="0"/>
             <a:r>
-              <a:rPr lang="da-DK"/>
+              <a:rPr lang="da-DK" dirty="0"/>
               <a:t>Tirsdag d. 2. februar 20XX</a:t>
             </a:r>
           </a:p>
@@ -15455,10 +17647,10 @@
       </p:sp>
       <p:sp>
         <p:nvSpPr>
-          <p:cNvPr id="5" name="Pladsholder til sidefod 4">
-            <a:extLst>
-              <a:ext uri="{FF2B5EF4-FFF2-40B4-BE49-F238E27FC236}">
-                <a16:creationId xmlns:a16="http://schemas.microsoft.com/office/drawing/2014/main" id="{0B37A3FF-ED32-4C4A-A21F-848A3BF6F896}"/>
+          <p:cNvPr id="3" name="Pladsholder til sidefod 2">
+            <a:extLst>
+              <a:ext uri="{FF2B5EF4-FFF2-40B4-BE49-F238E27FC236}">
+                <a16:creationId xmlns:a16="http://schemas.microsoft.com/office/drawing/2014/main" id="{7F7F653B-90B5-4F47-A33F-93DCB2EF68C2}"/>
               </a:ext>
             </a:extLst>
           </p:cNvPr>
@@ -15469,30 +17661,26 @@
             <p:ph type="ftr" sz="quarter" idx="11"/>
           </p:nvPr>
         </p:nvSpPr>
-        <p:spPr>
-          <a:xfrm>
-            <a:off x="3359150" y="6507212"/>
-            <a:ext cx="6379210" cy="153888"/>
-          </a:xfrm>
-        </p:spPr>
+        <p:spPr/>
         <p:txBody>
           <a:bodyPr rtlCol="0"/>
           <a:lstStyle/>
           <a:p>
             <a:pPr rtl="0"/>
             <a:r>
-              <a:rPr lang="da-DK"/>
-              <a:t>Eksempel på fodnotetekst</a:t>
-            </a:r>
-          </a:p>
-        </p:txBody>
-      </p:sp>
-      <p:sp>
-        <p:nvSpPr>
-          <p:cNvPr id="6" name="Pladsholder til slidenummer 5">
-            <a:extLst>
-              <a:ext uri="{FF2B5EF4-FFF2-40B4-BE49-F238E27FC236}">
-                <a16:creationId xmlns:a16="http://schemas.microsoft.com/office/drawing/2014/main" id="{36E60F23-FB58-4EF8-82FD-E86CED25FDD4}"/>
+              <a:rPr lang="da-DK" dirty="0" err="1"/>
+              <a:t>KiCad</a:t>
+            </a:r>
+            <a:endParaRPr lang="da-DK" dirty="0"/>
+          </a:p>
+        </p:txBody>
+      </p:sp>
+      <p:sp>
+        <p:nvSpPr>
+          <p:cNvPr id="4" name="Pladsholder til slidenummer 3">
+            <a:extLst>
+              <a:ext uri="{FF2B5EF4-FFF2-40B4-BE49-F238E27FC236}">
+                <a16:creationId xmlns:a16="http://schemas.microsoft.com/office/drawing/2014/main" id="{E1E7D98D-6710-41D2-B258-E1A1059D29F8}"/>
               </a:ext>
             </a:extLst>
           </p:cNvPr>
@@ -15503,12 +17691,7 @@
             <p:ph type="sldNum" sz="quarter" idx="12"/>
           </p:nvPr>
         </p:nvSpPr>
-        <p:spPr>
-          <a:xfrm>
-            <a:off x="9948863" y="6507212"/>
-            <a:ext cx="1692274" cy="153888"/>
-          </a:xfrm>
-        </p:spPr>
+        <p:spPr/>
         <p:txBody>
           <a:bodyPr rtlCol="0"/>
           <a:lstStyle/>
@@ -15516,17 +17699,16 @@
             <a:pPr rtl="0"/>
             <a:fld id="{DBA1B0FB-D917-4C8C-928F-313BD683BF39}" type="slidenum">
               <a:rPr lang="da-DK" smtClean="0"/>
-              <a:pPr rtl="0"/>
-              <a:t>5</a:t>
+              <a:t>9</a:t>
             </a:fld>
-            <a:endParaRPr lang="da-DK"/>
+            <a:endParaRPr lang="da-DK" dirty="0"/>
           </a:p>
         </p:txBody>
       </p:sp>
     </p:spTree>
     <p:extLst>
       <p:ext uri="{BB962C8B-B14F-4D97-AF65-F5344CB8AC3E}">
-        <p14:creationId xmlns:p14="http://schemas.microsoft.com/office/powerpoint/2010/main" val="3247798845"/>
+        <p14:creationId xmlns:p14="http://schemas.microsoft.com/office/powerpoint/2010/main" val="1711935362"/>
       </p:ext>
     </p:extLst>
   </p:cSld>

--- a/Kicad 6.pptx
+++ b/Kicad 6.pptx
@@ -14155,6 +14155,36 @@
           </a:p>
         </p:txBody>
       </p:sp>
+      <p:pic>
+        <p:nvPicPr>
+          <p:cNvPr id="6" name="Billede 5">
+            <a:extLst>
+              <a:ext uri="{FF2B5EF4-FFF2-40B4-BE49-F238E27FC236}">
+                <a16:creationId xmlns:a16="http://schemas.microsoft.com/office/drawing/2014/main" id="{0A99497C-F6CF-4FA1-8091-982666BD6E34}"/>
+              </a:ext>
+            </a:extLst>
+          </p:cNvPr>
+          <p:cNvPicPr>
+            <a:picLocks noChangeAspect="1"/>
+          </p:cNvPicPr>
+          <p:nvPr/>
+        </p:nvPicPr>
+        <p:blipFill>
+          <a:blip r:embed="rId4"/>
+          <a:stretch>
+            <a:fillRect/>
+          </a:stretch>
+        </p:blipFill>
+        <p:spPr>
+          <a:xfrm>
+            <a:off x="7362151" y="2923626"/>
+            <a:ext cx="4829849" cy="3934374"/>
+          </a:xfrm>
+          <a:prstGeom prst="rect">
+            <a:avLst/>
+          </a:prstGeom>
+        </p:spPr>
+      </p:pic>
     </p:spTree>
     <p:extLst>
       <p:ext uri="{BB962C8B-B14F-4D97-AF65-F5344CB8AC3E}">
@@ -17705,6 +17735,36 @@
           </a:p>
         </p:txBody>
       </p:sp>
+      <p:pic>
+        <p:nvPicPr>
+          <p:cNvPr id="6" name="Billede 5">
+            <a:extLst>
+              <a:ext uri="{FF2B5EF4-FFF2-40B4-BE49-F238E27FC236}">
+                <a16:creationId xmlns:a16="http://schemas.microsoft.com/office/drawing/2014/main" id="{30F40329-681F-4A17-BB5F-08D369DD90E2}"/>
+              </a:ext>
+            </a:extLst>
+          </p:cNvPr>
+          <p:cNvPicPr>
+            <a:picLocks noChangeAspect="1"/>
+          </p:cNvPicPr>
+          <p:nvPr/>
+        </p:nvPicPr>
+        <p:blipFill>
+          <a:blip r:embed="rId4"/>
+          <a:stretch>
+            <a:fillRect/>
+          </a:stretch>
+        </p:blipFill>
+        <p:spPr>
+          <a:xfrm>
+            <a:off x="6837217" y="51826"/>
+            <a:ext cx="5198309" cy="3785276"/>
+          </a:xfrm>
+          <a:prstGeom prst="rect">
+            <a:avLst/>
+          </a:prstGeom>
+        </p:spPr>
+      </p:pic>
     </p:spTree>
     <p:extLst>
       <p:ext uri="{BB962C8B-B14F-4D97-AF65-F5344CB8AC3E}">
@@ -18510,6 +18570,15 @@
 </file>
 
 <file path=customXml/item1.xml><?xml version="1.0" encoding="utf-8"?>
+<?mso-contentType ?>
+<FormTemplates xmlns="http://schemas.microsoft.com/sharepoint/v3/contenttype/forms">
+  <Display>DocumentLibraryForm</Display>
+  <Edit>DocumentLibraryForm</Edit>
+  <New>DocumentLibraryForm</New>
+</FormTemplates>
+</file>
+
+<file path=customXml/item2.xml><?xml version="1.0" encoding="utf-8"?>
 <p:properties xmlns:p="http://schemas.microsoft.com/office/2006/metadata/properties" xmlns:xsi="http://www.w3.org/2001/XMLSchema-instance" xmlns:pc="http://schemas.microsoft.com/office/infopath/2007/PartnerControls">
   <documentManagement>
     <_ip_UnifiedCompliancePolicyUIAction xmlns="http://schemas.microsoft.com/sharepoint/v3" xsi:nil="true"/>
@@ -18526,15 +18595,6 @@
     <MediaServiceKeyPoints xmlns="71af3243-3dd4-4a8d-8c0d-dd76da1f02a5" xsi:nil="true"/>
   </documentManagement>
 </p:properties>
-</file>
-
-<file path=customXml/item2.xml><?xml version="1.0" encoding="utf-8"?>
-<?mso-contentType ?>
-<FormTemplates xmlns="http://schemas.microsoft.com/sharepoint/v3/contenttype/forms">
-  <Display>DocumentLibraryForm</Display>
-  <Edit>DocumentLibraryForm</Edit>
-  <New>DocumentLibraryForm</New>
-</FormTemplates>
 </file>
 
 <file path=customXml/item3.xml><?xml version="1.0" encoding="utf-8"?>
@@ -18814,6 +18874,14 @@
 </file>
 
 <file path=customXml/itemProps1.xml><?xml version="1.0" encoding="utf-8"?>
+<ds:datastoreItem xmlns:ds="http://schemas.openxmlformats.org/officeDocument/2006/customXml" ds:itemID="{904751AB-E840-446F-8D49-E697067EC887}">
+  <ds:schemaRefs>
+    <ds:schemaRef ds:uri="http://schemas.microsoft.com/sharepoint/v3/contenttype/forms"/>
+  </ds:schemaRefs>
+</ds:datastoreItem>
+</file>
+
+<file path=customXml/itemProps2.xml><?xml version="1.0" encoding="utf-8"?>
 <ds:datastoreItem xmlns:ds="http://schemas.openxmlformats.org/officeDocument/2006/customXml" ds:itemID="{50811A92-D464-4AC4-A396-BA73B10CEEAC}">
   <ds:schemaRefs>
     <ds:schemaRef ds:uri="http://schemas.microsoft.com/office/2006/metadata/properties"/>
@@ -18821,14 +18889,6 @@
     <ds:schemaRef ds:uri="http://schemas.microsoft.com/sharepoint/v3"/>
     <ds:schemaRef ds:uri="71af3243-3dd4-4a8d-8c0d-dd76da1f02a5"/>
     <ds:schemaRef ds:uri="230e9df3-be65-4c73-a93b-d1236ebd677e"/>
-  </ds:schemaRefs>
-</ds:datastoreItem>
-</file>
-
-<file path=customXml/itemProps2.xml><?xml version="1.0" encoding="utf-8"?>
-<ds:datastoreItem xmlns:ds="http://schemas.openxmlformats.org/officeDocument/2006/customXml" ds:itemID="{904751AB-E840-446F-8D49-E697067EC887}">
-  <ds:schemaRefs>
-    <ds:schemaRef ds:uri="http://schemas.microsoft.com/sharepoint/v3/contenttype/forms"/>
   </ds:schemaRefs>
 </ds:datastoreItem>
 </file>

--- a/Kicad 6.pptx
+++ b/Kicad 6.pptx
@@ -238,7 +238,7 @@
             <a:pPr rtl="0"/>
             <a:fld id="{EE1040D4-4151-4C65-9AC3-C3163B9A624A}" type="datetime1">
               <a:rPr lang="da-DK" smtClean="0"/>
-              <a:t>28-03-2022</a:t>
+              <a:t>29-03-2022</a:t>
             </a:fld>
             <a:endParaRPr lang="en-US"/>
           </a:p>
@@ -420,7 +420,7 @@
             <a:pPr rtl="0"/>
             <a:fld id="{E3F84BF6-C0C3-4933-AF58-292ABAF910E0}" type="datetime1">
               <a:rPr lang="da-DK" smtClean="0"/>
-              <a:t>28-03-2022</a:t>
+              <a:t>29-03-2022</a:t>
             </a:fld>
             <a:endParaRPr lang="en-US"/>
           </a:p>
@@ -788,7 +788,7 @@
             <a:pPr rtl="0"/>
             <a:fld id="{055E89FF-DBE7-4694-AA93-D4A1999970F8}" type="datetime1">
               <a:rPr lang="da-DK" smtClean="0"/>
-              <a:t>28-03-2022</a:t>
+              <a:t>29-03-2022</a:t>
             </a:fld>
             <a:endParaRPr lang="en-US"/>
           </a:p>
@@ -904,7 +904,7 @@
             <a:pPr rtl="0"/>
             <a:fld id="{38EEB378-2AE3-45E8-AD65-B8210FA10C2C}" type="datetime1">
               <a:rPr lang="da-DK" smtClean="0"/>
-              <a:t>28-03-2022</a:t>
+              <a:t>29-03-2022</a:t>
             </a:fld>
             <a:endParaRPr lang="en-US"/>
           </a:p>
@@ -1020,7 +1020,7 @@
             <a:pPr rtl="0"/>
             <a:fld id="{84C43F27-3A36-48E9-AFA8-3790D40A53C4}" type="datetime1">
               <a:rPr lang="da-DK" smtClean="0"/>
-              <a:t>28-03-2022</a:t>
+              <a:t>29-03-2022</a:t>
             </a:fld>
             <a:endParaRPr lang="en-US"/>
           </a:p>
@@ -1136,7 +1136,7 @@
             <a:pPr rtl="0"/>
             <a:fld id="{84C43F27-3A36-48E9-AFA8-3790D40A53C4}" type="datetime1">
               <a:rPr lang="da-DK" smtClean="0"/>
-              <a:t>28-03-2022</a:t>
+              <a:t>29-03-2022</a:t>
             </a:fld>
             <a:endParaRPr lang="en-US"/>
           </a:p>
@@ -1252,7 +1252,7 @@
             <a:pPr rtl="0"/>
             <a:fld id="{84C43F27-3A36-48E9-AFA8-3790D40A53C4}" type="datetime1">
               <a:rPr lang="da-DK" smtClean="0"/>
-              <a:t>28-03-2022</a:t>
+              <a:t>29-03-2022</a:t>
             </a:fld>
             <a:endParaRPr lang="en-US"/>
           </a:p>
@@ -1368,7 +1368,7 @@
             <a:pPr rtl="0"/>
             <a:fld id="{84C43F27-3A36-48E9-AFA8-3790D40A53C4}" type="datetime1">
               <a:rPr lang="da-DK" smtClean="0"/>
-              <a:t>28-03-2022</a:t>
+              <a:t>29-03-2022</a:t>
             </a:fld>
             <a:endParaRPr lang="en-US"/>
           </a:p>
@@ -1484,7 +1484,7 @@
             <a:pPr rtl="0"/>
             <a:fld id="{84C43F27-3A36-48E9-AFA8-3790D40A53C4}" type="datetime1">
               <a:rPr lang="da-DK" smtClean="0"/>
-              <a:t>28-03-2022</a:t>
+              <a:t>29-03-2022</a:t>
             </a:fld>
             <a:endParaRPr lang="en-US"/>
           </a:p>
@@ -1600,7 +1600,7 @@
             <a:pPr rtl="0"/>
             <a:fld id="{84C43F27-3A36-48E9-AFA8-3790D40A53C4}" type="datetime1">
               <a:rPr lang="da-DK" smtClean="0"/>
-              <a:t>28-03-2022</a:t>
+              <a:t>29-03-2022</a:t>
             </a:fld>
             <a:endParaRPr lang="en-US"/>
           </a:p>
@@ -1716,7 +1716,7 @@
             <a:pPr rtl="0"/>
             <a:fld id="{84C43F27-3A36-48E9-AFA8-3790D40A53C4}" type="datetime1">
               <a:rPr lang="da-DK" smtClean="0"/>
-              <a:t>28-03-2022</a:t>
+              <a:t>29-03-2022</a:t>
             </a:fld>
             <a:endParaRPr lang="en-US"/>
           </a:p>
@@ -14177,14 +14177,635 @@
         </p:blipFill>
         <p:spPr>
           <a:xfrm>
-            <a:off x="7362151" y="2923626"/>
-            <a:ext cx="4829849" cy="3934374"/>
+            <a:off x="5809963" y="36887"/>
+            <a:ext cx="3714173" cy="3025549"/>
           </a:xfrm>
           <a:prstGeom prst="rect">
             <a:avLst/>
           </a:prstGeom>
         </p:spPr>
       </p:pic>
+      <p:sp>
+        <p:nvSpPr>
+          <p:cNvPr id="5" name="Tekstfelt 4">
+            <a:extLst>
+              <a:ext uri="{FF2B5EF4-FFF2-40B4-BE49-F238E27FC236}">
+                <a16:creationId xmlns:a16="http://schemas.microsoft.com/office/drawing/2014/main" id="{164DFC84-9BC8-46A8-8F28-6C82D9F5D94D}"/>
+              </a:ext>
+            </a:extLst>
+          </p:cNvPr>
+          <p:cNvSpPr txBox="1"/>
+          <p:nvPr/>
+        </p:nvSpPr>
+        <p:spPr>
+          <a:xfrm>
+            <a:off x="9579554" y="428178"/>
+            <a:ext cx="2430892" cy="6001643"/>
+          </a:xfrm>
+          <a:prstGeom prst="rect">
+            <a:avLst/>
+          </a:prstGeom>
+          <a:noFill/>
+        </p:spPr>
+        <p:txBody>
+          <a:bodyPr wrap="square" rtlCol="0">
+            <a:spAutoFit/>
+          </a:bodyPr>
+          <a:lstStyle/>
+          <a:p>
+            <a:r>
+              <a:rPr lang="en-GB" sz="1200" dirty="0">
+                <a:effectLst/>
+                <a:latin typeface="Calibri" panose="020F0502020204030204" pitchFamily="34" charset="0"/>
+                <a:ea typeface="Calibri" panose="020F0502020204030204" pitchFamily="34" charset="0"/>
+              </a:rPr>
+              <a:t>{</a:t>
+            </a:r>
+            <a:endParaRPr lang="da-DK" sz="1200" dirty="0">
+              <a:effectLst/>
+              <a:latin typeface="Calibri" panose="020F0502020204030204" pitchFamily="34" charset="0"/>
+              <a:ea typeface="Calibri" panose="020F0502020204030204" pitchFamily="34" charset="0"/>
+            </a:endParaRPr>
+          </a:p>
+          <a:p>
+            <a:r>
+              <a:rPr lang="en-GB" sz="1200" dirty="0">
+                <a:effectLst/>
+                <a:latin typeface="Calibri" panose="020F0502020204030204" pitchFamily="34" charset="0"/>
+                <a:ea typeface="Calibri" panose="020F0502020204030204" pitchFamily="34" charset="0"/>
+              </a:rPr>
+              <a:t>    "layout": {</a:t>
+            </a:r>
+            <a:endParaRPr lang="da-DK" sz="1200" dirty="0">
+              <a:effectLst/>
+              <a:latin typeface="Calibri" panose="020F0502020204030204" pitchFamily="34" charset="0"/>
+              <a:ea typeface="Calibri" panose="020F0502020204030204" pitchFamily="34" charset="0"/>
+            </a:endParaRPr>
+          </a:p>
+          <a:p>
+            <a:r>
+              <a:rPr lang="en-GB" sz="1200" dirty="0">
+                <a:effectLst/>
+                <a:latin typeface="Calibri" panose="020F0502020204030204" pitchFamily="34" charset="0"/>
+                <a:ea typeface="Calibri" panose="020F0502020204030204" pitchFamily="34" charset="0"/>
+              </a:rPr>
+              <a:t>        "</a:t>
+            </a:r>
+            <a:r>
+              <a:rPr lang="en-GB" sz="1200" dirty="0" err="1">
+                <a:effectLst/>
+                <a:latin typeface="Calibri" panose="020F0502020204030204" pitchFamily="34" charset="0"/>
+                <a:ea typeface="Calibri" panose="020F0502020204030204" pitchFamily="34" charset="0"/>
+              </a:rPr>
+              <a:t>hspace</a:t>
+            </a:r>
+            <a:r>
+              <a:rPr lang="en-GB" sz="1200" dirty="0">
+                <a:effectLst/>
+                <a:latin typeface="Calibri" panose="020F0502020204030204" pitchFamily="34" charset="0"/>
+                <a:ea typeface="Calibri" panose="020F0502020204030204" pitchFamily="34" charset="0"/>
+              </a:rPr>
+              <a:t>": "2mm",</a:t>
+            </a:r>
+            <a:endParaRPr lang="da-DK" sz="1200" dirty="0">
+              <a:effectLst/>
+              <a:latin typeface="Calibri" panose="020F0502020204030204" pitchFamily="34" charset="0"/>
+              <a:ea typeface="Calibri" panose="020F0502020204030204" pitchFamily="34" charset="0"/>
+            </a:endParaRPr>
+          </a:p>
+          <a:p>
+            <a:r>
+              <a:rPr lang="en-GB" sz="1200" dirty="0">
+                <a:effectLst/>
+                <a:latin typeface="Calibri" panose="020F0502020204030204" pitchFamily="34" charset="0"/>
+                <a:ea typeface="Calibri" panose="020F0502020204030204" pitchFamily="34" charset="0"/>
+              </a:rPr>
+              <a:t>        "</a:t>
+            </a:r>
+            <a:r>
+              <a:rPr lang="en-GB" sz="1200" dirty="0" err="1">
+                <a:effectLst/>
+                <a:latin typeface="Calibri" panose="020F0502020204030204" pitchFamily="34" charset="0"/>
+                <a:ea typeface="Calibri" panose="020F0502020204030204" pitchFamily="34" charset="0"/>
+              </a:rPr>
+              <a:t>vspace</a:t>
+            </a:r>
+            <a:r>
+              <a:rPr lang="en-GB" sz="1200" dirty="0">
+                <a:effectLst/>
+                <a:latin typeface="Calibri" panose="020F0502020204030204" pitchFamily="34" charset="0"/>
+                <a:ea typeface="Calibri" panose="020F0502020204030204" pitchFamily="34" charset="0"/>
+              </a:rPr>
+              <a:t>": "2mm",</a:t>
+            </a:r>
+            <a:endParaRPr lang="da-DK" sz="1200" dirty="0">
+              <a:effectLst/>
+              <a:latin typeface="Calibri" panose="020F0502020204030204" pitchFamily="34" charset="0"/>
+              <a:ea typeface="Calibri" panose="020F0502020204030204" pitchFamily="34" charset="0"/>
+            </a:endParaRPr>
+          </a:p>
+          <a:p>
+            <a:r>
+              <a:rPr lang="en-GB" sz="1200" dirty="0">
+                <a:effectLst/>
+                <a:latin typeface="Calibri" panose="020F0502020204030204" pitchFamily="34" charset="0"/>
+                <a:ea typeface="Calibri" panose="020F0502020204030204" pitchFamily="34" charset="0"/>
+              </a:rPr>
+              <a:t>        "rotation": "90deg",</a:t>
+            </a:r>
+            <a:endParaRPr lang="da-DK" sz="1200" dirty="0">
+              <a:effectLst/>
+              <a:latin typeface="Calibri" panose="020F0502020204030204" pitchFamily="34" charset="0"/>
+              <a:ea typeface="Calibri" panose="020F0502020204030204" pitchFamily="34" charset="0"/>
+            </a:endParaRPr>
+          </a:p>
+          <a:p>
+            <a:r>
+              <a:rPr lang="en-GB" sz="1200" dirty="0">
+                <a:effectLst/>
+                <a:latin typeface="Calibri" panose="020F0502020204030204" pitchFamily="34" charset="0"/>
+                <a:ea typeface="Calibri" panose="020F0502020204030204" pitchFamily="34" charset="0"/>
+              </a:rPr>
+              <a:t>        "rows": "3",</a:t>
+            </a:r>
+            <a:endParaRPr lang="da-DK" sz="1200" dirty="0">
+              <a:effectLst/>
+              <a:latin typeface="Calibri" panose="020F0502020204030204" pitchFamily="34" charset="0"/>
+              <a:ea typeface="Calibri" panose="020F0502020204030204" pitchFamily="34" charset="0"/>
+            </a:endParaRPr>
+          </a:p>
+          <a:p>
+            <a:r>
+              <a:rPr lang="en-GB" sz="1200" dirty="0">
+                <a:effectLst/>
+                <a:latin typeface="Calibri" panose="020F0502020204030204" pitchFamily="34" charset="0"/>
+                <a:ea typeface="Calibri" panose="020F0502020204030204" pitchFamily="34" charset="0"/>
+              </a:rPr>
+              <a:t>        "cols": "10"</a:t>
+            </a:r>
+            <a:endParaRPr lang="da-DK" sz="1200" dirty="0">
+              <a:effectLst/>
+              <a:latin typeface="Calibri" panose="020F0502020204030204" pitchFamily="34" charset="0"/>
+              <a:ea typeface="Calibri" panose="020F0502020204030204" pitchFamily="34" charset="0"/>
+            </a:endParaRPr>
+          </a:p>
+          <a:p>
+            <a:r>
+              <a:rPr lang="en-GB" sz="1200" dirty="0">
+                <a:effectLst/>
+                <a:latin typeface="Calibri" panose="020F0502020204030204" pitchFamily="34" charset="0"/>
+                <a:ea typeface="Calibri" panose="020F0502020204030204" pitchFamily="34" charset="0"/>
+              </a:rPr>
+              <a:t>    },</a:t>
+            </a:r>
+            <a:endParaRPr lang="da-DK" sz="1200" dirty="0">
+              <a:effectLst/>
+              <a:latin typeface="Calibri" panose="020F0502020204030204" pitchFamily="34" charset="0"/>
+              <a:ea typeface="Calibri" panose="020F0502020204030204" pitchFamily="34" charset="0"/>
+            </a:endParaRPr>
+          </a:p>
+          <a:p>
+            <a:r>
+              <a:rPr lang="en-GB" sz="1200" dirty="0">
+                <a:effectLst/>
+                <a:latin typeface="Calibri" panose="020F0502020204030204" pitchFamily="34" charset="0"/>
+                <a:ea typeface="Calibri" panose="020F0502020204030204" pitchFamily="34" charset="0"/>
+              </a:rPr>
+              <a:t>    "tabs": {</a:t>
+            </a:r>
+            <a:endParaRPr lang="da-DK" sz="1200" dirty="0">
+              <a:effectLst/>
+              <a:latin typeface="Calibri" panose="020F0502020204030204" pitchFamily="34" charset="0"/>
+              <a:ea typeface="Calibri" panose="020F0502020204030204" pitchFamily="34" charset="0"/>
+            </a:endParaRPr>
+          </a:p>
+          <a:p>
+            <a:r>
+              <a:rPr lang="en-GB" sz="1200" dirty="0">
+                <a:effectLst/>
+                <a:latin typeface="Calibri" panose="020F0502020204030204" pitchFamily="34" charset="0"/>
+                <a:ea typeface="Calibri" panose="020F0502020204030204" pitchFamily="34" charset="0"/>
+              </a:rPr>
+              <a:t>        "type": "fixed"</a:t>
+            </a:r>
+            <a:endParaRPr lang="da-DK" sz="1200" dirty="0">
+              <a:effectLst/>
+              <a:latin typeface="Calibri" panose="020F0502020204030204" pitchFamily="34" charset="0"/>
+              <a:ea typeface="Calibri" panose="020F0502020204030204" pitchFamily="34" charset="0"/>
+            </a:endParaRPr>
+          </a:p>
+          <a:p>
+            <a:r>
+              <a:rPr lang="en-GB" sz="1200" dirty="0">
+                <a:effectLst/>
+                <a:latin typeface="Calibri" panose="020F0502020204030204" pitchFamily="34" charset="0"/>
+                <a:ea typeface="Calibri" panose="020F0502020204030204" pitchFamily="34" charset="0"/>
+              </a:rPr>
+              <a:t>    },</a:t>
+            </a:r>
+            <a:endParaRPr lang="da-DK" sz="1200" dirty="0">
+              <a:effectLst/>
+              <a:latin typeface="Calibri" panose="020F0502020204030204" pitchFamily="34" charset="0"/>
+              <a:ea typeface="Calibri" panose="020F0502020204030204" pitchFamily="34" charset="0"/>
+            </a:endParaRPr>
+          </a:p>
+          <a:p>
+            <a:r>
+              <a:rPr lang="en-GB" sz="1200" dirty="0">
+                <a:effectLst/>
+                <a:latin typeface="Calibri" panose="020F0502020204030204" pitchFamily="34" charset="0"/>
+                <a:ea typeface="Calibri" panose="020F0502020204030204" pitchFamily="34" charset="0"/>
+              </a:rPr>
+              <a:t>    "cuts": {</a:t>
+            </a:r>
+            <a:endParaRPr lang="da-DK" sz="1200" dirty="0">
+              <a:effectLst/>
+              <a:latin typeface="Calibri" panose="020F0502020204030204" pitchFamily="34" charset="0"/>
+              <a:ea typeface="Calibri" panose="020F0502020204030204" pitchFamily="34" charset="0"/>
+            </a:endParaRPr>
+          </a:p>
+          <a:p>
+            <a:r>
+              <a:rPr lang="en-GB" sz="1200" dirty="0">
+                <a:effectLst/>
+                <a:latin typeface="Calibri" panose="020F0502020204030204" pitchFamily="34" charset="0"/>
+                <a:ea typeface="Calibri" panose="020F0502020204030204" pitchFamily="34" charset="0"/>
+              </a:rPr>
+              <a:t>        "type": "</a:t>
+            </a:r>
+            <a:r>
+              <a:rPr lang="en-GB" sz="1200" dirty="0" err="1">
+                <a:effectLst/>
+                <a:latin typeface="Calibri" panose="020F0502020204030204" pitchFamily="34" charset="0"/>
+                <a:ea typeface="Calibri" panose="020F0502020204030204" pitchFamily="34" charset="0"/>
+              </a:rPr>
+              <a:t>mousebites</a:t>
+            </a:r>
+            <a:r>
+              <a:rPr lang="en-GB" sz="1200" dirty="0">
+                <a:effectLst/>
+                <a:latin typeface="Calibri" panose="020F0502020204030204" pitchFamily="34" charset="0"/>
+                <a:ea typeface="Calibri" panose="020F0502020204030204" pitchFamily="34" charset="0"/>
+              </a:rPr>
+              <a:t>",</a:t>
+            </a:r>
+            <a:endParaRPr lang="da-DK" sz="1200" dirty="0">
+              <a:effectLst/>
+              <a:latin typeface="Calibri" panose="020F0502020204030204" pitchFamily="34" charset="0"/>
+              <a:ea typeface="Calibri" panose="020F0502020204030204" pitchFamily="34" charset="0"/>
+            </a:endParaRPr>
+          </a:p>
+          <a:p>
+            <a:r>
+              <a:rPr lang="en-GB" sz="1200" dirty="0">
+                <a:effectLst/>
+                <a:latin typeface="Calibri" panose="020F0502020204030204" pitchFamily="34" charset="0"/>
+                <a:ea typeface="Calibri" panose="020F0502020204030204" pitchFamily="34" charset="0"/>
+              </a:rPr>
+              <a:t>        "spacing": "1mm",</a:t>
+            </a:r>
+            <a:endParaRPr lang="da-DK" sz="1200" dirty="0">
+              <a:effectLst/>
+              <a:latin typeface="Calibri" panose="020F0502020204030204" pitchFamily="34" charset="0"/>
+              <a:ea typeface="Calibri" panose="020F0502020204030204" pitchFamily="34" charset="0"/>
+            </a:endParaRPr>
+          </a:p>
+          <a:p>
+            <a:r>
+              <a:rPr lang="en-GB" sz="1200" dirty="0">
+                <a:effectLst/>
+                <a:latin typeface="Calibri" panose="020F0502020204030204" pitchFamily="34" charset="0"/>
+                <a:ea typeface="Calibri" panose="020F0502020204030204" pitchFamily="34" charset="0"/>
+              </a:rPr>
+              <a:t>        "offset": "0.2mm"</a:t>
+            </a:r>
+            <a:endParaRPr lang="da-DK" sz="1200" dirty="0">
+              <a:effectLst/>
+              <a:latin typeface="Calibri" panose="020F0502020204030204" pitchFamily="34" charset="0"/>
+              <a:ea typeface="Calibri" panose="020F0502020204030204" pitchFamily="34" charset="0"/>
+            </a:endParaRPr>
+          </a:p>
+          <a:p>
+            <a:r>
+              <a:rPr lang="en-GB" sz="1200" dirty="0">
+                <a:effectLst/>
+                <a:latin typeface="Calibri" panose="020F0502020204030204" pitchFamily="34" charset="0"/>
+                <a:ea typeface="Calibri" panose="020F0502020204030204" pitchFamily="34" charset="0"/>
+              </a:rPr>
+              <a:t>    },</a:t>
+            </a:r>
+            <a:endParaRPr lang="da-DK" sz="1200" dirty="0">
+              <a:effectLst/>
+              <a:latin typeface="Calibri" panose="020F0502020204030204" pitchFamily="34" charset="0"/>
+              <a:ea typeface="Calibri" panose="020F0502020204030204" pitchFamily="34" charset="0"/>
+            </a:endParaRPr>
+          </a:p>
+          <a:p>
+            <a:r>
+              <a:rPr lang="en-GB" sz="1200" dirty="0">
+                <a:effectLst/>
+                <a:latin typeface="Calibri" panose="020F0502020204030204" pitchFamily="34" charset="0"/>
+                <a:ea typeface="Calibri" panose="020F0502020204030204" pitchFamily="34" charset="0"/>
+              </a:rPr>
+              <a:t>    "framing": {</a:t>
+            </a:r>
+            <a:endParaRPr lang="da-DK" sz="1200" dirty="0">
+              <a:effectLst/>
+              <a:latin typeface="Calibri" panose="020F0502020204030204" pitchFamily="34" charset="0"/>
+              <a:ea typeface="Calibri" panose="020F0502020204030204" pitchFamily="34" charset="0"/>
+            </a:endParaRPr>
+          </a:p>
+          <a:p>
+            <a:r>
+              <a:rPr lang="en-GB" sz="1200" dirty="0">
+                <a:effectLst/>
+                <a:latin typeface="Calibri" panose="020F0502020204030204" pitchFamily="34" charset="0"/>
+                <a:ea typeface="Calibri" panose="020F0502020204030204" pitchFamily="34" charset="0"/>
+              </a:rPr>
+              <a:t>        "type": "</a:t>
+            </a:r>
+            <a:r>
+              <a:rPr lang="en-GB" sz="1200" dirty="0" err="1">
+                <a:effectLst/>
+                <a:latin typeface="Calibri" panose="020F0502020204030204" pitchFamily="34" charset="0"/>
+                <a:ea typeface="Calibri" panose="020F0502020204030204" pitchFamily="34" charset="0"/>
+              </a:rPr>
+              <a:t>railstb</a:t>
+            </a:r>
+            <a:r>
+              <a:rPr lang="en-GB" sz="1200" dirty="0">
+                <a:effectLst/>
+                <a:latin typeface="Calibri" panose="020F0502020204030204" pitchFamily="34" charset="0"/>
+                <a:ea typeface="Calibri" panose="020F0502020204030204" pitchFamily="34" charset="0"/>
+              </a:rPr>
+              <a:t>",</a:t>
+            </a:r>
+            <a:endParaRPr lang="da-DK" sz="1200" dirty="0">
+              <a:effectLst/>
+              <a:latin typeface="Calibri" panose="020F0502020204030204" pitchFamily="34" charset="0"/>
+              <a:ea typeface="Calibri" panose="020F0502020204030204" pitchFamily="34" charset="0"/>
+            </a:endParaRPr>
+          </a:p>
+          <a:p>
+            <a:r>
+              <a:rPr lang="en-GB" sz="1200" dirty="0">
+                <a:effectLst/>
+                <a:latin typeface="Calibri" panose="020F0502020204030204" pitchFamily="34" charset="0"/>
+                <a:ea typeface="Calibri" panose="020F0502020204030204" pitchFamily="34" charset="0"/>
+              </a:rPr>
+              <a:t>        "width": "5mm"</a:t>
+            </a:r>
+            <a:endParaRPr lang="da-DK" sz="1200" dirty="0">
+              <a:effectLst/>
+              <a:latin typeface="Calibri" panose="020F0502020204030204" pitchFamily="34" charset="0"/>
+              <a:ea typeface="Calibri" panose="020F0502020204030204" pitchFamily="34" charset="0"/>
+            </a:endParaRPr>
+          </a:p>
+          <a:p>
+            <a:r>
+              <a:rPr lang="en-GB" sz="1200" dirty="0">
+                <a:effectLst/>
+                <a:latin typeface="Calibri" panose="020F0502020204030204" pitchFamily="34" charset="0"/>
+                <a:ea typeface="Calibri" panose="020F0502020204030204" pitchFamily="34" charset="0"/>
+              </a:rPr>
+              <a:t>    },</a:t>
+            </a:r>
+            <a:endParaRPr lang="da-DK" sz="1200" dirty="0">
+              <a:effectLst/>
+              <a:latin typeface="Calibri" panose="020F0502020204030204" pitchFamily="34" charset="0"/>
+              <a:ea typeface="Calibri" panose="020F0502020204030204" pitchFamily="34" charset="0"/>
+            </a:endParaRPr>
+          </a:p>
+          <a:p>
+            <a:r>
+              <a:rPr lang="en-GB" sz="1200" dirty="0">
+                <a:effectLst/>
+                <a:latin typeface="Calibri" panose="020F0502020204030204" pitchFamily="34" charset="0"/>
+                <a:ea typeface="Calibri" panose="020F0502020204030204" pitchFamily="34" charset="0"/>
+              </a:rPr>
+              <a:t>    "fiducials": {</a:t>
+            </a:r>
+            <a:endParaRPr lang="da-DK" sz="1200" dirty="0">
+              <a:effectLst/>
+              <a:latin typeface="Calibri" panose="020F0502020204030204" pitchFamily="34" charset="0"/>
+              <a:ea typeface="Calibri" panose="020F0502020204030204" pitchFamily="34" charset="0"/>
+            </a:endParaRPr>
+          </a:p>
+          <a:p>
+            <a:r>
+              <a:rPr lang="en-GB" sz="1200" dirty="0">
+                <a:effectLst/>
+                <a:latin typeface="Calibri" panose="020F0502020204030204" pitchFamily="34" charset="0"/>
+                <a:ea typeface="Calibri" panose="020F0502020204030204" pitchFamily="34" charset="0"/>
+              </a:rPr>
+              <a:t>        "type": "3fid",</a:t>
+            </a:r>
+            <a:endParaRPr lang="da-DK" sz="1200" dirty="0">
+              <a:effectLst/>
+              <a:latin typeface="Calibri" panose="020F0502020204030204" pitchFamily="34" charset="0"/>
+              <a:ea typeface="Calibri" panose="020F0502020204030204" pitchFamily="34" charset="0"/>
+            </a:endParaRPr>
+          </a:p>
+          <a:p>
+            <a:r>
+              <a:rPr lang="en-GB" sz="1200" dirty="0">
+                <a:effectLst/>
+                <a:latin typeface="Calibri" panose="020F0502020204030204" pitchFamily="34" charset="0"/>
+                <a:ea typeface="Calibri" panose="020F0502020204030204" pitchFamily="34" charset="0"/>
+              </a:rPr>
+              <a:t>        "</a:t>
+            </a:r>
+            <a:r>
+              <a:rPr lang="en-GB" sz="1200" dirty="0" err="1">
+                <a:effectLst/>
+                <a:latin typeface="Calibri" panose="020F0502020204030204" pitchFamily="34" charset="0"/>
+                <a:ea typeface="Calibri" panose="020F0502020204030204" pitchFamily="34" charset="0"/>
+              </a:rPr>
+              <a:t>hoffset</a:t>
+            </a:r>
+            <a:r>
+              <a:rPr lang="en-GB" sz="1200" dirty="0">
+                <a:effectLst/>
+                <a:latin typeface="Calibri" panose="020F0502020204030204" pitchFamily="34" charset="0"/>
+                <a:ea typeface="Calibri" panose="020F0502020204030204" pitchFamily="34" charset="0"/>
+              </a:rPr>
+              <a:t>": "2mm",</a:t>
+            </a:r>
+            <a:endParaRPr lang="da-DK" sz="1200" dirty="0">
+              <a:effectLst/>
+              <a:latin typeface="Calibri" panose="020F0502020204030204" pitchFamily="34" charset="0"/>
+              <a:ea typeface="Calibri" panose="020F0502020204030204" pitchFamily="34" charset="0"/>
+            </a:endParaRPr>
+          </a:p>
+          <a:p>
+            <a:r>
+              <a:rPr lang="en-GB" sz="1200" dirty="0">
+                <a:effectLst/>
+                <a:latin typeface="Calibri" panose="020F0502020204030204" pitchFamily="34" charset="0"/>
+                <a:ea typeface="Calibri" panose="020F0502020204030204" pitchFamily="34" charset="0"/>
+              </a:rPr>
+              <a:t>        "</a:t>
+            </a:r>
+            <a:r>
+              <a:rPr lang="en-GB" sz="1200" dirty="0" err="1">
+                <a:effectLst/>
+                <a:latin typeface="Calibri" panose="020F0502020204030204" pitchFamily="34" charset="0"/>
+                <a:ea typeface="Calibri" panose="020F0502020204030204" pitchFamily="34" charset="0"/>
+              </a:rPr>
+              <a:t>voffset</a:t>
+            </a:r>
+            <a:r>
+              <a:rPr lang="en-GB" sz="1200" dirty="0">
+                <a:effectLst/>
+                <a:latin typeface="Calibri" panose="020F0502020204030204" pitchFamily="34" charset="0"/>
+                <a:ea typeface="Calibri" panose="020F0502020204030204" pitchFamily="34" charset="0"/>
+              </a:rPr>
+              <a:t>": "2mm"</a:t>
+            </a:r>
+            <a:endParaRPr lang="da-DK" sz="1200" dirty="0">
+              <a:effectLst/>
+              <a:latin typeface="Calibri" panose="020F0502020204030204" pitchFamily="34" charset="0"/>
+              <a:ea typeface="Calibri" panose="020F0502020204030204" pitchFamily="34" charset="0"/>
+            </a:endParaRPr>
+          </a:p>
+          <a:p>
+            <a:r>
+              <a:rPr lang="en-GB" sz="1200" dirty="0">
+                <a:effectLst/>
+                <a:latin typeface="Calibri" panose="020F0502020204030204" pitchFamily="34" charset="0"/>
+                <a:ea typeface="Calibri" panose="020F0502020204030204" pitchFamily="34" charset="0"/>
+              </a:rPr>
+              <a:t>    },</a:t>
+            </a:r>
+            <a:endParaRPr lang="da-DK" sz="1200" dirty="0">
+              <a:effectLst/>
+              <a:latin typeface="Calibri" panose="020F0502020204030204" pitchFamily="34" charset="0"/>
+              <a:ea typeface="Calibri" panose="020F0502020204030204" pitchFamily="34" charset="0"/>
+            </a:endParaRPr>
+          </a:p>
+          <a:p>
+            <a:r>
+              <a:rPr lang="en-GB" sz="1200" dirty="0">
+                <a:effectLst/>
+                <a:latin typeface="Calibri" panose="020F0502020204030204" pitchFamily="34" charset="0"/>
+                <a:ea typeface="Calibri" panose="020F0502020204030204" pitchFamily="34" charset="0"/>
+              </a:rPr>
+              <a:t>    "text": {</a:t>
+            </a:r>
+            <a:endParaRPr lang="da-DK" sz="1200" dirty="0">
+              <a:effectLst/>
+              <a:latin typeface="Calibri" panose="020F0502020204030204" pitchFamily="34" charset="0"/>
+              <a:ea typeface="Calibri" panose="020F0502020204030204" pitchFamily="34" charset="0"/>
+            </a:endParaRPr>
+          </a:p>
+          <a:p>
+            <a:r>
+              <a:rPr lang="en-GB" sz="1200" dirty="0">
+                <a:effectLst/>
+                <a:latin typeface="Calibri" panose="020F0502020204030204" pitchFamily="34" charset="0"/>
+                <a:ea typeface="Calibri" panose="020F0502020204030204" pitchFamily="34" charset="0"/>
+              </a:rPr>
+              <a:t>        "type": "simple"</a:t>
+            </a:r>
+            <a:endParaRPr lang="da-DK" sz="1200" dirty="0">
+              <a:effectLst/>
+              <a:latin typeface="Calibri" panose="020F0502020204030204" pitchFamily="34" charset="0"/>
+              <a:ea typeface="Calibri" panose="020F0502020204030204" pitchFamily="34" charset="0"/>
+            </a:endParaRPr>
+          </a:p>
+          <a:p>
+            <a:r>
+              <a:rPr lang="en-GB" sz="1200" dirty="0">
+                <a:effectLst/>
+                <a:latin typeface="Calibri" panose="020F0502020204030204" pitchFamily="34" charset="0"/>
+                <a:ea typeface="Calibri" panose="020F0502020204030204" pitchFamily="34" charset="0"/>
+              </a:rPr>
+              <a:t>    },</a:t>
+            </a:r>
+            <a:endParaRPr lang="da-DK" sz="1200" dirty="0">
+              <a:effectLst/>
+              <a:latin typeface="Calibri" panose="020F0502020204030204" pitchFamily="34" charset="0"/>
+              <a:ea typeface="Calibri" panose="020F0502020204030204" pitchFamily="34" charset="0"/>
+            </a:endParaRPr>
+          </a:p>
+          <a:p>
+            <a:r>
+              <a:rPr lang="en-GB" sz="1200" dirty="0">
+                <a:effectLst/>
+                <a:latin typeface="Calibri" panose="020F0502020204030204" pitchFamily="34" charset="0"/>
+                <a:ea typeface="Calibri" panose="020F0502020204030204" pitchFamily="34" charset="0"/>
+              </a:rPr>
+              <a:t>    "post": {</a:t>
+            </a:r>
+            <a:endParaRPr lang="da-DK" sz="1200" dirty="0">
+              <a:effectLst/>
+              <a:latin typeface="Calibri" panose="020F0502020204030204" pitchFamily="34" charset="0"/>
+              <a:ea typeface="Calibri" panose="020F0502020204030204" pitchFamily="34" charset="0"/>
+            </a:endParaRPr>
+          </a:p>
+          <a:p>
+            <a:r>
+              <a:rPr lang="en-GB" sz="1200" dirty="0">
+                <a:effectLst/>
+                <a:latin typeface="Calibri" panose="020F0502020204030204" pitchFamily="34" charset="0"/>
+                <a:ea typeface="Calibri" panose="020F0502020204030204" pitchFamily="34" charset="0"/>
+              </a:rPr>
+              <a:t>        "</a:t>
+            </a:r>
+            <a:r>
+              <a:rPr lang="en-GB" sz="1200" dirty="0" err="1">
+                <a:effectLst/>
+                <a:latin typeface="Calibri" panose="020F0502020204030204" pitchFamily="34" charset="0"/>
+                <a:ea typeface="Calibri" panose="020F0502020204030204" pitchFamily="34" charset="0"/>
+              </a:rPr>
+              <a:t>millradius</a:t>
+            </a:r>
+            <a:r>
+              <a:rPr lang="en-GB" sz="1200" dirty="0">
+                <a:effectLst/>
+                <a:latin typeface="Calibri" panose="020F0502020204030204" pitchFamily="34" charset="0"/>
+                <a:ea typeface="Calibri" panose="020F0502020204030204" pitchFamily="34" charset="0"/>
+              </a:rPr>
+              <a:t>": "1mm"</a:t>
+            </a:r>
+            <a:endParaRPr lang="da-DK" sz="1200" dirty="0">
+              <a:effectLst/>
+              <a:latin typeface="Calibri" panose="020F0502020204030204" pitchFamily="34" charset="0"/>
+              <a:ea typeface="Calibri" panose="020F0502020204030204" pitchFamily="34" charset="0"/>
+            </a:endParaRPr>
+          </a:p>
+          <a:p>
+            <a:r>
+              <a:rPr lang="en-GB" sz="1200" dirty="0">
+                <a:effectLst/>
+                <a:latin typeface="Calibri" panose="020F0502020204030204" pitchFamily="34" charset="0"/>
+                <a:ea typeface="Calibri" panose="020F0502020204030204" pitchFamily="34" charset="0"/>
+              </a:rPr>
+              <a:t>    }</a:t>
+            </a:r>
+            <a:endParaRPr lang="da-DK" sz="1200" dirty="0">
+              <a:effectLst/>
+              <a:latin typeface="Calibri" panose="020F0502020204030204" pitchFamily="34" charset="0"/>
+              <a:ea typeface="Calibri" panose="020F0502020204030204" pitchFamily="34" charset="0"/>
+            </a:endParaRPr>
+          </a:p>
+          <a:p>
+            <a:r>
+              <a:rPr lang="en-GB" sz="1200" dirty="0">
+                <a:effectLst/>
+                <a:latin typeface="Calibri" panose="020F0502020204030204" pitchFamily="34" charset="0"/>
+                <a:ea typeface="Calibri" panose="020F0502020204030204" pitchFamily="34" charset="0"/>
+              </a:rPr>
+              <a:t>}</a:t>
+            </a:r>
+            <a:endParaRPr lang="da-DK" sz="1200" dirty="0">
+              <a:effectLst/>
+              <a:latin typeface="Calibri" panose="020F0502020204030204" pitchFamily="34" charset="0"/>
+              <a:ea typeface="Calibri" panose="020F0502020204030204" pitchFamily="34" charset="0"/>
+            </a:endParaRPr>
+          </a:p>
+        </p:txBody>
+      </p:sp>
     </p:spTree>
     <p:extLst>
       <p:ext uri="{BB962C8B-B14F-4D97-AF65-F5344CB8AC3E}">
@@ -18570,15 +19191,6 @@
 </file>
 
 <file path=customXml/item1.xml><?xml version="1.0" encoding="utf-8"?>
-<?mso-contentType ?>
-<FormTemplates xmlns="http://schemas.microsoft.com/sharepoint/v3/contenttype/forms">
-  <Display>DocumentLibraryForm</Display>
-  <Edit>DocumentLibraryForm</Edit>
-  <New>DocumentLibraryForm</New>
-</FormTemplates>
-</file>
-
-<file path=customXml/item2.xml><?xml version="1.0" encoding="utf-8"?>
 <p:properties xmlns:p="http://schemas.microsoft.com/office/2006/metadata/properties" xmlns:xsi="http://www.w3.org/2001/XMLSchema-instance" xmlns:pc="http://schemas.microsoft.com/office/infopath/2007/PartnerControls">
   <documentManagement>
     <_ip_UnifiedCompliancePolicyUIAction xmlns="http://schemas.microsoft.com/sharepoint/v3" xsi:nil="true"/>
@@ -18595,6 +19207,15 @@
     <MediaServiceKeyPoints xmlns="71af3243-3dd4-4a8d-8c0d-dd76da1f02a5" xsi:nil="true"/>
   </documentManagement>
 </p:properties>
+</file>
+
+<file path=customXml/item2.xml><?xml version="1.0" encoding="utf-8"?>
+<?mso-contentType ?>
+<FormTemplates xmlns="http://schemas.microsoft.com/sharepoint/v3/contenttype/forms">
+  <Display>DocumentLibraryForm</Display>
+  <Edit>DocumentLibraryForm</Edit>
+  <New>DocumentLibraryForm</New>
+</FormTemplates>
 </file>
 
 <file path=customXml/item3.xml><?xml version="1.0" encoding="utf-8"?>
@@ -18874,14 +19495,6 @@
 </file>
 
 <file path=customXml/itemProps1.xml><?xml version="1.0" encoding="utf-8"?>
-<ds:datastoreItem xmlns:ds="http://schemas.openxmlformats.org/officeDocument/2006/customXml" ds:itemID="{904751AB-E840-446F-8D49-E697067EC887}">
-  <ds:schemaRefs>
-    <ds:schemaRef ds:uri="http://schemas.microsoft.com/sharepoint/v3/contenttype/forms"/>
-  </ds:schemaRefs>
-</ds:datastoreItem>
-</file>
-
-<file path=customXml/itemProps2.xml><?xml version="1.0" encoding="utf-8"?>
 <ds:datastoreItem xmlns:ds="http://schemas.openxmlformats.org/officeDocument/2006/customXml" ds:itemID="{50811A92-D464-4AC4-A396-BA73B10CEEAC}">
   <ds:schemaRefs>
     <ds:schemaRef ds:uri="http://schemas.microsoft.com/office/2006/metadata/properties"/>
@@ -18889,6 +19502,14 @@
     <ds:schemaRef ds:uri="http://schemas.microsoft.com/sharepoint/v3"/>
     <ds:schemaRef ds:uri="71af3243-3dd4-4a8d-8c0d-dd76da1f02a5"/>
     <ds:schemaRef ds:uri="230e9df3-be65-4c73-a93b-d1236ebd677e"/>
+  </ds:schemaRefs>
+</ds:datastoreItem>
+</file>
+
+<file path=customXml/itemProps2.xml><?xml version="1.0" encoding="utf-8"?>
+<ds:datastoreItem xmlns:ds="http://schemas.openxmlformats.org/officeDocument/2006/customXml" ds:itemID="{904751AB-E840-446F-8D49-E697067EC887}">
+  <ds:schemaRefs>
+    <ds:schemaRef ds:uri="http://schemas.microsoft.com/sharepoint/v3/contenttype/forms"/>
   </ds:schemaRefs>
 </ds:datastoreItem>
 </file>

--- a/Kicad 6.pptx
+++ b/Kicad 6.pptx
@@ -18,9 +18,9 @@
     <p:sldId id="394" r:id="rId9"/>
     <p:sldId id="392" r:id="rId10"/>
     <p:sldId id="393" r:id="rId11"/>
-    <p:sldId id="395" r:id="rId12"/>
-    <p:sldId id="396" r:id="rId13"/>
-    <p:sldId id="397" r:id="rId14"/>
+    <p:sldId id="396" r:id="rId12"/>
+    <p:sldId id="397" r:id="rId13"/>
+    <p:sldId id="395" r:id="rId14"/>
     <p:sldId id="391" r:id="rId15"/>
   </p:sldIdLst>
   <p:sldSz cx="12192000" cy="6858000"/>
@@ -238,7 +238,7 @@
             <a:pPr rtl="0"/>
             <a:fld id="{EE1040D4-4151-4C65-9AC3-C3163B9A624A}" type="datetime1">
               <a:rPr lang="da-DK" smtClean="0"/>
-              <a:t>29-03-2022</a:t>
+              <a:t>30-03-2022</a:t>
             </a:fld>
             <a:endParaRPr lang="en-US"/>
           </a:p>
@@ -420,7 +420,7 @@
             <a:pPr rtl="0"/>
             <a:fld id="{E3F84BF6-C0C3-4933-AF58-292ABAF910E0}" type="datetime1">
               <a:rPr lang="da-DK" smtClean="0"/>
-              <a:t>29-03-2022</a:t>
+              <a:t>30-03-2022</a:t>
             </a:fld>
             <a:endParaRPr lang="en-US"/>
           </a:p>
@@ -788,7 +788,7 @@
             <a:pPr rtl="0"/>
             <a:fld id="{055E89FF-DBE7-4694-AA93-D4A1999970F8}" type="datetime1">
               <a:rPr lang="da-DK" smtClean="0"/>
-              <a:t>29-03-2022</a:t>
+              <a:t>30-03-2022</a:t>
             </a:fld>
             <a:endParaRPr lang="en-US"/>
           </a:p>
@@ -904,7 +904,7 @@
             <a:pPr rtl="0"/>
             <a:fld id="{38EEB378-2AE3-45E8-AD65-B8210FA10C2C}" type="datetime1">
               <a:rPr lang="da-DK" smtClean="0"/>
-              <a:t>29-03-2022</a:t>
+              <a:t>30-03-2022</a:t>
             </a:fld>
             <a:endParaRPr lang="en-US"/>
           </a:p>
@@ -1020,7 +1020,7 @@
             <a:pPr rtl="0"/>
             <a:fld id="{84C43F27-3A36-48E9-AFA8-3790D40A53C4}" type="datetime1">
               <a:rPr lang="da-DK" smtClean="0"/>
-              <a:t>29-03-2022</a:t>
+              <a:t>30-03-2022</a:t>
             </a:fld>
             <a:endParaRPr lang="en-US"/>
           </a:p>
@@ -1136,7 +1136,7 @@
             <a:pPr rtl="0"/>
             <a:fld id="{84C43F27-3A36-48E9-AFA8-3790D40A53C4}" type="datetime1">
               <a:rPr lang="da-DK" smtClean="0"/>
-              <a:t>29-03-2022</a:t>
+              <a:t>30-03-2022</a:t>
             </a:fld>
             <a:endParaRPr lang="en-US"/>
           </a:p>
@@ -1252,7 +1252,7 @@
             <a:pPr rtl="0"/>
             <a:fld id="{84C43F27-3A36-48E9-AFA8-3790D40A53C4}" type="datetime1">
               <a:rPr lang="da-DK" smtClean="0"/>
-              <a:t>29-03-2022</a:t>
+              <a:t>30-03-2022</a:t>
             </a:fld>
             <a:endParaRPr lang="en-US"/>
           </a:p>
@@ -1368,7 +1368,7 @@
             <a:pPr rtl="0"/>
             <a:fld id="{84C43F27-3A36-48E9-AFA8-3790D40A53C4}" type="datetime1">
               <a:rPr lang="da-DK" smtClean="0"/>
-              <a:t>29-03-2022</a:t>
+              <a:t>30-03-2022</a:t>
             </a:fld>
             <a:endParaRPr lang="en-US"/>
           </a:p>
@@ -1484,7 +1484,7 @@
             <a:pPr rtl="0"/>
             <a:fld id="{84C43F27-3A36-48E9-AFA8-3790D40A53C4}" type="datetime1">
               <a:rPr lang="da-DK" smtClean="0"/>
-              <a:t>29-03-2022</a:t>
+              <a:t>30-03-2022</a:t>
             </a:fld>
             <a:endParaRPr lang="en-US"/>
           </a:p>
@@ -1493,7 +1493,7 @@
     </p:spTree>
     <p:extLst>
       <p:ext uri="{BB962C8B-B14F-4D97-AF65-F5344CB8AC3E}">
-        <p14:creationId xmlns:p14="http://schemas.microsoft.com/office/powerpoint/2010/main" val="480050975"/>
+        <p14:creationId xmlns:p14="http://schemas.microsoft.com/office/powerpoint/2010/main" val="2078245021"/>
       </p:ext>
     </p:extLst>
   </p:cSld>
@@ -1600,7 +1600,7 @@
             <a:pPr rtl="0"/>
             <a:fld id="{84C43F27-3A36-48E9-AFA8-3790D40A53C4}" type="datetime1">
               <a:rPr lang="da-DK" smtClean="0"/>
-              <a:t>29-03-2022</a:t>
+              <a:t>30-03-2022</a:t>
             </a:fld>
             <a:endParaRPr lang="en-US"/>
           </a:p>
@@ -1609,7 +1609,7 @@
     </p:spTree>
     <p:extLst>
       <p:ext uri="{BB962C8B-B14F-4D97-AF65-F5344CB8AC3E}">
-        <p14:creationId xmlns:p14="http://schemas.microsoft.com/office/powerpoint/2010/main" val="2078245021"/>
+        <p14:creationId xmlns:p14="http://schemas.microsoft.com/office/powerpoint/2010/main" val="4200445825"/>
       </p:ext>
     </p:extLst>
   </p:cSld>
@@ -1716,7 +1716,7 @@
             <a:pPr rtl="0"/>
             <a:fld id="{84C43F27-3A36-48E9-AFA8-3790D40A53C4}" type="datetime1">
               <a:rPr lang="da-DK" smtClean="0"/>
-              <a:t>29-03-2022</a:t>
+              <a:t>30-03-2022</a:t>
             </a:fld>
             <a:endParaRPr lang="en-US"/>
           </a:p>
@@ -1725,7 +1725,7 @@
     </p:spTree>
     <p:extLst>
       <p:ext uri="{BB962C8B-B14F-4D97-AF65-F5344CB8AC3E}">
-        <p14:creationId xmlns:p14="http://schemas.microsoft.com/office/powerpoint/2010/main" val="4200445825"/>
+        <p14:creationId xmlns:p14="http://schemas.microsoft.com/office/powerpoint/2010/main" val="480050975"/>
       </p:ext>
     </p:extLst>
   </p:cSld>
@@ -13991,8 +13991,8 @@
         </p:nvSpPr>
         <p:spPr>
           <a:xfrm>
-            <a:off x="550863" y="549275"/>
-            <a:ext cx="5437187" cy="2986234"/>
+            <a:off x="0" y="196900"/>
+            <a:ext cx="1974128" cy="1986107"/>
           </a:xfrm>
         </p:spPr>
         <p:txBody>
@@ -14006,6 +14006,17 @@
                 <a:spcPct val="100000"/>
               </a:lnSpc>
             </a:pPr>
+            <a:r>
+              <a:rPr lang="da-DK" sz="3200" kern="1200" dirty="0">
+                <a:solidFill>
+                  <a:schemeClr val="tx1"/>
+                </a:solidFill>
+                <a:latin typeface="+mj-lt"/>
+                <a:ea typeface="+mj-ea"/>
+                <a:cs typeface="+mj-cs"/>
+              </a:rPr>
+              <a:t>Opgave2</a:t>
+            </a:r>
             <a:r>
               <a:rPr lang="da-DK" sz="6400" kern="1200" dirty="0">
                 <a:solidFill>
@@ -14015,54 +14026,8 @@
                 <a:ea typeface="+mj-ea"/>
                 <a:cs typeface="+mj-cs"/>
               </a:rPr>
-              <a:t>Panel</a:t>
-            </a:r>
-          </a:p>
-        </p:txBody>
-      </p:sp>
-      <p:sp>
-        <p:nvSpPr>
-          <p:cNvPr id="16" name="Undertitel 15">
-            <a:extLst>
-              <a:ext uri="{FF2B5EF4-FFF2-40B4-BE49-F238E27FC236}">
-                <a16:creationId xmlns:a16="http://schemas.microsoft.com/office/drawing/2014/main" id="{4BDCF583-1D5D-4235-97C2-39272B80A0B1}"/>
-              </a:ext>
-            </a:extLst>
-          </p:cNvPr>
-          <p:cNvSpPr>
-            <a:spLocks noGrp="1"/>
-          </p:cNvSpPr>
-          <p:nvPr>
-            <p:ph type="subTitle" idx="1"/>
-          </p:nvPr>
-        </p:nvSpPr>
-        <p:spPr>
-          <a:xfrm>
-            <a:off x="550863" y="3827610"/>
-            <a:ext cx="5437187" cy="2265216"/>
-          </a:xfrm>
-        </p:spPr>
-        <p:txBody>
-          <a:bodyPr vert="horz" wrap="square" lIns="0" tIns="0" rIns="0" bIns="0" rtlCol="0">
-            <a:normAutofit/>
-          </a:bodyPr>
-          <a:lstStyle/>
-          <a:p>
-            <a:pPr marL="0" indent="0" rtl="0">
-              <a:lnSpc>
-                <a:spcPct val="100000"/>
-              </a:lnSpc>
-              <a:buNone/>
-            </a:pPr>
-            <a:r>
-              <a:rPr lang="da-DK" dirty="0"/>
-              <a:t>https://github.com/yaqwsx/KiKit</a:t>
-            </a:r>
-            <a:endParaRPr lang="da-DK" kern="1200" dirty="0">
-              <a:latin typeface="+mn-lt"/>
-              <a:ea typeface="+mn-ea"/>
-              <a:cs typeface="+mn-cs"/>
-            </a:endParaRPr>
+              <a:t> </a:t>
+            </a:r>
           </a:p>
         </p:txBody>
       </p:sp>
@@ -14157,10 +14122,10 @@
       </p:sp>
       <p:pic>
         <p:nvPicPr>
-          <p:cNvPr id="6" name="Billede 5">
-            <a:extLst>
-              <a:ext uri="{FF2B5EF4-FFF2-40B4-BE49-F238E27FC236}">
-                <a16:creationId xmlns:a16="http://schemas.microsoft.com/office/drawing/2014/main" id="{0A99497C-F6CF-4FA1-8091-982666BD6E34}"/>
+          <p:cNvPr id="7" name="Billede 6">
+            <a:extLst>
+              <a:ext uri="{FF2B5EF4-FFF2-40B4-BE49-F238E27FC236}">
+                <a16:creationId xmlns:a16="http://schemas.microsoft.com/office/drawing/2014/main" id="{E554B677-F6EE-451F-96BF-D8E6A70E2A3F}"/>
               </a:ext>
             </a:extLst>
           </p:cNvPr>
@@ -14177,639 +14142,18 @@
         </p:blipFill>
         <p:spPr>
           <a:xfrm>
-            <a:off x="5809963" y="36887"/>
-            <a:ext cx="3714173" cy="3025549"/>
+            <a:off x="1789248" y="0"/>
+            <a:ext cx="10402752" cy="5963482"/>
           </a:xfrm>
           <a:prstGeom prst="rect">
             <a:avLst/>
           </a:prstGeom>
         </p:spPr>
       </p:pic>
-      <p:sp>
-        <p:nvSpPr>
-          <p:cNvPr id="5" name="Tekstfelt 4">
-            <a:extLst>
-              <a:ext uri="{FF2B5EF4-FFF2-40B4-BE49-F238E27FC236}">
-                <a16:creationId xmlns:a16="http://schemas.microsoft.com/office/drawing/2014/main" id="{164DFC84-9BC8-46A8-8F28-6C82D9F5D94D}"/>
-              </a:ext>
-            </a:extLst>
-          </p:cNvPr>
-          <p:cNvSpPr txBox="1"/>
-          <p:nvPr/>
-        </p:nvSpPr>
-        <p:spPr>
-          <a:xfrm>
-            <a:off x="9579554" y="428178"/>
-            <a:ext cx="2430892" cy="6001643"/>
-          </a:xfrm>
-          <a:prstGeom prst="rect">
-            <a:avLst/>
-          </a:prstGeom>
-          <a:noFill/>
-        </p:spPr>
-        <p:txBody>
-          <a:bodyPr wrap="square" rtlCol="0">
-            <a:spAutoFit/>
-          </a:bodyPr>
-          <a:lstStyle/>
-          <a:p>
-            <a:r>
-              <a:rPr lang="en-GB" sz="1200" dirty="0">
-                <a:effectLst/>
-                <a:latin typeface="Calibri" panose="020F0502020204030204" pitchFamily="34" charset="0"/>
-                <a:ea typeface="Calibri" panose="020F0502020204030204" pitchFamily="34" charset="0"/>
-              </a:rPr>
-              <a:t>{</a:t>
-            </a:r>
-            <a:endParaRPr lang="da-DK" sz="1200" dirty="0">
-              <a:effectLst/>
-              <a:latin typeface="Calibri" panose="020F0502020204030204" pitchFamily="34" charset="0"/>
-              <a:ea typeface="Calibri" panose="020F0502020204030204" pitchFamily="34" charset="0"/>
-            </a:endParaRPr>
-          </a:p>
-          <a:p>
-            <a:r>
-              <a:rPr lang="en-GB" sz="1200" dirty="0">
-                <a:effectLst/>
-                <a:latin typeface="Calibri" panose="020F0502020204030204" pitchFamily="34" charset="0"/>
-                <a:ea typeface="Calibri" panose="020F0502020204030204" pitchFamily="34" charset="0"/>
-              </a:rPr>
-              <a:t>    "layout": {</a:t>
-            </a:r>
-            <a:endParaRPr lang="da-DK" sz="1200" dirty="0">
-              <a:effectLst/>
-              <a:latin typeface="Calibri" panose="020F0502020204030204" pitchFamily="34" charset="0"/>
-              <a:ea typeface="Calibri" panose="020F0502020204030204" pitchFamily="34" charset="0"/>
-            </a:endParaRPr>
-          </a:p>
-          <a:p>
-            <a:r>
-              <a:rPr lang="en-GB" sz="1200" dirty="0">
-                <a:effectLst/>
-                <a:latin typeface="Calibri" panose="020F0502020204030204" pitchFamily="34" charset="0"/>
-                <a:ea typeface="Calibri" panose="020F0502020204030204" pitchFamily="34" charset="0"/>
-              </a:rPr>
-              <a:t>        "</a:t>
-            </a:r>
-            <a:r>
-              <a:rPr lang="en-GB" sz="1200" dirty="0" err="1">
-                <a:effectLst/>
-                <a:latin typeface="Calibri" panose="020F0502020204030204" pitchFamily="34" charset="0"/>
-                <a:ea typeface="Calibri" panose="020F0502020204030204" pitchFamily="34" charset="0"/>
-              </a:rPr>
-              <a:t>hspace</a:t>
-            </a:r>
-            <a:r>
-              <a:rPr lang="en-GB" sz="1200" dirty="0">
-                <a:effectLst/>
-                <a:latin typeface="Calibri" panose="020F0502020204030204" pitchFamily="34" charset="0"/>
-                <a:ea typeface="Calibri" panose="020F0502020204030204" pitchFamily="34" charset="0"/>
-              </a:rPr>
-              <a:t>": "2mm",</a:t>
-            </a:r>
-            <a:endParaRPr lang="da-DK" sz="1200" dirty="0">
-              <a:effectLst/>
-              <a:latin typeface="Calibri" panose="020F0502020204030204" pitchFamily="34" charset="0"/>
-              <a:ea typeface="Calibri" panose="020F0502020204030204" pitchFamily="34" charset="0"/>
-            </a:endParaRPr>
-          </a:p>
-          <a:p>
-            <a:r>
-              <a:rPr lang="en-GB" sz="1200" dirty="0">
-                <a:effectLst/>
-                <a:latin typeface="Calibri" panose="020F0502020204030204" pitchFamily="34" charset="0"/>
-                <a:ea typeface="Calibri" panose="020F0502020204030204" pitchFamily="34" charset="0"/>
-              </a:rPr>
-              <a:t>        "</a:t>
-            </a:r>
-            <a:r>
-              <a:rPr lang="en-GB" sz="1200" dirty="0" err="1">
-                <a:effectLst/>
-                <a:latin typeface="Calibri" panose="020F0502020204030204" pitchFamily="34" charset="0"/>
-                <a:ea typeface="Calibri" panose="020F0502020204030204" pitchFamily="34" charset="0"/>
-              </a:rPr>
-              <a:t>vspace</a:t>
-            </a:r>
-            <a:r>
-              <a:rPr lang="en-GB" sz="1200" dirty="0">
-                <a:effectLst/>
-                <a:latin typeface="Calibri" panose="020F0502020204030204" pitchFamily="34" charset="0"/>
-                <a:ea typeface="Calibri" panose="020F0502020204030204" pitchFamily="34" charset="0"/>
-              </a:rPr>
-              <a:t>": "2mm",</a:t>
-            </a:r>
-            <a:endParaRPr lang="da-DK" sz="1200" dirty="0">
-              <a:effectLst/>
-              <a:latin typeface="Calibri" panose="020F0502020204030204" pitchFamily="34" charset="0"/>
-              <a:ea typeface="Calibri" panose="020F0502020204030204" pitchFamily="34" charset="0"/>
-            </a:endParaRPr>
-          </a:p>
-          <a:p>
-            <a:r>
-              <a:rPr lang="en-GB" sz="1200" dirty="0">
-                <a:effectLst/>
-                <a:latin typeface="Calibri" panose="020F0502020204030204" pitchFamily="34" charset="0"/>
-                <a:ea typeface="Calibri" panose="020F0502020204030204" pitchFamily="34" charset="0"/>
-              </a:rPr>
-              <a:t>        "rotation": "90deg",</a:t>
-            </a:r>
-            <a:endParaRPr lang="da-DK" sz="1200" dirty="0">
-              <a:effectLst/>
-              <a:latin typeface="Calibri" panose="020F0502020204030204" pitchFamily="34" charset="0"/>
-              <a:ea typeface="Calibri" panose="020F0502020204030204" pitchFamily="34" charset="0"/>
-            </a:endParaRPr>
-          </a:p>
-          <a:p>
-            <a:r>
-              <a:rPr lang="en-GB" sz="1200" dirty="0">
-                <a:effectLst/>
-                <a:latin typeface="Calibri" panose="020F0502020204030204" pitchFamily="34" charset="0"/>
-                <a:ea typeface="Calibri" panose="020F0502020204030204" pitchFamily="34" charset="0"/>
-              </a:rPr>
-              <a:t>        "rows": "3",</a:t>
-            </a:r>
-            <a:endParaRPr lang="da-DK" sz="1200" dirty="0">
-              <a:effectLst/>
-              <a:latin typeface="Calibri" panose="020F0502020204030204" pitchFamily="34" charset="0"/>
-              <a:ea typeface="Calibri" panose="020F0502020204030204" pitchFamily="34" charset="0"/>
-            </a:endParaRPr>
-          </a:p>
-          <a:p>
-            <a:r>
-              <a:rPr lang="en-GB" sz="1200" dirty="0">
-                <a:effectLst/>
-                <a:latin typeface="Calibri" panose="020F0502020204030204" pitchFamily="34" charset="0"/>
-                <a:ea typeface="Calibri" panose="020F0502020204030204" pitchFamily="34" charset="0"/>
-              </a:rPr>
-              <a:t>        "cols": "10"</a:t>
-            </a:r>
-            <a:endParaRPr lang="da-DK" sz="1200" dirty="0">
-              <a:effectLst/>
-              <a:latin typeface="Calibri" panose="020F0502020204030204" pitchFamily="34" charset="0"/>
-              <a:ea typeface="Calibri" panose="020F0502020204030204" pitchFamily="34" charset="0"/>
-            </a:endParaRPr>
-          </a:p>
-          <a:p>
-            <a:r>
-              <a:rPr lang="en-GB" sz="1200" dirty="0">
-                <a:effectLst/>
-                <a:latin typeface="Calibri" panose="020F0502020204030204" pitchFamily="34" charset="0"/>
-                <a:ea typeface="Calibri" panose="020F0502020204030204" pitchFamily="34" charset="0"/>
-              </a:rPr>
-              <a:t>    },</a:t>
-            </a:r>
-            <a:endParaRPr lang="da-DK" sz="1200" dirty="0">
-              <a:effectLst/>
-              <a:latin typeface="Calibri" panose="020F0502020204030204" pitchFamily="34" charset="0"/>
-              <a:ea typeface="Calibri" panose="020F0502020204030204" pitchFamily="34" charset="0"/>
-            </a:endParaRPr>
-          </a:p>
-          <a:p>
-            <a:r>
-              <a:rPr lang="en-GB" sz="1200" dirty="0">
-                <a:effectLst/>
-                <a:latin typeface="Calibri" panose="020F0502020204030204" pitchFamily="34" charset="0"/>
-                <a:ea typeface="Calibri" panose="020F0502020204030204" pitchFamily="34" charset="0"/>
-              </a:rPr>
-              <a:t>    "tabs": {</a:t>
-            </a:r>
-            <a:endParaRPr lang="da-DK" sz="1200" dirty="0">
-              <a:effectLst/>
-              <a:latin typeface="Calibri" panose="020F0502020204030204" pitchFamily="34" charset="0"/>
-              <a:ea typeface="Calibri" panose="020F0502020204030204" pitchFamily="34" charset="0"/>
-            </a:endParaRPr>
-          </a:p>
-          <a:p>
-            <a:r>
-              <a:rPr lang="en-GB" sz="1200" dirty="0">
-                <a:effectLst/>
-                <a:latin typeface="Calibri" panose="020F0502020204030204" pitchFamily="34" charset="0"/>
-                <a:ea typeface="Calibri" panose="020F0502020204030204" pitchFamily="34" charset="0"/>
-              </a:rPr>
-              <a:t>        "type": "fixed"</a:t>
-            </a:r>
-            <a:endParaRPr lang="da-DK" sz="1200" dirty="0">
-              <a:effectLst/>
-              <a:latin typeface="Calibri" panose="020F0502020204030204" pitchFamily="34" charset="0"/>
-              <a:ea typeface="Calibri" panose="020F0502020204030204" pitchFamily="34" charset="0"/>
-            </a:endParaRPr>
-          </a:p>
-          <a:p>
-            <a:r>
-              <a:rPr lang="en-GB" sz="1200" dirty="0">
-                <a:effectLst/>
-                <a:latin typeface="Calibri" panose="020F0502020204030204" pitchFamily="34" charset="0"/>
-                <a:ea typeface="Calibri" panose="020F0502020204030204" pitchFamily="34" charset="0"/>
-              </a:rPr>
-              <a:t>    },</a:t>
-            </a:r>
-            <a:endParaRPr lang="da-DK" sz="1200" dirty="0">
-              <a:effectLst/>
-              <a:latin typeface="Calibri" panose="020F0502020204030204" pitchFamily="34" charset="0"/>
-              <a:ea typeface="Calibri" panose="020F0502020204030204" pitchFamily="34" charset="0"/>
-            </a:endParaRPr>
-          </a:p>
-          <a:p>
-            <a:r>
-              <a:rPr lang="en-GB" sz="1200" dirty="0">
-                <a:effectLst/>
-                <a:latin typeface="Calibri" panose="020F0502020204030204" pitchFamily="34" charset="0"/>
-                <a:ea typeface="Calibri" panose="020F0502020204030204" pitchFamily="34" charset="0"/>
-              </a:rPr>
-              <a:t>    "cuts": {</a:t>
-            </a:r>
-            <a:endParaRPr lang="da-DK" sz="1200" dirty="0">
-              <a:effectLst/>
-              <a:latin typeface="Calibri" panose="020F0502020204030204" pitchFamily="34" charset="0"/>
-              <a:ea typeface="Calibri" panose="020F0502020204030204" pitchFamily="34" charset="0"/>
-            </a:endParaRPr>
-          </a:p>
-          <a:p>
-            <a:r>
-              <a:rPr lang="en-GB" sz="1200" dirty="0">
-                <a:effectLst/>
-                <a:latin typeface="Calibri" panose="020F0502020204030204" pitchFamily="34" charset="0"/>
-                <a:ea typeface="Calibri" panose="020F0502020204030204" pitchFamily="34" charset="0"/>
-              </a:rPr>
-              <a:t>        "type": "</a:t>
-            </a:r>
-            <a:r>
-              <a:rPr lang="en-GB" sz="1200" dirty="0" err="1">
-                <a:effectLst/>
-                <a:latin typeface="Calibri" panose="020F0502020204030204" pitchFamily="34" charset="0"/>
-                <a:ea typeface="Calibri" panose="020F0502020204030204" pitchFamily="34" charset="0"/>
-              </a:rPr>
-              <a:t>mousebites</a:t>
-            </a:r>
-            <a:r>
-              <a:rPr lang="en-GB" sz="1200" dirty="0">
-                <a:effectLst/>
-                <a:latin typeface="Calibri" panose="020F0502020204030204" pitchFamily="34" charset="0"/>
-                <a:ea typeface="Calibri" panose="020F0502020204030204" pitchFamily="34" charset="0"/>
-              </a:rPr>
-              <a:t>",</a:t>
-            </a:r>
-            <a:endParaRPr lang="da-DK" sz="1200" dirty="0">
-              <a:effectLst/>
-              <a:latin typeface="Calibri" panose="020F0502020204030204" pitchFamily="34" charset="0"/>
-              <a:ea typeface="Calibri" panose="020F0502020204030204" pitchFamily="34" charset="0"/>
-            </a:endParaRPr>
-          </a:p>
-          <a:p>
-            <a:r>
-              <a:rPr lang="en-GB" sz="1200" dirty="0">
-                <a:effectLst/>
-                <a:latin typeface="Calibri" panose="020F0502020204030204" pitchFamily="34" charset="0"/>
-                <a:ea typeface="Calibri" panose="020F0502020204030204" pitchFamily="34" charset="0"/>
-              </a:rPr>
-              <a:t>        "spacing": "1mm",</a:t>
-            </a:r>
-            <a:endParaRPr lang="da-DK" sz="1200" dirty="0">
-              <a:effectLst/>
-              <a:latin typeface="Calibri" panose="020F0502020204030204" pitchFamily="34" charset="0"/>
-              <a:ea typeface="Calibri" panose="020F0502020204030204" pitchFamily="34" charset="0"/>
-            </a:endParaRPr>
-          </a:p>
-          <a:p>
-            <a:r>
-              <a:rPr lang="en-GB" sz="1200" dirty="0">
-                <a:effectLst/>
-                <a:latin typeface="Calibri" panose="020F0502020204030204" pitchFamily="34" charset="0"/>
-                <a:ea typeface="Calibri" panose="020F0502020204030204" pitchFamily="34" charset="0"/>
-              </a:rPr>
-              <a:t>        "offset": "0.2mm"</a:t>
-            </a:r>
-            <a:endParaRPr lang="da-DK" sz="1200" dirty="0">
-              <a:effectLst/>
-              <a:latin typeface="Calibri" panose="020F0502020204030204" pitchFamily="34" charset="0"/>
-              <a:ea typeface="Calibri" panose="020F0502020204030204" pitchFamily="34" charset="0"/>
-            </a:endParaRPr>
-          </a:p>
-          <a:p>
-            <a:r>
-              <a:rPr lang="en-GB" sz="1200" dirty="0">
-                <a:effectLst/>
-                <a:latin typeface="Calibri" panose="020F0502020204030204" pitchFamily="34" charset="0"/>
-                <a:ea typeface="Calibri" panose="020F0502020204030204" pitchFamily="34" charset="0"/>
-              </a:rPr>
-              <a:t>    },</a:t>
-            </a:r>
-            <a:endParaRPr lang="da-DK" sz="1200" dirty="0">
-              <a:effectLst/>
-              <a:latin typeface="Calibri" panose="020F0502020204030204" pitchFamily="34" charset="0"/>
-              <a:ea typeface="Calibri" panose="020F0502020204030204" pitchFamily="34" charset="0"/>
-            </a:endParaRPr>
-          </a:p>
-          <a:p>
-            <a:r>
-              <a:rPr lang="en-GB" sz="1200" dirty="0">
-                <a:effectLst/>
-                <a:latin typeface="Calibri" panose="020F0502020204030204" pitchFamily="34" charset="0"/>
-                <a:ea typeface="Calibri" panose="020F0502020204030204" pitchFamily="34" charset="0"/>
-              </a:rPr>
-              <a:t>    "framing": {</a:t>
-            </a:r>
-            <a:endParaRPr lang="da-DK" sz="1200" dirty="0">
-              <a:effectLst/>
-              <a:latin typeface="Calibri" panose="020F0502020204030204" pitchFamily="34" charset="0"/>
-              <a:ea typeface="Calibri" panose="020F0502020204030204" pitchFamily="34" charset="0"/>
-            </a:endParaRPr>
-          </a:p>
-          <a:p>
-            <a:r>
-              <a:rPr lang="en-GB" sz="1200" dirty="0">
-                <a:effectLst/>
-                <a:latin typeface="Calibri" panose="020F0502020204030204" pitchFamily="34" charset="0"/>
-                <a:ea typeface="Calibri" panose="020F0502020204030204" pitchFamily="34" charset="0"/>
-              </a:rPr>
-              <a:t>        "type": "</a:t>
-            </a:r>
-            <a:r>
-              <a:rPr lang="en-GB" sz="1200" dirty="0" err="1">
-                <a:effectLst/>
-                <a:latin typeface="Calibri" panose="020F0502020204030204" pitchFamily="34" charset="0"/>
-                <a:ea typeface="Calibri" panose="020F0502020204030204" pitchFamily="34" charset="0"/>
-              </a:rPr>
-              <a:t>railstb</a:t>
-            </a:r>
-            <a:r>
-              <a:rPr lang="en-GB" sz="1200" dirty="0">
-                <a:effectLst/>
-                <a:latin typeface="Calibri" panose="020F0502020204030204" pitchFamily="34" charset="0"/>
-                <a:ea typeface="Calibri" panose="020F0502020204030204" pitchFamily="34" charset="0"/>
-              </a:rPr>
-              <a:t>",</a:t>
-            </a:r>
-            <a:endParaRPr lang="da-DK" sz="1200" dirty="0">
-              <a:effectLst/>
-              <a:latin typeface="Calibri" panose="020F0502020204030204" pitchFamily="34" charset="0"/>
-              <a:ea typeface="Calibri" panose="020F0502020204030204" pitchFamily="34" charset="0"/>
-            </a:endParaRPr>
-          </a:p>
-          <a:p>
-            <a:r>
-              <a:rPr lang="en-GB" sz="1200" dirty="0">
-                <a:effectLst/>
-                <a:latin typeface="Calibri" panose="020F0502020204030204" pitchFamily="34" charset="0"/>
-                <a:ea typeface="Calibri" panose="020F0502020204030204" pitchFamily="34" charset="0"/>
-              </a:rPr>
-              <a:t>        "width": "5mm"</a:t>
-            </a:r>
-            <a:endParaRPr lang="da-DK" sz="1200" dirty="0">
-              <a:effectLst/>
-              <a:latin typeface="Calibri" panose="020F0502020204030204" pitchFamily="34" charset="0"/>
-              <a:ea typeface="Calibri" panose="020F0502020204030204" pitchFamily="34" charset="0"/>
-            </a:endParaRPr>
-          </a:p>
-          <a:p>
-            <a:r>
-              <a:rPr lang="en-GB" sz="1200" dirty="0">
-                <a:effectLst/>
-                <a:latin typeface="Calibri" panose="020F0502020204030204" pitchFamily="34" charset="0"/>
-                <a:ea typeface="Calibri" panose="020F0502020204030204" pitchFamily="34" charset="0"/>
-              </a:rPr>
-              <a:t>    },</a:t>
-            </a:r>
-            <a:endParaRPr lang="da-DK" sz="1200" dirty="0">
-              <a:effectLst/>
-              <a:latin typeface="Calibri" panose="020F0502020204030204" pitchFamily="34" charset="0"/>
-              <a:ea typeface="Calibri" panose="020F0502020204030204" pitchFamily="34" charset="0"/>
-            </a:endParaRPr>
-          </a:p>
-          <a:p>
-            <a:r>
-              <a:rPr lang="en-GB" sz="1200" dirty="0">
-                <a:effectLst/>
-                <a:latin typeface="Calibri" panose="020F0502020204030204" pitchFamily="34" charset="0"/>
-                <a:ea typeface="Calibri" panose="020F0502020204030204" pitchFamily="34" charset="0"/>
-              </a:rPr>
-              <a:t>    "fiducials": {</a:t>
-            </a:r>
-            <a:endParaRPr lang="da-DK" sz="1200" dirty="0">
-              <a:effectLst/>
-              <a:latin typeface="Calibri" panose="020F0502020204030204" pitchFamily="34" charset="0"/>
-              <a:ea typeface="Calibri" panose="020F0502020204030204" pitchFamily="34" charset="0"/>
-            </a:endParaRPr>
-          </a:p>
-          <a:p>
-            <a:r>
-              <a:rPr lang="en-GB" sz="1200" dirty="0">
-                <a:effectLst/>
-                <a:latin typeface="Calibri" panose="020F0502020204030204" pitchFamily="34" charset="0"/>
-                <a:ea typeface="Calibri" panose="020F0502020204030204" pitchFamily="34" charset="0"/>
-              </a:rPr>
-              <a:t>        "type": "3fid",</a:t>
-            </a:r>
-            <a:endParaRPr lang="da-DK" sz="1200" dirty="0">
-              <a:effectLst/>
-              <a:latin typeface="Calibri" panose="020F0502020204030204" pitchFamily="34" charset="0"/>
-              <a:ea typeface="Calibri" panose="020F0502020204030204" pitchFamily="34" charset="0"/>
-            </a:endParaRPr>
-          </a:p>
-          <a:p>
-            <a:r>
-              <a:rPr lang="en-GB" sz="1200" dirty="0">
-                <a:effectLst/>
-                <a:latin typeface="Calibri" panose="020F0502020204030204" pitchFamily="34" charset="0"/>
-                <a:ea typeface="Calibri" panose="020F0502020204030204" pitchFamily="34" charset="0"/>
-              </a:rPr>
-              <a:t>        "</a:t>
-            </a:r>
-            <a:r>
-              <a:rPr lang="en-GB" sz="1200" dirty="0" err="1">
-                <a:effectLst/>
-                <a:latin typeface="Calibri" panose="020F0502020204030204" pitchFamily="34" charset="0"/>
-                <a:ea typeface="Calibri" panose="020F0502020204030204" pitchFamily="34" charset="0"/>
-              </a:rPr>
-              <a:t>hoffset</a:t>
-            </a:r>
-            <a:r>
-              <a:rPr lang="en-GB" sz="1200" dirty="0">
-                <a:effectLst/>
-                <a:latin typeface="Calibri" panose="020F0502020204030204" pitchFamily="34" charset="0"/>
-                <a:ea typeface="Calibri" panose="020F0502020204030204" pitchFamily="34" charset="0"/>
-              </a:rPr>
-              <a:t>": "2mm",</a:t>
-            </a:r>
-            <a:endParaRPr lang="da-DK" sz="1200" dirty="0">
-              <a:effectLst/>
-              <a:latin typeface="Calibri" panose="020F0502020204030204" pitchFamily="34" charset="0"/>
-              <a:ea typeface="Calibri" panose="020F0502020204030204" pitchFamily="34" charset="0"/>
-            </a:endParaRPr>
-          </a:p>
-          <a:p>
-            <a:r>
-              <a:rPr lang="en-GB" sz="1200" dirty="0">
-                <a:effectLst/>
-                <a:latin typeface="Calibri" panose="020F0502020204030204" pitchFamily="34" charset="0"/>
-                <a:ea typeface="Calibri" panose="020F0502020204030204" pitchFamily="34" charset="0"/>
-              </a:rPr>
-              <a:t>        "</a:t>
-            </a:r>
-            <a:r>
-              <a:rPr lang="en-GB" sz="1200" dirty="0" err="1">
-                <a:effectLst/>
-                <a:latin typeface="Calibri" panose="020F0502020204030204" pitchFamily="34" charset="0"/>
-                <a:ea typeface="Calibri" panose="020F0502020204030204" pitchFamily="34" charset="0"/>
-              </a:rPr>
-              <a:t>voffset</a:t>
-            </a:r>
-            <a:r>
-              <a:rPr lang="en-GB" sz="1200" dirty="0">
-                <a:effectLst/>
-                <a:latin typeface="Calibri" panose="020F0502020204030204" pitchFamily="34" charset="0"/>
-                <a:ea typeface="Calibri" panose="020F0502020204030204" pitchFamily="34" charset="0"/>
-              </a:rPr>
-              <a:t>": "2mm"</a:t>
-            </a:r>
-            <a:endParaRPr lang="da-DK" sz="1200" dirty="0">
-              <a:effectLst/>
-              <a:latin typeface="Calibri" panose="020F0502020204030204" pitchFamily="34" charset="0"/>
-              <a:ea typeface="Calibri" panose="020F0502020204030204" pitchFamily="34" charset="0"/>
-            </a:endParaRPr>
-          </a:p>
-          <a:p>
-            <a:r>
-              <a:rPr lang="en-GB" sz="1200" dirty="0">
-                <a:effectLst/>
-                <a:latin typeface="Calibri" panose="020F0502020204030204" pitchFamily="34" charset="0"/>
-                <a:ea typeface="Calibri" panose="020F0502020204030204" pitchFamily="34" charset="0"/>
-              </a:rPr>
-              <a:t>    },</a:t>
-            </a:r>
-            <a:endParaRPr lang="da-DK" sz="1200" dirty="0">
-              <a:effectLst/>
-              <a:latin typeface="Calibri" panose="020F0502020204030204" pitchFamily="34" charset="0"/>
-              <a:ea typeface="Calibri" panose="020F0502020204030204" pitchFamily="34" charset="0"/>
-            </a:endParaRPr>
-          </a:p>
-          <a:p>
-            <a:r>
-              <a:rPr lang="en-GB" sz="1200" dirty="0">
-                <a:effectLst/>
-                <a:latin typeface="Calibri" panose="020F0502020204030204" pitchFamily="34" charset="0"/>
-                <a:ea typeface="Calibri" panose="020F0502020204030204" pitchFamily="34" charset="0"/>
-              </a:rPr>
-              <a:t>    "text": {</a:t>
-            </a:r>
-            <a:endParaRPr lang="da-DK" sz="1200" dirty="0">
-              <a:effectLst/>
-              <a:latin typeface="Calibri" panose="020F0502020204030204" pitchFamily="34" charset="0"/>
-              <a:ea typeface="Calibri" panose="020F0502020204030204" pitchFamily="34" charset="0"/>
-            </a:endParaRPr>
-          </a:p>
-          <a:p>
-            <a:r>
-              <a:rPr lang="en-GB" sz="1200" dirty="0">
-                <a:effectLst/>
-                <a:latin typeface="Calibri" panose="020F0502020204030204" pitchFamily="34" charset="0"/>
-                <a:ea typeface="Calibri" panose="020F0502020204030204" pitchFamily="34" charset="0"/>
-              </a:rPr>
-              <a:t>        "type": "simple"</a:t>
-            </a:r>
-            <a:endParaRPr lang="da-DK" sz="1200" dirty="0">
-              <a:effectLst/>
-              <a:latin typeface="Calibri" panose="020F0502020204030204" pitchFamily="34" charset="0"/>
-              <a:ea typeface="Calibri" panose="020F0502020204030204" pitchFamily="34" charset="0"/>
-            </a:endParaRPr>
-          </a:p>
-          <a:p>
-            <a:r>
-              <a:rPr lang="en-GB" sz="1200" dirty="0">
-                <a:effectLst/>
-                <a:latin typeface="Calibri" panose="020F0502020204030204" pitchFamily="34" charset="0"/>
-                <a:ea typeface="Calibri" panose="020F0502020204030204" pitchFamily="34" charset="0"/>
-              </a:rPr>
-              <a:t>    },</a:t>
-            </a:r>
-            <a:endParaRPr lang="da-DK" sz="1200" dirty="0">
-              <a:effectLst/>
-              <a:latin typeface="Calibri" panose="020F0502020204030204" pitchFamily="34" charset="0"/>
-              <a:ea typeface="Calibri" panose="020F0502020204030204" pitchFamily="34" charset="0"/>
-            </a:endParaRPr>
-          </a:p>
-          <a:p>
-            <a:r>
-              <a:rPr lang="en-GB" sz="1200" dirty="0">
-                <a:effectLst/>
-                <a:latin typeface="Calibri" panose="020F0502020204030204" pitchFamily="34" charset="0"/>
-                <a:ea typeface="Calibri" panose="020F0502020204030204" pitchFamily="34" charset="0"/>
-              </a:rPr>
-              <a:t>    "post": {</a:t>
-            </a:r>
-            <a:endParaRPr lang="da-DK" sz="1200" dirty="0">
-              <a:effectLst/>
-              <a:latin typeface="Calibri" panose="020F0502020204030204" pitchFamily="34" charset="0"/>
-              <a:ea typeface="Calibri" panose="020F0502020204030204" pitchFamily="34" charset="0"/>
-            </a:endParaRPr>
-          </a:p>
-          <a:p>
-            <a:r>
-              <a:rPr lang="en-GB" sz="1200" dirty="0">
-                <a:effectLst/>
-                <a:latin typeface="Calibri" panose="020F0502020204030204" pitchFamily="34" charset="0"/>
-                <a:ea typeface="Calibri" panose="020F0502020204030204" pitchFamily="34" charset="0"/>
-              </a:rPr>
-              <a:t>        "</a:t>
-            </a:r>
-            <a:r>
-              <a:rPr lang="en-GB" sz="1200" dirty="0" err="1">
-                <a:effectLst/>
-                <a:latin typeface="Calibri" panose="020F0502020204030204" pitchFamily="34" charset="0"/>
-                <a:ea typeface="Calibri" panose="020F0502020204030204" pitchFamily="34" charset="0"/>
-              </a:rPr>
-              <a:t>millradius</a:t>
-            </a:r>
-            <a:r>
-              <a:rPr lang="en-GB" sz="1200" dirty="0">
-                <a:effectLst/>
-                <a:latin typeface="Calibri" panose="020F0502020204030204" pitchFamily="34" charset="0"/>
-                <a:ea typeface="Calibri" panose="020F0502020204030204" pitchFamily="34" charset="0"/>
-              </a:rPr>
-              <a:t>": "1mm"</a:t>
-            </a:r>
-            <a:endParaRPr lang="da-DK" sz="1200" dirty="0">
-              <a:effectLst/>
-              <a:latin typeface="Calibri" panose="020F0502020204030204" pitchFamily="34" charset="0"/>
-              <a:ea typeface="Calibri" panose="020F0502020204030204" pitchFamily="34" charset="0"/>
-            </a:endParaRPr>
-          </a:p>
-          <a:p>
-            <a:r>
-              <a:rPr lang="en-GB" sz="1200" dirty="0">
-                <a:effectLst/>
-                <a:latin typeface="Calibri" panose="020F0502020204030204" pitchFamily="34" charset="0"/>
-                <a:ea typeface="Calibri" panose="020F0502020204030204" pitchFamily="34" charset="0"/>
-              </a:rPr>
-              <a:t>    }</a:t>
-            </a:r>
-            <a:endParaRPr lang="da-DK" sz="1200" dirty="0">
-              <a:effectLst/>
-              <a:latin typeface="Calibri" panose="020F0502020204030204" pitchFamily="34" charset="0"/>
-              <a:ea typeface="Calibri" panose="020F0502020204030204" pitchFamily="34" charset="0"/>
-            </a:endParaRPr>
-          </a:p>
-          <a:p>
-            <a:r>
-              <a:rPr lang="en-GB" sz="1200" dirty="0">
-                <a:effectLst/>
-                <a:latin typeface="Calibri" panose="020F0502020204030204" pitchFamily="34" charset="0"/>
-                <a:ea typeface="Calibri" panose="020F0502020204030204" pitchFamily="34" charset="0"/>
-              </a:rPr>
-              <a:t>}</a:t>
-            </a:r>
-            <a:endParaRPr lang="da-DK" sz="1200" dirty="0">
-              <a:effectLst/>
-              <a:latin typeface="Calibri" panose="020F0502020204030204" pitchFamily="34" charset="0"/>
-              <a:ea typeface="Calibri" panose="020F0502020204030204" pitchFamily="34" charset="0"/>
-            </a:endParaRPr>
-          </a:p>
-        </p:txBody>
-      </p:sp>
     </p:spTree>
     <p:extLst>
       <p:ext uri="{BB962C8B-B14F-4D97-AF65-F5344CB8AC3E}">
-        <p14:creationId xmlns:p14="http://schemas.microsoft.com/office/powerpoint/2010/main" val="2542965395"/>
+        <p14:creationId xmlns:p14="http://schemas.microsoft.com/office/powerpoint/2010/main" val="3181882624"/>
       </p:ext>
     </p:extLst>
   </p:cSld>
@@ -15199,7 +14543,7 @@
             </a:pPr>
             <a:r>
               <a:rPr lang="da-DK" dirty="0"/>
-              <a:t>Komponent søgning</a:t>
+              <a:t>Opgave1</a:t>
             </a:r>
           </a:p>
           <a:p>
@@ -15209,7 +14553,7 @@
             </a:pPr>
             <a:r>
               <a:rPr lang="da-DK" dirty="0"/>
-              <a:t>BOM</a:t>
+              <a:t>Komponent søgning</a:t>
             </a:r>
           </a:p>
           <a:p>
@@ -15219,6 +14563,16 @@
             </a:pPr>
             <a:r>
               <a:rPr lang="da-DK" dirty="0"/>
+              <a:t>BOM</a:t>
+            </a:r>
+          </a:p>
+          <a:p>
+            <a:pPr marL="342900" indent="-342900" rtl="0">
+              <a:buFont typeface="Arial" panose="020B0604020202020204" pitchFamily="34" charset="0"/>
+              <a:buChar char="•"/>
+            </a:pPr>
+            <a:r>
+              <a:rPr lang="da-DK" dirty="0"/>
               <a:t>PCB </a:t>
             </a:r>
             <a:r>
@@ -15226,6 +14580,16 @@
               <a:t>Panelization</a:t>
             </a:r>
             <a:endParaRPr lang="da-DK" dirty="0"/>
+          </a:p>
+          <a:p>
+            <a:pPr marL="342900" indent="-342900" rtl="0">
+              <a:buFont typeface="Arial" panose="020B0604020202020204" pitchFamily="34" charset="0"/>
+              <a:buChar char="•"/>
+            </a:pPr>
+            <a:r>
+              <a:rPr lang="da-DK" dirty="0"/>
+              <a:t>Opgave2</a:t>
+            </a:r>
           </a:p>
         </p:txBody>
       </p:sp>
@@ -17990,7 +17354,52 @@
                 <a:ea typeface="+mj-ea"/>
                 <a:cs typeface="+mj-cs"/>
               </a:rPr>
-              <a:t>Opgave2 </a:t>
+              <a:t>BOM </a:t>
+            </a:r>
+          </a:p>
+        </p:txBody>
+      </p:sp>
+      <p:sp>
+        <p:nvSpPr>
+          <p:cNvPr id="16" name="Undertitel 15">
+            <a:extLst>
+              <a:ext uri="{FF2B5EF4-FFF2-40B4-BE49-F238E27FC236}">
+                <a16:creationId xmlns:a16="http://schemas.microsoft.com/office/drawing/2014/main" id="{4BDCF583-1D5D-4235-97C2-39272B80A0B1}"/>
+              </a:ext>
+            </a:extLst>
+          </p:cNvPr>
+          <p:cNvSpPr>
+            <a:spLocks noGrp="1"/>
+          </p:cNvSpPr>
+          <p:nvPr>
+            <p:ph type="subTitle" idx="1"/>
+          </p:nvPr>
+        </p:nvSpPr>
+        <p:spPr>
+          <a:xfrm>
+            <a:off x="550863" y="3827610"/>
+            <a:ext cx="8073592" cy="2265216"/>
+          </a:xfrm>
+        </p:spPr>
+        <p:txBody>
+          <a:bodyPr vert="horz" wrap="square" lIns="0" tIns="0" rIns="0" bIns="0" rtlCol="0">
+            <a:normAutofit/>
+          </a:bodyPr>
+          <a:lstStyle/>
+          <a:p>
+            <a:pPr marL="0" indent="0" rtl="0">
+              <a:lnSpc>
+                <a:spcPct val="100000"/>
+              </a:lnSpc>
+              <a:buNone/>
+            </a:pPr>
+            <a:r>
+              <a:rPr lang="da-DK" kern="1200" dirty="0">
+                <a:latin typeface="+mn-lt"/>
+                <a:ea typeface="+mn-ea"/>
+                <a:cs typeface="+mn-cs"/>
+              </a:rPr>
+              <a:t>https://github.com/openscopeproject/InteractiveHtmlBom</a:t>
             </a:r>
           </a:p>
         </p:txBody>
@@ -18089,7 +17498,7 @@
           <p:cNvPr id="6" name="Billede 5">
             <a:extLst>
               <a:ext uri="{FF2B5EF4-FFF2-40B4-BE49-F238E27FC236}">
-                <a16:creationId xmlns:a16="http://schemas.microsoft.com/office/drawing/2014/main" id="{A2D10E14-7477-480C-8C72-C7D04E5CD6BD}"/>
+                <a16:creationId xmlns:a16="http://schemas.microsoft.com/office/drawing/2014/main" id="{30F40329-681F-4A17-BB5F-08D369DD90E2}"/>
               </a:ext>
             </a:extLst>
           </p:cNvPr>
@@ -18106,8 +17515,8 @@
         </p:blipFill>
         <p:spPr>
           <a:xfrm>
-            <a:off x="3782291" y="0"/>
-            <a:ext cx="8409709" cy="5949383"/>
+            <a:off x="6837217" y="51826"/>
+            <a:ext cx="5198309" cy="3785276"/>
           </a:xfrm>
           <a:prstGeom prst="rect">
             <a:avLst/>
@@ -18117,7 +17526,7 @@
     </p:spTree>
     <p:extLst>
       <p:ext uri="{BB962C8B-B14F-4D97-AF65-F5344CB8AC3E}">
-        <p14:creationId xmlns:p14="http://schemas.microsoft.com/office/powerpoint/2010/main" val="3181882624"/>
+        <p14:creationId xmlns:p14="http://schemas.microsoft.com/office/powerpoint/2010/main" val="1711935362"/>
       </p:ext>
     </p:extLst>
   </p:cSld>
@@ -18217,7 +17626,7 @@
                 <a:ea typeface="+mj-ea"/>
                 <a:cs typeface="+mj-cs"/>
               </a:rPr>
-              <a:t>BOM </a:t>
+              <a:t>Panel</a:t>
             </a:r>
           </a:p>
         </p:txBody>
@@ -18241,7 +17650,7 @@
         <p:spPr>
           <a:xfrm>
             <a:off x="550863" y="3827610"/>
-            <a:ext cx="8073592" cy="2265216"/>
+            <a:ext cx="5437187" cy="2265216"/>
           </a:xfrm>
         </p:spPr>
         <p:txBody>
@@ -18257,13 +17666,14 @@
               <a:buNone/>
             </a:pPr>
             <a:r>
-              <a:rPr lang="da-DK" kern="1200" dirty="0">
-                <a:latin typeface="+mn-lt"/>
-                <a:ea typeface="+mn-ea"/>
-                <a:cs typeface="+mn-cs"/>
-              </a:rPr>
-              <a:t>https://github.com/openscopeproject/InteractiveHtmlBom</a:t>
-            </a:r>
+              <a:rPr lang="da-DK" dirty="0"/>
+              <a:t>https://github.com/yaqwsx/KiKit</a:t>
+            </a:r>
+            <a:endParaRPr lang="da-DK" kern="1200" dirty="0">
+              <a:latin typeface="+mn-lt"/>
+              <a:ea typeface="+mn-ea"/>
+              <a:cs typeface="+mn-cs"/>
+            </a:endParaRPr>
           </a:p>
         </p:txBody>
       </p:sp>
@@ -18361,7 +17771,7 @@
           <p:cNvPr id="6" name="Billede 5">
             <a:extLst>
               <a:ext uri="{FF2B5EF4-FFF2-40B4-BE49-F238E27FC236}">
-                <a16:creationId xmlns:a16="http://schemas.microsoft.com/office/drawing/2014/main" id="{30F40329-681F-4A17-BB5F-08D369DD90E2}"/>
+                <a16:creationId xmlns:a16="http://schemas.microsoft.com/office/drawing/2014/main" id="{0A99497C-F6CF-4FA1-8091-982666BD6E34}"/>
               </a:ext>
             </a:extLst>
           </p:cNvPr>
@@ -18378,18 +17788,639 @@
         </p:blipFill>
         <p:spPr>
           <a:xfrm>
-            <a:off x="6837217" y="51826"/>
-            <a:ext cx="5198309" cy="3785276"/>
+            <a:off x="5809963" y="36887"/>
+            <a:ext cx="3714173" cy="3025549"/>
           </a:xfrm>
           <a:prstGeom prst="rect">
             <a:avLst/>
           </a:prstGeom>
         </p:spPr>
       </p:pic>
+      <p:sp>
+        <p:nvSpPr>
+          <p:cNvPr id="5" name="Tekstfelt 4">
+            <a:extLst>
+              <a:ext uri="{FF2B5EF4-FFF2-40B4-BE49-F238E27FC236}">
+                <a16:creationId xmlns:a16="http://schemas.microsoft.com/office/drawing/2014/main" id="{164DFC84-9BC8-46A8-8F28-6C82D9F5D94D}"/>
+              </a:ext>
+            </a:extLst>
+          </p:cNvPr>
+          <p:cNvSpPr txBox="1"/>
+          <p:nvPr/>
+        </p:nvSpPr>
+        <p:spPr>
+          <a:xfrm>
+            <a:off x="9579554" y="428178"/>
+            <a:ext cx="2430892" cy="6001643"/>
+          </a:xfrm>
+          <a:prstGeom prst="rect">
+            <a:avLst/>
+          </a:prstGeom>
+          <a:noFill/>
+        </p:spPr>
+        <p:txBody>
+          <a:bodyPr wrap="square" rtlCol="0">
+            <a:spAutoFit/>
+          </a:bodyPr>
+          <a:lstStyle/>
+          <a:p>
+            <a:r>
+              <a:rPr lang="en-GB" sz="1200" dirty="0">
+                <a:effectLst/>
+                <a:latin typeface="Calibri" panose="020F0502020204030204" pitchFamily="34" charset="0"/>
+                <a:ea typeface="Calibri" panose="020F0502020204030204" pitchFamily="34" charset="0"/>
+              </a:rPr>
+              <a:t>{</a:t>
+            </a:r>
+            <a:endParaRPr lang="da-DK" sz="1200" dirty="0">
+              <a:effectLst/>
+              <a:latin typeface="Calibri" panose="020F0502020204030204" pitchFamily="34" charset="0"/>
+              <a:ea typeface="Calibri" panose="020F0502020204030204" pitchFamily="34" charset="0"/>
+            </a:endParaRPr>
+          </a:p>
+          <a:p>
+            <a:r>
+              <a:rPr lang="en-GB" sz="1200" dirty="0">
+                <a:effectLst/>
+                <a:latin typeface="Calibri" panose="020F0502020204030204" pitchFamily="34" charset="0"/>
+                <a:ea typeface="Calibri" panose="020F0502020204030204" pitchFamily="34" charset="0"/>
+              </a:rPr>
+              <a:t>    "layout": {</a:t>
+            </a:r>
+            <a:endParaRPr lang="da-DK" sz="1200" dirty="0">
+              <a:effectLst/>
+              <a:latin typeface="Calibri" panose="020F0502020204030204" pitchFamily="34" charset="0"/>
+              <a:ea typeface="Calibri" panose="020F0502020204030204" pitchFamily="34" charset="0"/>
+            </a:endParaRPr>
+          </a:p>
+          <a:p>
+            <a:r>
+              <a:rPr lang="en-GB" sz="1200" dirty="0">
+                <a:effectLst/>
+                <a:latin typeface="Calibri" panose="020F0502020204030204" pitchFamily="34" charset="0"/>
+                <a:ea typeface="Calibri" panose="020F0502020204030204" pitchFamily="34" charset="0"/>
+              </a:rPr>
+              <a:t>        "</a:t>
+            </a:r>
+            <a:r>
+              <a:rPr lang="en-GB" sz="1200" dirty="0" err="1">
+                <a:effectLst/>
+                <a:latin typeface="Calibri" panose="020F0502020204030204" pitchFamily="34" charset="0"/>
+                <a:ea typeface="Calibri" panose="020F0502020204030204" pitchFamily="34" charset="0"/>
+              </a:rPr>
+              <a:t>hspace</a:t>
+            </a:r>
+            <a:r>
+              <a:rPr lang="en-GB" sz="1200" dirty="0">
+                <a:effectLst/>
+                <a:latin typeface="Calibri" panose="020F0502020204030204" pitchFamily="34" charset="0"/>
+                <a:ea typeface="Calibri" panose="020F0502020204030204" pitchFamily="34" charset="0"/>
+              </a:rPr>
+              <a:t>": "2mm",</a:t>
+            </a:r>
+            <a:endParaRPr lang="da-DK" sz="1200" dirty="0">
+              <a:effectLst/>
+              <a:latin typeface="Calibri" panose="020F0502020204030204" pitchFamily="34" charset="0"/>
+              <a:ea typeface="Calibri" panose="020F0502020204030204" pitchFamily="34" charset="0"/>
+            </a:endParaRPr>
+          </a:p>
+          <a:p>
+            <a:r>
+              <a:rPr lang="en-GB" sz="1200" dirty="0">
+                <a:effectLst/>
+                <a:latin typeface="Calibri" panose="020F0502020204030204" pitchFamily="34" charset="0"/>
+                <a:ea typeface="Calibri" panose="020F0502020204030204" pitchFamily="34" charset="0"/>
+              </a:rPr>
+              <a:t>        "</a:t>
+            </a:r>
+            <a:r>
+              <a:rPr lang="en-GB" sz="1200" dirty="0" err="1">
+                <a:effectLst/>
+                <a:latin typeface="Calibri" panose="020F0502020204030204" pitchFamily="34" charset="0"/>
+                <a:ea typeface="Calibri" panose="020F0502020204030204" pitchFamily="34" charset="0"/>
+              </a:rPr>
+              <a:t>vspace</a:t>
+            </a:r>
+            <a:r>
+              <a:rPr lang="en-GB" sz="1200" dirty="0">
+                <a:effectLst/>
+                <a:latin typeface="Calibri" panose="020F0502020204030204" pitchFamily="34" charset="0"/>
+                <a:ea typeface="Calibri" panose="020F0502020204030204" pitchFamily="34" charset="0"/>
+              </a:rPr>
+              <a:t>": "2mm",</a:t>
+            </a:r>
+            <a:endParaRPr lang="da-DK" sz="1200" dirty="0">
+              <a:effectLst/>
+              <a:latin typeface="Calibri" panose="020F0502020204030204" pitchFamily="34" charset="0"/>
+              <a:ea typeface="Calibri" panose="020F0502020204030204" pitchFamily="34" charset="0"/>
+            </a:endParaRPr>
+          </a:p>
+          <a:p>
+            <a:r>
+              <a:rPr lang="en-GB" sz="1200" dirty="0">
+                <a:effectLst/>
+                <a:latin typeface="Calibri" panose="020F0502020204030204" pitchFamily="34" charset="0"/>
+                <a:ea typeface="Calibri" panose="020F0502020204030204" pitchFamily="34" charset="0"/>
+              </a:rPr>
+              <a:t>        "rotation": "90deg",</a:t>
+            </a:r>
+            <a:endParaRPr lang="da-DK" sz="1200" dirty="0">
+              <a:effectLst/>
+              <a:latin typeface="Calibri" panose="020F0502020204030204" pitchFamily="34" charset="0"/>
+              <a:ea typeface="Calibri" panose="020F0502020204030204" pitchFamily="34" charset="0"/>
+            </a:endParaRPr>
+          </a:p>
+          <a:p>
+            <a:r>
+              <a:rPr lang="en-GB" sz="1200" dirty="0">
+                <a:effectLst/>
+                <a:latin typeface="Calibri" panose="020F0502020204030204" pitchFamily="34" charset="0"/>
+                <a:ea typeface="Calibri" panose="020F0502020204030204" pitchFamily="34" charset="0"/>
+              </a:rPr>
+              <a:t>        "rows": "3",</a:t>
+            </a:r>
+            <a:endParaRPr lang="da-DK" sz="1200" dirty="0">
+              <a:effectLst/>
+              <a:latin typeface="Calibri" panose="020F0502020204030204" pitchFamily="34" charset="0"/>
+              <a:ea typeface="Calibri" panose="020F0502020204030204" pitchFamily="34" charset="0"/>
+            </a:endParaRPr>
+          </a:p>
+          <a:p>
+            <a:r>
+              <a:rPr lang="en-GB" sz="1200" dirty="0">
+                <a:effectLst/>
+                <a:latin typeface="Calibri" panose="020F0502020204030204" pitchFamily="34" charset="0"/>
+                <a:ea typeface="Calibri" panose="020F0502020204030204" pitchFamily="34" charset="0"/>
+              </a:rPr>
+              <a:t>        "cols": "10"</a:t>
+            </a:r>
+            <a:endParaRPr lang="da-DK" sz="1200" dirty="0">
+              <a:effectLst/>
+              <a:latin typeface="Calibri" panose="020F0502020204030204" pitchFamily="34" charset="0"/>
+              <a:ea typeface="Calibri" panose="020F0502020204030204" pitchFamily="34" charset="0"/>
+            </a:endParaRPr>
+          </a:p>
+          <a:p>
+            <a:r>
+              <a:rPr lang="en-GB" sz="1200" dirty="0">
+                <a:effectLst/>
+                <a:latin typeface="Calibri" panose="020F0502020204030204" pitchFamily="34" charset="0"/>
+                <a:ea typeface="Calibri" panose="020F0502020204030204" pitchFamily="34" charset="0"/>
+              </a:rPr>
+              <a:t>    },</a:t>
+            </a:r>
+            <a:endParaRPr lang="da-DK" sz="1200" dirty="0">
+              <a:effectLst/>
+              <a:latin typeface="Calibri" panose="020F0502020204030204" pitchFamily="34" charset="0"/>
+              <a:ea typeface="Calibri" panose="020F0502020204030204" pitchFamily="34" charset="0"/>
+            </a:endParaRPr>
+          </a:p>
+          <a:p>
+            <a:r>
+              <a:rPr lang="en-GB" sz="1200" dirty="0">
+                <a:effectLst/>
+                <a:latin typeface="Calibri" panose="020F0502020204030204" pitchFamily="34" charset="0"/>
+                <a:ea typeface="Calibri" panose="020F0502020204030204" pitchFamily="34" charset="0"/>
+              </a:rPr>
+              <a:t>    "tabs": {</a:t>
+            </a:r>
+            <a:endParaRPr lang="da-DK" sz="1200" dirty="0">
+              <a:effectLst/>
+              <a:latin typeface="Calibri" panose="020F0502020204030204" pitchFamily="34" charset="0"/>
+              <a:ea typeface="Calibri" panose="020F0502020204030204" pitchFamily="34" charset="0"/>
+            </a:endParaRPr>
+          </a:p>
+          <a:p>
+            <a:r>
+              <a:rPr lang="en-GB" sz="1200" dirty="0">
+                <a:effectLst/>
+                <a:latin typeface="Calibri" panose="020F0502020204030204" pitchFamily="34" charset="0"/>
+                <a:ea typeface="Calibri" panose="020F0502020204030204" pitchFamily="34" charset="0"/>
+              </a:rPr>
+              <a:t>        "type": "fixed"</a:t>
+            </a:r>
+            <a:endParaRPr lang="da-DK" sz="1200" dirty="0">
+              <a:effectLst/>
+              <a:latin typeface="Calibri" panose="020F0502020204030204" pitchFamily="34" charset="0"/>
+              <a:ea typeface="Calibri" panose="020F0502020204030204" pitchFamily="34" charset="0"/>
+            </a:endParaRPr>
+          </a:p>
+          <a:p>
+            <a:r>
+              <a:rPr lang="en-GB" sz="1200" dirty="0">
+                <a:effectLst/>
+                <a:latin typeface="Calibri" panose="020F0502020204030204" pitchFamily="34" charset="0"/>
+                <a:ea typeface="Calibri" panose="020F0502020204030204" pitchFamily="34" charset="0"/>
+              </a:rPr>
+              <a:t>    },</a:t>
+            </a:r>
+            <a:endParaRPr lang="da-DK" sz="1200" dirty="0">
+              <a:effectLst/>
+              <a:latin typeface="Calibri" panose="020F0502020204030204" pitchFamily="34" charset="0"/>
+              <a:ea typeface="Calibri" panose="020F0502020204030204" pitchFamily="34" charset="0"/>
+            </a:endParaRPr>
+          </a:p>
+          <a:p>
+            <a:r>
+              <a:rPr lang="en-GB" sz="1200" dirty="0">
+                <a:effectLst/>
+                <a:latin typeface="Calibri" panose="020F0502020204030204" pitchFamily="34" charset="0"/>
+                <a:ea typeface="Calibri" panose="020F0502020204030204" pitchFamily="34" charset="0"/>
+              </a:rPr>
+              <a:t>    "cuts": {</a:t>
+            </a:r>
+            <a:endParaRPr lang="da-DK" sz="1200" dirty="0">
+              <a:effectLst/>
+              <a:latin typeface="Calibri" panose="020F0502020204030204" pitchFamily="34" charset="0"/>
+              <a:ea typeface="Calibri" panose="020F0502020204030204" pitchFamily="34" charset="0"/>
+            </a:endParaRPr>
+          </a:p>
+          <a:p>
+            <a:r>
+              <a:rPr lang="en-GB" sz="1200" dirty="0">
+                <a:effectLst/>
+                <a:latin typeface="Calibri" panose="020F0502020204030204" pitchFamily="34" charset="0"/>
+                <a:ea typeface="Calibri" panose="020F0502020204030204" pitchFamily="34" charset="0"/>
+              </a:rPr>
+              <a:t>        "type": "</a:t>
+            </a:r>
+            <a:r>
+              <a:rPr lang="en-GB" sz="1200" dirty="0" err="1">
+                <a:effectLst/>
+                <a:latin typeface="Calibri" panose="020F0502020204030204" pitchFamily="34" charset="0"/>
+                <a:ea typeface="Calibri" panose="020F0502020204030204" pitchFamily="34" charset="0"/>
+              </a:rPr>
+              <a:t>mousebites</a:t>
+            </a:r>
+            <a:r>
+              <a:rPr lang="en-GB" sz="1200" dirty="0">
+                <a:effectLst/>
+                <a:latin typeface="Calibri" panose="020F0502020204030204" pitchFamily="34" charset="0"/>
+                <a:ea typeface="Calibri" panose="020F0502020204030204" pitchFamily="34" charset="0"/>
+              </a:rPr>
+              <a:t>",</a:t>
+            </a:r>
+            <a:endParaRPr lang="da-DK" sz="1200" dirty="0">
+              <a:effectLst/>
+              <a:latin typeface="Calibri" panose="020F0502020204030204" pitchFamily="34" charset="0"/>
+              <a:ea typeface="Calibri" panose="020F0502020204030204" pitchFamily="34" charset="0"/>
+            </a:endParaRPr>
+          </a:p>
+          <a:p>
+            <a:r>
+              <a:rPr lang="en-GB" sz="1200" dirty="0">
+                <a:effectLst/>
+                <a:latin typeface="Calibri" panose="020F0502020204030204" pitchFamily="34" charset="0"/>
+                <a:ea typeface="Calibri" panose="020F0502020204030204" pitchFamily="34" charset="0"/>
+              </a:rPr>
+              <a:t>        "spacing": "1mm",</a:t>
+            </a:r>
+            <a:endParaRPr lang="da-DK" sz="1200" dirty="0">
+              <a:effectLst/>
+              <a:latin typeface="Calibri" panose="020F0502020204030204" pitchFamily="34" charset="0"/>
+              <a:ea typeface="Calibri" panose="020F0502020204030204" pitchFamily="34" charset="0"/>
+            </a:endParaRPr>
+          </a:p>
+          <a:p>
+            <a:r>
+              <a:rPr lang="en-GB" sz="1200" dirty="0">
+                <a:effectLst/>
+                <a:latin typeface="Calibri" panose="020F0502020204030204" pitchFamily="34" charset="0"/>
+                <a:ea typeface="Calibri" panose="020F0502020204030204" pitchFamily="34" charset="0"/>
+              </a:rPr>
+              <a:t>        "offset": "0.2mm"</a:t>
+            </a:r>
+            <a:endParaRPr lang="da-DK" sz="1200" dirty="0">
+              <a:effectLst/>
+              <a:latin typeface="Calibri" panose="020F0502020204030204" pitchFamily="34" charset="0"/>
+              <a:ea typeface="Calibri" panose="020F0502020204030204" pitchFamily="34" charset="0"/>
+            </a:endParaRPr>
+          </a:p>
+          <a:p>
+            <a:r>
+              <a:rPr lang="en-GB" sz="1200" dirty="0">
+                <a:effectLst/>
+                <a:latin typeface="Calibri" panose="020F0502020204030204" pitchFamily="34" charset="0"/>
+                <a:ea typeface="Calibri" panose="020F0502020204030204" pitchFamily="34" charset="0"/>
+              </a:rPr>
+              <a:t>    },</a:t>
+            </a:r>
+            <a:endParaRPr lang="da-DK" sz="1200" dirty="0">
+              <a:effectLst/>
+              <a:latin typeface="Calibri" panose="020F0502020204030204" pitchFamily="34" charset="0"/>
+              <a:ea typeface="Calibri" panose="020F0502020204030204" pitchFamily="34" charset="0"/>
+            </a:endParaRPr>
+          </a:p>
+          <a:p>
+            <a:r>
+              <a:rPr lang="en-GB" sz="1200" dirty="0">
+                <a:effectLst/>
+                <a:latin typeface="Calibri" panose="020F0502020204030204" pitchFamily="34" charset="0"/>
+                <a:ea typeface="Calibri" panose="020F0502020204030204" pitchFamily="34" charset="0"/>
+              </a:rPr>
+              <a:t>    "framing": {</a:t>
+            </a:r>
+            <a:endParaRPr lang="da-DK" sz="1200" dirty="0">
+              <a:effectLst/>
+              <a:latin typeface="Calibri" panose="020F0502020204030204" pitchFamily="34" charset="0"/>
+              <a:ea typeface="Calibri" panose="020F0502020204030204" pitchFamily="34" charset="0"/>
+            </a:endParaRPr>
+          </a:p>
+          <a:p>
+            <a:r>
+              <a:rPr lang="en-GB" sz="1200" dirty="0">
+                <a:effectLst/>
+                <a:latin typeface="Calibri" panose="020F0502020204030204" pitchFamily="34" charset="0"/>
+                <a:ea typeface="Calibri" panose="020F0502020204030204" pitchFamily="34" charset="0"/>
+              </a:rPr>
+              <a:t>        "type": "</a:t>
+            </a:r>
+            <a:r>
+              <a:rPr lang="en-GB" sz="1200" dirty="0" err="1">
+                <a:effectLst/>
+                <a:latin typeface="Calibri" panose="020F0502020204030204" pitchFamily="34" charset="0"/>
+                <a:ea typeface="Calibri" panose="020F0502020204030204" pitchFamily="34" charset="0"/>
+              </a:rPr>
+              <a:t>railstb</a:t>
+            </a:r>
+            <a:r>
+              <a:rPr lang="en-GB" sz="1200" dirty="0">
+                <a:effectLst/>
+                <a:latin typeface="Calibri" panose="020F0502020204030204" pitchFamily="34" charset="0"/>
+                <a:ea typeface="Calibri" panose="020F0502020204030204" pitchFamily="34" charset="0"/>
+              </a:rPr>
+              <a:t>",</a:t>
+            </a:r>
+            <a:endParaRPr lang="da-DK" sz="1200" dirty="0">
+              <a:effectLst/>
+              <a:latin typeface="Calibri" panose="020F0502020204030204" pitchFamily="34" charset="0"/>
+              <a:ea typeface="Calibri" panose="020F0502020204030204" pitchFamily="34" charset="0"/>
+            </a:endParaRPr>
+          </a:p>
+          <a:p>
+            <a:r>
+              <a:rPr lang="en-GB" sz="1200" dirty="0">
+                <a:effectLst/>
+                <a:latin typeface="Calibri" panose="020F0502020204030204" pitchFamily="34" charset="0"/>
+                <a:ea typeface="Calibri" panose="020F0502020204030204" pitchFamily="34" charset="0"/>
+              </a:rPr>
+              <a:t>        "width": "5mm"</a:t>
+            </a:r>
+            <a:endParaRPr lang="da-DK" sz="1200" dirty="0">
+              <a:effectLst/>
+              <a:latin typeface="Calibri" panose="020F0502020204030204" pitchFamily="34" charset="0"/>
+              <a:ea typeface="Calibri" panose="020F0502020204030204" pitchFamily="34" charset="0"/>
+            </a:endParaRPr>
+          </a:p>
+          <a:p>
+            <a:r>
+              <a:rPr lang="en-GB" sz="1200" dirty="0">
+                <a:effectLst/>
+                <a:latin typeface="Calibri" panose="020F0502020204030204" pitchFamily="34" charset="0"/>
+                <a:ea typeface="Calibri" panose="020F0502020204030204" pitchFamily="34" charset="0"/>
+              </a:rPr>
+              <a:t>    },</a:t>
+            </a:r>
+            <a:endParaRPr lang="da-DK" sz="1200" dirty="0">
+              <a:effectLst/>
+              <a:latin typeface="Calibri" panose="020F0502020204030204" pitchFamily="34" charset="0"/>
+              <a:ea typeface="Calibri" panose="020F0502020204030204" pitchFamily="34" charset="0"/>
+            </a:endParaRPr>
+          </a:p>
+          <a:p>
+            <a:r>
+              <a:rPr lang="en-GB" sz="1200" dirty="0">
+                <a:effectLst/>
+                <a:latin typeface="Calibri" panose="020F0502020204030204" pitchFamily="34" charset="0"/>
+                <a:ea typeface="Calibri" panose="020F0502020204030204" pitchFamily="34" charset="0"/>
+              </a:rPr>
+              <a:t>    "fiducials": {</a:t>
+            </a:r>
+            <a:endParaRPr lang="da-DK" sz="1200" dirty="0">
+              <a:effectLst/>
+              <a:latin typeface="Calibri" panose="020F0502020204030204" pitchFamily="34" charset="0"/>
+              <a:ea typeface="Calibri" panose="020F0502020204030204" pitchFamily="34" charset="0"/>
+            </a:endParaRPr>
+          </a:p>
+          <a:p>
+            <a:r>
+              <a:rPr lang="en-GB" sz="1200" dirty="0">
+                <a:effectLst/>
+                <a:latin typeface="Calibri" panose="020F0502020204030204" pitchFamily="34" charset="0"/>
+                <a:ea typeface="Calibri" panose="020F0502020204030204" pitchFamily="34" charset="0"/>
+              </a:rPr>
+              <a:t>        "type": "3fid",</a:t>
+            </a:r>
+            <a:endParaRPr lang="da-DK" sz="1200" dirty="0">
+              <a:effectLst/>
+              <a:latin typeface="Calibri" panose="020F0502020204030204" pitchFamily="34" charset="0"/>
+              <a:ea typeface="Calibri" panose="020F0502020204030204" pitchFamily="34" charset="0"/>
+            </a:endParaRPr>
+          </a:p>
+          <a:p>
+            <a:r>
+              <a:rPr lang="en-GB" sz="1200" dirty="0">
+                <a:effectLst/>
+                <a:latin typeface="Calibri" panose="020F0502020204030204" pitchFamily="34" charset="0"/>
+                <a:ea typeface="Calibri" panose="020F0502020204030204" pitchFamily="34" charset="0"/>
+              </a:rPr>
+              <a:t>        "</a:t>
+            </a:r>
+            <a:r>
+              <a:rPr lang="en-GB" sz="1200" dirty="0" err="1">
+                <a:effectLst/>
+                <a:latin typeface="Calibri" panose="020F0502020204030204" pitchFamily="34" charset="0"/>
+                <a:ea typeface="Calibri" panose="020F0502020204030204" pitchFamily="34" charset="0"/>
+              </a:rPr>
+              <a:t>hoffset</a:t>
+            </a:r>
+            <a:r>
+              <a:rPr lang="en-GB" sz="1200" dirty="0">
+                <a:effectLst/>
+                <a:latin typeface="Calibri" panose="020F0502020204030204" pitchFamily="34" charset="0"/>
+                <a:ea typeface="Calibri" panose="020F0502020204030204" pitchFamily="34" charset="0"/>
+              </a:rPr>
+              <a:t>": "2mm",</a:t>
+            </a:r>
+            <a:endParaRPr lang="da-DK" sz="1200" dirty="0">
+              <a:effectLst/>
+              <a:latin typeface="Calibri" panose="020F0502020204030204" pitchFamily="34" charset="0"/>
+              <a:ea typeface="Calibri" panose="020F0502020204030204" pitchFamily="34" charset="0"/>
+            </a:endParaRPr>
+          </a:p>
+          <a:p>
+            <a:r>
+              <a:rPr lang="en-GB" sz="1200" dirty="0">
+                <a:effectLst/>
+                <a:latin typeface="Calibri" panose="020F0502020204030204" pitchFamily="34" charset="0"/>
+                <a:ea typeface="Calibri" panose="020F0502020204030204" pitchFamily="34" charset="0"/>
+              </a:rPr>
+              <a:t>        "</a:t>
+            </a:r>
+            <a:r>
+              <a:rPr lang="en-GB" sz="1200" dirty="0" err="1">
+                <a:effectLst/>
+                <a:latin typeface="Calibri" panose="020F0502020204030204" pitchFamily="34" charset="0"/>
+                <a:ea typeface="Calibri" panose="020F0502020204030204" pitchFamily="34" charset="0"/>
+              </a:rPr>
+              <a:t>voffset</a:t>
+            </a:r>
+            <a:r>
+              <a:rPr lang="en-GB" sz="1200" dirty="0">
+                <a:effectLst/>
+                <a:latin typeface="Calibri" panose="020F0502020204030204" pitchFamily="34" charset="0"/>
+                <a:ea typeface="Calibri" panose="020F0502020204030204" pitchFamily="34" charset="0"/>
+              </a:rPr>
+              <a:t>": "2mm"</a:t>
+            </a:r>
+            <a:endParaRPr lang="da-DK" sz="1200" dirty="0">
+              <a:effectLst/>
+              <a:latin typeface="Calibri" panose="020F0502020204030204" pitchFamily="34" charset="0"/>
+              <a:ea typeface="Calibri" panose="020F0502020204030204" pitchFamily="34" charset="0"/>
+            </a:endParaRPr>
+          </a:p>
+          <a:p>
+            <a:r>
+              <a:rPr lang="en-GB" sz="1200" dirty="0">
+                <a:effectLst/>
+                <a:latin typeface="Calibri" panose="020F0502020204030204" pitchFamily="34" charset="0"/>
+                <a:ea typeface="Calibri" panose="020F0502020204030204" pitchFamily="34" charset="0"/>
+              </a:rPr>
+              <a:t>    },</a:t>
+            </a:r>
+            <a:endParaRPr lang="da-DK" sz="1200" dirty="0">
+              <a:effectLst/>
+              <a:latin typeface="Calibri" panose="020F0502020204030204" pitchFamily="34" charset="0"/>
+              <a:ea typeface="Calibri" panose="020F0502020204030204" pitchFamily="34" charset="0"/>
+            </a:endParaRPr>
+          </a:p>
+          <a:p>
+            <a:r>
+              <a:rPr lang="en-GB" sz="1200" dirty="0">
+                <a:effectLst/>
+                <a:latin typeface="Calibri" panose="020F0502020204030204" pitchFamily="34" charset="0"/>
+                <a:ea typeface="Calibri" panose="020F0502020204030204" pitchFamily="34" charset="0"/>
+              </a:rPr>
+              <a:t>    "text": {</a:t>
+            </a:r>
+            <a:endParaRPr lang="da-DK" sz="1200" dirty="0">
+              <a:effectLst/>
+              <a:latin typeface="Calibri" panose="020F0502020204030204" pitchFamily="34" charset="0"/>
+              <a:ea typeface="Calibri" panose="020F0502020204030204" pitchFamily="34" charset="0"/>
+            </a:endParaRPr>
+          </a:p>
+          <a:p>
+            <a:r>
+              <a:rPr lang="en-GB" sz="1200" dirty="0">
+                <a:effectLst/>
+                <a:latin typeface="Calibri" panose="020F0502020204030204" pitchFamily="34" charset="0"/>
+                <a:ea typeface="Calibri" panose="020F0502020204030204" pitchFamily="34" charset="0"/>
+              </a:rPr>
+              <a:t>        "type": "simple"</a:t>
+            </a:r>
+            <a:endParaRPr lang="da-DK" sz="1200" dirty="0">
+              <a:effectLst/>
+              <a:latin typeface="Calibri" panose="020F0502020204030204" pitchFamily="34" charset="0"/>
+              <a:ea typeface="Calibri" panose="020F0502020204030204" pitchFamily="34" charset="0"/>
+            </a:endParaRPr>
+          </a:p>
+          <a:p>
+            <a:r>
+              <a:rPr lang="en-GB" sz="1200" dirty="0">
+                <a:effectLst/>
+                <a:latin typeface="Calibri" panose="020F0502020204030204" pitchFamily="34" charset="0"/>
+                <a:ea typeface="Calibri" panose="020F0502020204030204" pitchFamily="34" charset="0"/>
+              </a:rPr>
+              <a:t>    },</a:t>
+            </a:r>
+            <a:endParaRPr lang="da-DK" sz="1200" dirty="0">
+              <a:effectLst/>
+              <a:latin typeface="Calibri" panose="020F0502020204030204" pitchFamily="34" charset="0"/>
+              <a:ea typeface="Calibri" panose="020F0502020204030204" pitchFamily="34" charset="0"/>
+            </a:endParaRPr>
+          </a:p>
+          <a:p>
+            <a:r>
+              <a:rPr lang="en-GB" sz="1200" dirty="0">
+                <a:effectLst/>
+                <a:latin typeface="Calibri" panose="020F0502020204030204" pitchFamily="34" charset="0"/>
+                <a:ea typeface="Calibri" panose="020F0502020204030204" pitchFamily="34" charset="0"/>
+              </a:rPr>
+              <a:t>    "post": {</a:t>
+            </a:r>
+            <a:endParaRPr lang="da-DK" sz="1200" dirty="0">
+              <a:effectLst/>
+              <a:latin typeface="Calibri" panose="020F0502020204030204" pitchFamily="34" charset="0"/>
+              <a:ea typeface="Calibri" panose="020F0502020204030204" pitchFamily="34" charset="0"/>
+            </a:endParaRPr>
+          </a:p>
+          <a:p>
+            <a:r>
+              <a:rPr lang="en-GB" sz="1200" dirty="0">
+                <a:effectLst/>
+                <a:latin typeface="Calibri" panose="020F0502020204030204" pitchFamily="34" charset="0"/>
+                <a:ea typeface="Calibri" panose="020F0502020204030204" pitchFamily="34" charset="0"/>
+              </a:rPr>
+              <a:t>        "</a:t>
+            </a:r>
+            <a:r>
+              <a:rPr lang="en-GB" sz="1200" dirty="0" err="1">
+                <a:effectLst/>
+                <a:latin typeface="Calibri" panose="020F0502020204030204" pitchFamily="34" charset="0"/>
+                <a:ea typeface="Calibri" panose="020F0502020204030204" pitchFamily="34" charset="0"/>
+              </a:rPr>
+              <a:t>millradius</a:t>
+            </a:r>
+            <a:r>
+              <a:rPr lang="en-GB" sz="1200" dirty="0">
+                <a:effectLst/>
+                <a:latin typeface="Calibri" panose="020F0502020204030204" pitchFamily="34" charset="0"/>
+                <a:ea typeface="Calibri" panose="020F0502020204030204" pitchFamily="34" charset="0"/>
+              </a:rPr>
+              <a:t>": "1mm"</a:t>
+            </a:r>
+            <a:endParaRPr lang="da-DK" sz="1200" dirty="0">
+              <a:effectLst/>
+              <a:latin typeface="Calibri" panose="020F0502020204030204" pitchFamily="34" charset="0"/>
+              <a:ea typeface="Calibri" panose="020F0502020204030204" pitchFamily="34" charset="0"/>
+            </a:endParaRPr>
+          </a:p>
+          <a:p>
+            <a:r>
+              <a:rPr lang="en-GB" sz="1200" dirty="0">
+                <a:effectLst/>
+                <a:latin typeface="Calibri" panose="020F0502020204030204" pitchFamily="34" charset="0"/>
+                <a:ea typeface="Calibri" panose="020F0502020204030204" pitchFamily="34" charset="0"/>
+              </a:rPr>
+              <a:t>    }</a:t>
+            </a:r>
+            <a:endParaRPr lang="da-DK" sz="1200" dirty="0">
+              <a:effectLst/>
+              <a:latin typeface="Calibri" panose="020F0502020204030204" pitchFamily="34" charset="0"/>
+              <a:ea typeface="Calibri" panose="020F0502020204030204" pitchFamily="34" charset="0"/>
+            </a:endParaRPr>
+          </a:p>
+          <a:p>
+            <a:r>
+              <a:rPr lang="en-GB" sz="1200" dirty="0">
+                <a:effectLst/>
+                <a:latin typeface="Calibri" panose="020F0502020204030204" pitchFamily="34" charset="0"/>
+                <a:ea typeface="Calibri" panose="020F0502020204030204" pitchFamily="34" charset="0"/>
+              </a:rPr>
+              <a:t>}</a:t>
+            </a:r>
+            <a:endParaRPr lang="da-DK" sz="1200" dirty="0">
+              <a:effectLst/>
+              <a:latin typeface="Calibri" panose="020F0502020204030204" pitchFamily="34" charset="0"/>
+              <a:ea typeface="Calibri" panose="020F0502020204030204" pitchFamily="34" charset="0"/>
+            </a:endParaRPr>
+          </a:p>
+        </p:txBody>
+      </p:sp>
     </p:spTree>
     <p:extLst>
       <p:ext uri="{BB962C8B-B14F-4D97-AF65-F5344CB8AC3E}">
-        <p14:creationId xmlns:p14="http://schemas.microsoft.com/office/powerpoint/2010/main" val="1711935362"/>
+        <p14:creationId xmlns:p14="http://schemas.microsoft.com/office/powerpoint/2010/main" val="2542965395"/>
       </p:ext>
     </p:extLst>
   </p:cSld>
@@ -19191,6 +19222,15 @@
 </file>
 
 <file path=customXml/item1.xml><?xml version="1.0" encoding="utf-8"?>
+<?mso-contentType ?>
+<FormTemplates xmlns="http://schemas.microsoft.com/sharepoint/v3/contenttype/forms">
+  <Display>DocumentLibraryForm</Display>
+  <Edit>DocumentLibraryForm</Edit>
+  <New>DocumentLibraryForm</New>
+</FormTemplates>
+</file>
+
+<file path=customXml/item2.xml><?xml version="1.0" encoding="utf-8"?>
 <p:properties xmlns:p="http://schemas.microsoft.com/office/2006/metadata/properties" xmlns:xsi="http://www.w3.org/2001/XMLSchema-instance" xmlns:pc="http://schemas.microsoft.com/office/infopath/2007/PartnerControls">
   <documentManagement>
     <_ip_UnifiedCompliancePolicyUIAction xmlns="http://schemas.microsoft.com/sharepoint/v3" xsi:nil="true"/>
@@ -19207,15 +19247,6 @@
     <MediaServiceKeyPoints xmlns="71af3243-3dd4-4a8d-8c0d-dd76da1f02a5" xsi:nil="true"/>
   </documentManagement>
 </p:properties>
-</file>
-
-<file path=customXml/item2.xml><?xml version="1.0" encoding="utf-8"?>
-<?mso-contentType ?>
-<FormTemplates xmlns="http://schemas.microsoft.com/sharepoint/v3/contenttype/forms">
-  <Display>DocumentLibraryForm</Display>
-  <Edit>DocumentLibraryForm</Edit>
-  <New>DocumentLibraryForm</New>
-</FormTemplates>
 </file>
 
 <file path=customXml/item3.xml><?xml version="1.0" encoding="utf-8"?>
@@ -19495,6 +19526,14 @@
 </file>
 
 <file path=customXml/itemProps1.xml><?xml version="1.0" encoding="utf-8"?>
+<ds:datastoreItem xmlns:ds="http://schemas.openxmlformats.org/officeDocument/2006/customXml" ds:itemID="{904751AB-E840-446F-8D49-E697067EC887}">
+  <ds:schemaRefs>
+    <ds:schemaRef ds:uri="http://schemas.microsoft.com/sharepoint/v3/contenttype/forms"/>
+  </ds:schemaRefs>
+</ds:datastoreItem>
+</file>
+
+<file path=customXml/itemProps2.xml><?xml version="1.0" encoding="utf-8"?>
 <ds:datastoreItem xmlns:ds="http://schemas.openxmlformats.org/officeDocument/2006/customXml" ds:itemID="{50811A92-D464-4AC4-A396-BA73B10CEEAC}">
   <ds:schemaRefs>
     <ds:schemaRef ds:uri="http://schemas.microsoft.com/office/2006/metadata/properties"/>
@@ -19502,14 +19541,6 @@
     <ds:schemaRef ds:uri="http://schemas.microsoft.com/sharepoint/v3"/>
     <ds:schemaRef ds:uri="71af3243-3dd4-4a8d-8c0d-dd76da1f02a5"/>
     <ds:schemaRef ds:uri="230e9df3-be65-4c73-a93b-d1236ebd677e"/>
-  </ds:schemaRefs>
-</ds:datastoreItem>
-</file>
-
-<file path=customXml/itemProps2.xml><?xml version="1.0" encoding="utf-8"?>
-<ds:datastoreItem xmlns:ds="http://schemas.openxmlformats.org/officeDocument/2006/customXml" ds:itemID="{904751AB-E840-446F-8D49-E697067EC887}">
-  <ds:schemaRefs>
-    <ds:schemaRef ds:uri="http://schemas.microsoft.com/sharepoint/v3/contenttype/forms"/>
   </ds:schemaRefs>
 </ds:datastoreItem>
 </file>
